--- a/ouputs/수료프로젝트 발표_1팀.pptx
+++ b/ouputs/수료프로젝트 발표_1팀.pptx
@@ -5,18 +5,13 @@
     <p:sldMasterId id="2147483648" r:id="rId1"/>
   </p:sldMasterIdLst>
   <p:notesMasterIdLst>
-    <p:notesMasterId r:id="rId8"/>
+    <p:notesMasterId r:id="rId3"/>
   </p:notesMasterIdLst>
   <p:handoutMasterIdLst>
-    <p:handoutMasterId r:id="rId9"/>
+    <p:handoutMasterId r:id="rId4"/>
   </p:handoutMasterIdLst>
   <p:sldIdLst>
     <p:sldId id="300" r:id="rId2"/>
-    <p:sldId id="277" r:id="rId3"/>
-    <p:sldId id="278" r:id="rId4"/>
-    <p:sldId id="279" r:id="rId5"/>
-    <p:sldId id="299" r:id="rId6"/>
-    <p:sldId id="276" r:id="rId7"/>
   </p:sldIdLst>
   <p:sldSz cx="9144000" cy="6858000" type="screen4x3"/>
   <p:notesSz cx="6858000" cy="9144000"/>
@@ -657,100 +652,6 @@
     </a:lvl9pPr>
   </p:notesStyle>
 </p:notesMaster>
-</file>
-
-<file path=ppt/notesSlides/notesSlide1.xml><?xml version="1.0" encoding="utf-8"?>
-<p:notes xmlns:a="http://schemas.openxmlformats.org/drawingml/2006/main" xmlns:r="http://schemas.openxmlformats.org/officeDocument/2006/relationships" xmlns:p="http://schemas.openxmlformats.org/presentationml/2006/main">
-  <p:cSld>
-    <p:spTree>
-      <p:nvGrpSpPr>
-        <p:cNvPr id="1" name=""/>
-        <p:cNvGrpSpPr/>
-        <p:nvPr/>
-      </p:nvGrpSpPr>
-      <p:grpSpPr>
-        <a:xfrm>
-          <a:off x="0" y="0"/>
-          <a:ext cx="0" cy="0"/>
-          <a:chOff x="0" y="0"/>
-          <a:chExt cx="0" cy="0"/>
-        </a:xfrm>
-      </p:grpSpPr>
-      <p:sp>
-        <p:nvSpPr>
-          <p:cNvPr id="2" name="슬라이드 이미지 개체 틀 1"/>
-          <p:cNvSpPr>
-            <a:spLocks noGrp="1" noRot="1" noChangeAspect="1"/>
-          </p:cNvSpPr>
-          <p:nvPr>
-            <p:ph type="sldImg"/>
-          </p:nvPr>
-        </p:nvSpPr>
-        <p:spPr>
-          <a:xfrm>
-            <a:off x="1371600" y="1143000"/>
-            <a:ext cx="4114800" cy="3086100"/>
-          </a:xfrm>
-        </p:spPr>
-      </p:sp>
-      <p:sp>
-        <p:nvSpPr>
-          <p:cNvPr id="3" name="슬라이드 노트 개체 틀 2"/>
-          <p:cNvSpPr>
-            <a:spLocks noGrp="1"/>
-          </p:cNvSpPr>
-          <p:nvPr>
-            <p:ph type="body" idx="1"/>
-          </p:nvPr>
-        </p:nvSpPr>
-        <p:spPr/>
-        <p:txBody>
-          <a:bodyPr>
-            <a:normAutofit/>
-          </a:bodyPr>
-          <a:lstStyle/>
-          <a:p>
-            <a:endParaRPr lang="ko-KR" altLang="en-US"/>
-          </a:p>
-        </p:txBody>
-      </p:sp>
-      <p:sp>
-        <p:nvSpPr>
-          <p:cNvPr id="5" name="날짜 개체 틀 4"/>
-          <p:cNvSpPr>
-            <a:spLocks noGrp="1"/>
-          </p:cNvSpPr>
-          <p:nvPr>
-            <p:ph type="dt" idx="11"/>
-          </p:nvPr>
-        </p:nvSpPr>
-        <p:spPr/>
-        <p:txBody>
-          <a:bodyPr/>
-          <a:lstStyle/>
-          <a:p>
-            <a:pPr>
-              <a:defRPr/>
-            </a:pPr>
-            <a:fld id="{89A41333-C986-4AC6-9EA5-5A3377DC91C6}" type="datetime1">
-              <a:rPr lang="ko-KR" altLang="en-US" smtClean="0"/>
-              <a:t>2022-09-30</a:t>
-            </a:fld>
-            <a:endParaRPr lang="en-US" altLang="ko-KR"/>
-          </a:p>
-        </p:txBody>
-      </p:sp>
-    </p:spTree>
-    <p:extLst>
-      <p:ext uri="{BB962C8B-B14F-4D97-AF65-F5344CB8AC3E}">
-        <p14:creationId xmlns:p14="http://schemas.microsoft.com/office/powerpoint/2010/main" val="4094624545"/>
-      </p:ext>
-    </p:extLst>
-  </p:cSld>
-  <p:clrMapOvr>
-    <a:masterClrMapping/>
-  </p:clrMapOvr>
-</p:notes>
 </file>
 
 <file path=ppt/slideLayouts/slideLayout1.xml><?xml version="1.0" encoding="utf-8"?>
@@ -9741,428 +9642,6 @@
 </p:sldLayout>
 </file>
 
-<file path=ppt/slideLayouts/slideLayout7.xml><?xml version="1.0" encoding="utf-8"?>
-<p:sldLayout xmlns:a="http://schemas.openxmlformats.org/drawingml/2006/main" xmlns:r="http://schemas.openxmlformats.org/officeDocument/2006/relationships" xmlns:p="http://schemas.openxmlformats.org/presentationml/2006/main" userDrawn="1">
-  <p:cSld name="Cover">
-    <p:spTree>
-      <p:nvGrpSpPr>
-        <p:cNvPr id="1" name=""/>
-        <p:cNvGrpSpPr/>
-        <p:nvPr/>
-      </p:nvGrpSpPr>
-      <p:grpSpPr>
-        <a:xfrm>
-          <a:off x="0" y="0"/>
-          <a:ext cx="0" cy="0"/>
-          <a:chOff x="0" y="0"/>
-          <a:chExt cx="0" cy="0"/>
-        </a:xfrm>
-      </p:grpSpPr>
-      <p:sp>
-        <p:nvSpPr>
-          <p:cNvPr id="4" name="Line 40"/>
-          <p:cNvSpPr>
-            <a:spLocks noChangeShapeType="1"/>
-          </p:cNvSpPr>
-          <p:nvPr userDrawn="1"/>
-        </p:nvSpPr>
-        <p:spPr bwMode="auto">
-          <a:xfrm>
-            <a:off x="685800" y="2133600"/>
-            <a:ext cx="7775331" cy="0"/>
-          </a:xfrm>
-          <a:prstGeom prst="line">
-            <a:avLst/>
-          </a:prstGeom>
-          <a:noFill/>
-          <a:ln w="57150">
-            <a:solidFill>
-              <a:srgbClr val="0070C0"/>
-            </a:solidFill>
-            <a:round/>
-            <a:headEnd/>
-            <a:tailEnd/>
-          </a:ln>
-          <a:effectLst/>
-        </p:spPr>
-        <p:txBody>
-          <a:bodyPr/>
-          <a:lstStyle/>
-          <a:p>
-            <a:pPr fontAlgn="auto">
-              <a:spcBef>
-                <a:spcPts val="0"/>
-              </a:spcBef>
-              <a:spcAft>
-                <a:spcPts val="0"/>
-              </a:spcAft>
-              <a:defRPr/>
-            </a:pPr>
-            <a:endParaRPr kumimoji="0" lang="ko-KR" altLang="en-US" sz="1800" b="0">
-              <a:latin typeface="+mn-lt"/>
-              <a:ea typeface="+mn-ea"/>
-            </a:endParaRPr>
-          </a:p>
-        </p:txBody>
-      </p:sp>
-      <p:sp>
-        <p:nvSpPr>
-          <p:cNvPr id="5" name="Line 41"/>
-          <p:cNvSpPr>
-            <a:spLocks noChangeShapeType="1"/>
-          </p:cNvSpPr>
-          <p:nvPr userDrawn="1"/>
-        </p:nvSpPr>
-        <p:spPr bwMode="auto">
-          <a:xfrm>
-            <a:off x="685800" y="3886200"/>
-            <a:ext cx="7775331" cy="0"/>
-          </a:xfrm>
-          <a:prstGeom prst="line">
-            <a:avLst/>
-          </a:prstGeom>
-          <a:noFill/>
-          <a:ln w="57150">
-            <a:solidFill>
-              <a:srgbClr val="0070C0"/>
-            </a:solidFill>
-            <a:round/>
-            <a:headEnd/>
-            <a:tailEnd/>
-          </a:ln>
-          <a:effectLst/>
-        </p:spPr>
-        <p:txBody>
-          <a:bodyPr/>
-          <a:lstStyle/>
-          <a:p>
-            <a:pPr fontAlgn="auto">
-              <a:spcBef>
-                <a:spcPts val="0"/>
-              </a:spcBef>
-              <a:spcAft>
-                <a:spcPts val="0"/>
-              </a:spcAft>
-              <a:defRPr/>
-            </a:pPr>
-            <a:endParaRPr kumimoji="0" lang="ko-KR" altLang="en-US" sz="1800" b="0">
-              <a:latin typeface="+mn-lt"/>
-              <a:ea typeface="+mn-ea"/>
-            </a:endParaRPr>
-          </a:p>
-        </p:txBody>
-      </p:sp>
-      <p:sp>
-        <p:nvSpPr>
-          <p:cNvPr id="8" name="Rectangle 20"/>
-          <p:cNvSpPr>
-            <a:spLocks noGrp="1" noChangeArrowheads="1"/>
-          </p:cNvSpPr>
-          <p:nvPr>
-            <p:ph type="subTitle" sz="quarter" idx="1" hasCustomPrompt="1"/>
-          </p:nvPr>
-        </p:nvSpPr>
-        <p:spPr>
-          <a:xfrm>
-            <a:off x="660593" y="4511675"/>
-            <a:ext cx="7833076" cy="1060450"/>
-          </a:xfrm>
-          <a:prstGeom prst="rect">
-            <a:avLst/>
-          </a:prstGeom>
-          <a:ln w="9525">
-            <a:prstDash val="solid"/>
-          </a:ln>
-        </p:spPr>
-        <p:txBody>
-          <a:bodyPr/>
-          <a:lstStyle>
-            <a:lvl1pPr algn="ctr">
-              <a:buNone/>
-              <a:defRPr sz="2000" b="1"/>
-            </a:lvl1pPr>
-          </a:lstStyle>
-          <a:p>
-            <a:r>
-              <a:rPr lang="en-US" altLang="en-US" dirty="0"/>
-              <a:t>Click to edit Master subtitle </a:t>
-            </a:r>
-            <a:r>
-              <a:rPr lang="en-US" altLang="en-US" dirty="0" smtClean="0"/>
-              <a:t>style</a:t>
-            </a:r>
-          </a:p>
-          <a:p>
-            <a:r>
-              <a:rPr lang="en-US" altLang="en-US" dirty="0" smtClean="0"/>
-              <a:t>Date (style: YYYY.MM.DD.)</a:t>
-            </a:r>
-            <a:endParaRPr lang="en-US" altLang="en-US" dirty="0"/>
-          </a:p>
-        </p:txBody>
-      </p:sp>
-      <p:sp>
-        <p:nvSpPr>
-          <p:cNvPr id="9" name="Rectangle 9"/>
-          <p:cNvSpPr>
-            <a:spLocks noChangeArrowheads="1"/>
-          </p:cNvSpPr>
-          <p:nvPr userDrawn="1"/>
-        </p:nvSpPr>
-        <p:spPr bwMode="auto">
-          <a:xfrm flipV="1">
-            <a:off x="0" y="6237291"/>
-            <a:ext cx="9144000" cy="193675"/>
-          </a:xfrm>
-          <a:prstGeom prst="rect">
-            <a:avLst/>
-          </a:prstGeom>
-          <a:solidFill>
-            <a:srgbClr val="0070C0"/>
-          </a:solidFill>
-          <a:ln>
-            <a:noFill/>
-          </a:ln>
-          <a:effectLst/>
-          <a:extLst/>
-        </p:spPr>
-        <p:txBody>
-          <a:bodyPr wrap="none" anchor="ctr"/>
-          <a:lstStyle>
-            <a:lvl1pPr algn="just">
-              <a:spcBef>
-                <a:spcPct val="50000"/>
-              </a:spcBef>
-              <a:buClr>
-                <a:schemeClr val="accent1"/>
-              </a:buClr>
-              <a:buSzPct val="50000"/>
-              <a:buFont typeface="Monotype Sorts" pitchFamily="2" charset="2"/>
-              <a:defRPr sz="1400" b="1">
-                <a:solidFill>
-                  <a:srgbClr val="000000"/>
-                </a:solidFill>
-                <a:latin typeface="Arial" panose="020B0604020202020204" pitchFamily="34" charset="0"/>
-                <a:ea typeface="굴림" panose="020B0600000101010101" pitchFamily="50" charset="-127"/>
-              </a:defRPr>
-            </a:lvl1pPr>
-            <a:lvl2pPr marL="742950" indent="-285750" algn="just">
-              <a:spcBef>
-                <a:spcPct val="50000"/>
-              </a:spcBef>
-              <a:buClr>
-                <a:schemeClr val="accent1"/>
-              </a:buClr>
-              <a:buSzPct val="50000"/>
-              <a:buFont typeface="Monotype Sorts" pitchFamily="2" charset="2"/>
-              <a:defRPr sz="1400" b="1">
-                <a:solidFill>
-                  <a:srgbClr val="000000"/>
-                </a:solidFill>
-                <a:latin typeface="Arial" panose="020B0604020202020204" pitchFamily="34" charset="0"/>
-                <a:ea typeface="굴림" panose="020B0600000101010101" pitchFamily="50" charset="-127"/>
-              </a:defRPr>
-            </a:lvl2pPr>
-            <a:lvl3pPr marL="1143000" indent="-228600" algn="just">
-              <a:spcBef>
-                <a:spcPct val="50000"/>
-              </a:spcBef>
-              <a:buClr>
-                <a:schemeClr val="accent1"/>
-              </a:buClr>
-              <a:buSzPct val="50000"/>
-              <a:buFont typeface="Monotype Sorts" pitchFamily="2" charset="2"/>
-              <a:defRPr sz="1400" b="1">
-                <a:solidFill>
-                  <a:srgbClr val="000000"/>
-                </a:solidFill>
-                <a:latin typeface="Arial" panose="020B0604020202020204" pitchFamily="34" charset="0"/>
-                <a:ea typeface="굴림" panose="020B0600000101010101" pitchFamily="50" charset="-127"/>
-              </a:defRPr>
-            </a:lvl3pPr>
-            <a:lvl4pPr marL="1600200" indent="-228600" algn="just">
-              <a:spcBef>
-                <a:spcPct val="50000"/>
-              </a:spcBef>
-              <a:buClr>
-                <a:schemeClr val="accent1"/>
-              </a:buClr>
-              <a:buSzPct val="50000"/>
-              <a:buFont typeface="Monotype Sorts" pitchFamily="2" charset="2"/>
-              <a:defRPr sz="1400" b="1">
-                <a:solidFill>
-                  <a:srgbClr val="000000"/>
-                </a:solidFill>
-                <a:latin typeface="Arial" panose="020B0604020202020204" pitchFamily="34" charset="0"/>
-                <a:ea typeface="굴림" panose="020B0600000101010101" pitchFamily="50" charset="-127"/>
-              </a:defRPr>
-            </a:lvl4pPr>
-            <a:lvl5pPr marL="2057400" indent="-228600" algn="just">
-              <a:spcBef>
-                <a:spcPct val="50000"/>
-              </a:spcBef>
-              <a:buClr>
-                <a:schemeClr val="accent1"/>
-              </a:buClr>
-              <a:buSzPct val="50000"/>
-              <a:buFont typeface="Monotype Sorts" pitchFamily="2" charset="2"/>
-              <a:defRPr sz="1400" b="1">
-                <a:solidFill>
-                  <a:srgbClr val="000000"/>
-                </a:solidFill>
-                <a:latin typeface="Arial" panose="020B0604020202020204" pitchFamily="34" charset="0"/>
-                <a:ea typeface="굴림" panose="020B0600000101010101" pitchFamily="50" charset="-127"/>
-              </a:defRPr>
-            </a:lvl5pPr>
-            <a:lvl6pPr marL="2514600" indent="-228600" algn="just" eaLnBrk="0" fontAlgn="base" hangingPunct="0">
-              <a:spcBef>
-                <a:spcPct val="50000"/>
-              </a:spcBef>
-              <a:spcAft>
-                <a:spcPct val="0"/>
-              </a:spcAft>
-              <a:buClr>
-                <a:schemeClr val="accent1"/>
-              </a:buClr>
-              <a:buSzPct val="50000"/>
-              <a:buFont typeface="Monotype Sorts" pitchFamily="2" charset="2"/>
-              <a:defRPr sz="1400" b="1">
-                <a:solidFill>
-                  <a:srgbClr val="000000"/>
-                </a:solidFill>
-                <a:latin typeface="Arial" panose="020B0604020202020204" pitchFamily="34" charset="0"/>
-                <a:ea typeface="굴림" panose="020B0600000101010101" pitchFamily="50" charset="-127"/>
-              </a:defRPr>
-            </a:lvl6pPr>
-            <a:lvl7pPr marL="2971800" indent="-228600" algn="just" eaLnBrk="0" fontAlgn="base" hangingPunct="0">
-              <a:spcBef>
-                <a:spcPct val="50000"/>
-              </a:spcBef>
-              <a:spcAft>
-                <a:spcPct val="0"/>
-              </a:spcAft>
-              <a:buClr>
-                <a:schemeClr val="accent1"/>
-              </a:buClr>
-              <a:buSzPct val="50000"/>
-              <a:buFont typeface="Monotype Sorts" pitchFamily="2" charset="2"/>
-              <a:defRPr sz="1400" b="1">
-                <a:solidFill>
-                  <a:srgbClr val="000000"/>
-                </a:solidFill>
-                <a:latin typeface="Arial" panose="020B0604020202020204" pitchFamily="34" charset="0"/>
-                <a:ea typeface="굴림" panose="020B0600000101010101" pitchFamily="50" charset="-127"/>
-              </a:defRPr>
-            </a:lvl7pPr>
-            <a:lvl8pPr marL="3429000" indent="-228600" algn="just" eaLnBrk="0" fontAlgn="base" hangingPunct="0">
-              <a:spcBef>
-                <a:spcPct val="50000"/>
-              </a:spcBef>
-              <a:spcAft>
-                <a:spcPct val="0"/>
-              </a:spcAft>
-              <a:buClr>
-                <a:schemeClr val="accent1"/>
-              </a:buClr>
-              <a:buSzPct val="50000"/>
-              <a:buFont typeface="Monotype Sorts" pitchFamily="2" charset="2"/>
-              <a:defRPr sz="1400" b="1">
-                <a:solidFill>
-                  <a:srgbClr val="000000"/>
-                </a:solidFill>
-                <a:latin typeface="Arial" panose="020B0604020202020204" pitchFamily="34" charset="0"/>
-                <a:ea typeface="굴림" panose="020B0600000101010101" pitchFamily="50" charset="-127"/>
-              </a:defRPr>
-            </a:lvl8pPr>
-            <a:lvl9pPr marL="3886200" indent="-228600" algn="just" eaLnBrk="0" fontAlgn="base" hangingPunct="0">
-              <a:spcBef>
-                <a:spcPct val="50000"/>
-              </a:spcBef>
-              <a:spcAft>
-                <a:spcPct val="0"/>
-              </a:spcAft>
-              <a:buClr>
-                <a:schemeClr val="accent1"/>
-              </a:buClr>
-              <a:buSzPct val="50000"/>
-              <a:buFont typeface="Monotype Sorts" pitchFamily="2" charset="2"/>
-              <a:defRPr sz="1400" b="1">
-                <a:solidFill>
-                  <a:srgbClr val="000000"/>
-                </a:solidFill>
-                <a:latin typeface="Arial" panose="020B0604020202020204" pitchFamily="34" charset="0"/>
-                <a:ea typeface="굴림" panose="020B0600000101010101" pitchFamily="50" charset="-127"/>
-              </a:defRPr>
-            </a:lvl9pPr>
-          </a:lstStyle>
-          <a:p>
-            <a:endParaRPr lang="ko-KR" altLang="en-US" sz="1400"/>
-          </a:p>
-        </p:txBody>
-      </p:sp>
-      <p:sp>
-        <p:nvSpPr>
-          <p:cNvPr id="10" name="Rectangle 19"/>
-          <p:cNvSpPr>
-            <a:spLocks noGrp="1" noChangeArrowheads="1"/>
-          </p:cNvSpPr>
-          <p:nvPr>
-            <p:ph type="ctrTitle" sz="quarter"/>
-          </p:nvPr>
-        </p:nvSpPr>
-        <p:spPr bwMode="auto">
-          <a:xfrm>
-            <a:off x="1351119" y="2317751"/>
-            <a:ext cx="6364375" cy="1281113"/>
-          </a:xfrm>
-          <a:prstGeom prst="rect">
-            <a:avLst/>
-          </a:prstGeom>
-        </p:spPr>
-        <p:txBody>
-          <a:bodyPr anchor="ctr" anchorCtr="1"/>
-          <a:lstStyle>
-            <a:lvl1pPr algn="ctr">
-              <a:lnSpc>
-                <a:spcPct val="95000"/>
-              </a:lnSpc>
-              <a:defRPr sz="3600" b="1" baseline="0">
-                <a:solidFill>
-                  <a:srgbClr val="000000"/>
-                </a:solidFill>
-                <a:latin typeface="Arial" pitchFamily="34" charset="0"/>
-                <a:ea typeface="맑은 고딕" pitchFamily="50" charset="-127"/>
-              </a:defRPr>
-            </a:lvl1pPr>
-          </a:lstStyle>
-          <a:p>
-            <a:r>
-              <a:rPr lang="en-US" altLang="en-US" dirty="0"/>
-              <a:t>Click to edit Master title style</a:t>
-            </a:r>
-          </a:p>
-        </p:txBody>
-      </p:sp>
-    </p:spTree>
-    <p:extLst>
-      <p:ext uri="{BB962C8B-B14F-4D97-AF65-F5344CB8AC3E}">
-        <p14:creationId xmlns:p14="http://schemas.microsoft.com/office/powerpoint/2010/main" val="3926346370"/>
-      </p:ext>
-    </p:extLst>
-  </p:cSld>
-  <p:clrMapOvr>
-    <a:masterClrMapping/>
-  </p:clrMapOvr>
-  <p:timing>
-    <p:tnLst>
-      <p:par>
-        <p:cTn id="1" dur="indefinite" restart="never" nodeType="tmRoot"/>
-      </p:par>
-    </p:tnLst>
-  </p:timing>
-</p:sldLayout>
-</file>
-
 <file path=ppt/slideMasters/slideMaster1.xml><?xml version="1.0" encoding="utf-8"?>
 <p:sldMaster xmlns:a="http://schemas.openxmlformats.org/drawingml/2006/main" xmlns:r="http://schemas.openxmlformats.org/officeDocument/2006/relationships" xmlns:p="http://schemas.openxmlformats.org/presentationml/2006/main">
   <p:cSld>
@@ -10200,7 +9679,6 @@
     <p:sldLayoutId id="2147483650" r:id="rId4"/>
     <p:sldLayoutId id="2147483651" r:id="rId5"/>
     <p:sldLayoutId id="2147483652" r:id="rId6"/>
-    <p:sldLayoutId id="2147483653" r:id="rId7"/>
   </p:sldLayoutIdLst>
   <p:hf sldNum="0" hdr="0" ftr="0" dt="0"/>
   <p:txStyles>
@@ -12905,17 +12383,7 @@
                             </a:schemeClr>
                           </a:solidFill>
                         </a:rPr>
-                        <a:t>사진 </a:t>
-                      </a:r>
-                      <a:r>
-                        <a:rPr lang="ko-KR" altLang="en-US" sz="1400" b="0" dirty="0" smtClean="0">
-                          <a:solidFill>
-                            <a:schemeClr val="bg2">
-                              <a:lumMod val="10000"/>
-                            </a:schemeClr>
-                          </a:solidFill>
-                        </a:rPr>
-                        <a:t>첨부</a:t>
+                        <a:t>사진 첨부</a:t>
                       </a:r>
                     </a:p>
                   </a:txBody>
@@ -13371,4401 +12839,6 @@
     <p:extLst>
       <p:ext uri="{BB962C8B-B14F-4D97-AF65-F5344CB8AC3E}">
         <p14:creationId xmlns:p14="http://schemas.microsoft.com/office/powerpoint/2010/main" val="4184808542"/>
-      </p:ext>
-    </p:extLst>
-  </p:cSld>
-  <p:clrMapOvr>
-    <a:masterClrMapping/>
-  </p:clrMapOvr>
-  <p:timing>
-    <p:tnLst>
-      <p:par>
-        <p:cTn id="1" dur="indefinite" restart="never" nodeType="tmRoot"/>
-      </p:par>
-    </p:tnLst>
-  </p:timing>
-</p:sld>
-</file>
-
-<file path=ppt/slides/slide2.xml><?xml version="1.0" encoding="utf-8"?>
-<p:sld xmlns:a="http://schemas.openxmlformats.org/drawingml/2006/main" xmlns:r="http://schemas.openxmlformats.org/officeDocument/2006/relationships" xmlns:p="http://schemas.openxmlformats.org/presentationml/2006/main">
-  <p:cSld>
-    <p:spTree>
-      <p:nvGrpSpPr>
-        <p:cNvPr id="1" name=""/>
-        <p:cNvGrpSpPr/>
-        <p:nvPr/>
-      </p:nvGrpSpPr>
-      <p:grpSpPr>
-        <a:xfrm>
-          <a:off x="0" y="0"/>
-          <a:ext cx="0" cy="0"/>
-          <a:chOff x="0" y="0"/>
-          <a:chExt cx="0" cy="0"/>
-        </a:xfrm>
-      </p:grpSpPr>
-      <p:sp>
-        <p:nvSpPr>
-          <p:cNvPr id="3" name="제목 2"/>
-          <p:cNvSpPr>
-            <a:spLocks noGrp="1"/>
-          </p:cNvSpPr>
-          <p:nvPr>
-            <p:ph type="ctrTitle" sz="quarter"/>
-          </p:nvPr>
-        </p:nvSpPr>
-        <p:spPr>
-          <a:xfrm>
-            <a:off x="1185591" y="2284702"/>
-            <a:ext cx="6438082" cy="733920"/>
-          </a:xfrm>
-          <a:prstGeom prst="rect">
-            <a:avLst/>
-          </a:prstGeom>
-        </p:spPr>
-        <p:txBody>
-          <a:bodyPr/>
-          <a:lstStyle/>
-          <a:p>
-            <a:pPr algn="r"/>
-            <a:r>
-              <a:rPr lang="ko-KR" altLang="en-US" sz="4000" dirty="0" smtClean="0">
-                <a:ln w="9525">
-                  <a:solidFill>
-                    <a:schemeClr val="bg1"/>
-                  </a:solidFill>
-                  <a:prstDash val="solid"/>
-                </a:ln>
-                <a:solidFill>
-                  <a:schemeClr val="tx1"/>
-                </a:solidFill>
-                <a:effectLst>
-                  <a:outerShdw blurRad="12700" dist="38100" dir="2700000" algn="tl" rotWithShape="0">
-                    <a:schemeClr val="bg1">
-                      <a:lumMod val="50000"/>
-                    </a:schemeClr>
-                  </a:outerShdw>
-                </a:effectLst>
-              </a:rPr>
-              <a:t>수료 프로젝트 </a:t>
-            </a:r>
-            <a:r>
-              <a:rPr lang="en-US" altLang="ko-KR" sz="4000" dirty="0" smtClean="0">
-                <a:ln w="9525">
-                  <a:solidFill>
-                    <a:schemeClr val="bg1"/>
-                  </a:solidFill>
-                  <a:prstDash val="solid"/>
-                </a:ln>
-                <a:solidFill>
-                  <a:schemeClr val="tx1"/>
-                </a:solidFill>
-                <a:effectLst>
-                  <a:outerShdw blurRad="12700" dist="38100" dir="2700000" algn="tl" rotWithShape="0">
-                    <a:schemeClr val="bg1">
-                      <a:lumMod val="50000"/>
-                    </a:schemeClr>
-                  </a:outerShdw>
-                </a:effectLst>
-              </a:rPr>
-              <a:t>0</a:t>
-            </a:r>
-            <a:r>
-              <a:rPr lang="ko-KR" altLang="en-US" sz="4000" dirty="0" smtClean="0">
-                <a:ln w="9525">
-                  <a:solidFill>
-                    <a:schemeClr val="bg1"/>
-                  </a:solidFill>
-                  <a:prstDash val="solid"/>
-                </a:ln>
-                <a:solidFill>
-                  <a:schemeClr val="tx1"/>
-                </a:solidFill>
-                <a:effectLst>
-                  <a:outerShdw blurRad="12700" dist="38100" dir="2700000" algn="tl" rotWithShape="0">
-                    <a:schemeClr val="bg1">
-                      <a:lumMod val="50000"/>
-                    </a:schemeClr>
-                  </a:outerShdw>
-                </a:effectLst>
-              </a:rPr>
-              <a:t>팀 발표</a:t>
-            </a:r>
-            <a:endParaRPr lang="ko-KR" altLang="en-US" sz="4000" dirty="0">
-              <a:ln w="9525">
-                <a:solidFill>
-                  <a:schemeClr val="bg1"/>
-                </a:solidFill>
-                <a:prstDash val="solid"/>
-              </a:ln>
-              <a:solidFill>
-                <a:schemeClr val="tx1"/>
-              </a:solidFill>
-              <a:effectLst>
-                <a:outerShdw blurRad="12700" dist="38100" dir="2700000" algn="tl" rotWithShape="0">
-                  <a:schemeClr val="bg1">
-                    <a:lumMod val="50000"/>
-                  </a:schemeClr>
-                </a:outerShdw>
-              </a:effectLst>
-            </a:endParaRPr>
-          </a:p>
-        </p:txBody>
-      </p:sp>
-      <p:sp>
-        <p:nvSpPr>
-          <p:cNvPr id="5" name="부제목 3"/>
-          <p:cNvSpPr txBox="1">
-            <a:spLocks/>
-          </p:cNvSpPr>
-          <p:nvPr/>
-        </p:nvSpPr>
-        <p:spPr>
-          <a:xfrm>
-            <a:off x="4309109" y="3451225"/>
-            <a:ext cx="4371249" cy="389255"/>
-          </a:xfrm>
-          <a:prstGeom prst="rect">
-            <a:avLst/>
-          </a:prstGeom>
-        </p:spPr>
-        <p:txBody>
-          <a:bodyPr anchor="ctr" anchorCtr="1"/>
-          <a:lstStyle>
-            <a:lvl1pPr algn="r" defTabSz="914411">
-              <a:lnSpc>
-                <a:spcPct val="95000"/>
-              </a:lnSpc>
-              <a:spcBef>
-                <a:spcPct val="0"/>
-              </a:spcBef>
-              <a:buNone/>
-              <a:defRPr sz="4000" b="1" baseline="0">
-                <a:ln w="9525">
-                  <a:solidFill>
-                    <a:schemeClr val="bg1"/>
-                  </a:solidFill>
-                  <a:prstDash val="solid"/>
-                </a:ln>
-                <a:effectLst>
-                  <a:outerShdw blurRad="12700" dist="38100" dir="2700000" algn="tl" rotWithShape="0">
-                    <a:schemeClr val="bg1">
-                      <a:lumMod val="50000"/>
-                    </a:schemeClr>
-                  </a:outerShdw>
-                </a:effectLst>
-                <a:latin typeface="Arial" pitchFamily="34" charset="0"/>
-                <a:ea typeface="맑은 고딕" pitchFamily="50" charset="-127"/>
-                <a:cs typeface="+mj-cs"/>
-              </a:defRPr>
-            </a:lvl1pPr>
-          </a:lstStyle>
-          <a:p>
-            <a:r>
-              <a:rPr lang="ko-KR" altLang="en-US" sz="1600" b="0" dirty="0" err="1" smtClean="0">
-                <a:ln w="0"/>
-                <a:effectLst>
-                  <a:outerShdw blurRad="38100" dist="19050" dir="2700000" algn="tl" rotWithShape="0">
-                    <a:schemeClr val="dk1">
-                      <a:alpha val="40000"/>
-                    </a:schemeClr>
-                  </a:outerShdw>
-                </a:effectLst>
-              </a:rPr>
-              <a:t>시스템명</a:t>
-            </a:r>
-            <a:r>
-              <a:rPr lang="ko-KR" altLang="en-US" sz="1600" b="0" dirty="0" smtClean="0">
-                <a:ln w="0"/>
-                <a:effectLst>
-                  <a:outerShdw blurRad="38100" dist="19050" dir="2700000" algn="tl" rotWithShape="0">
-                    <a:schemeClr val="dk1">
-                      <a:alpha val="40000"/>
-                    </a:schemeClr>
-                  </a:outerShdw>
-                </a:effectLst>
-              </a:rPr>
-              <a:t> </a:t>
-            </a:r>
-            <a:r>
-              <a:rPr lang="en-US" altLang="ko-KR" sz="1600" b="0" dirty="0" smtClean="0">
-                <a:ln w="0"/>
-                <a:effectLst>
-                  <a:outerShdw blurRad="38100" dist="19050" dir="2700000" algn="tl" rotWithShape="0">
-                    <a:schemeClr val="dk1">
-                      <a:alpha val="40000"/>
-                    </a:schemeClr>
-                  </a:outerShdw>
-                </a:effectLst>
-              </a:rPr>
-              <a:t>: XXXXX</a:t>
-            </a:r>
-            <a:endParaRPr lang="ko-KR" altLang="en-US" sz="1600" b="0" dirty="0">
-              <a:ln w="0"/>
-              <a:effectLst>
-                <a:outerShdw blurRad="38100" dist="19050" dir="2700000" algn="tl" rotWithShape="0">
-                  <a:schemeClr val="dk1">
-                    <a:alpha val="40000"/>
-                  </a:schemeClr>
-                </a:outerShdw>
-              </a:effectLst>
-            </a:endParaRPr>
-          </a:p>
-        </p:txBody>
-      </p:sp>
-      <p:sp>
-        <p:nvSpPr>
-          <p:cNvPr id="7" name="부제목 3"/>
-          <p:cNvSpPr>
-            <a:spLocks noGrp="1"/>
-          </p:cNvSpPr>
-          <p:nvPr>
-            <p:ph type="subTitle" sz="quarter" idx="1"/>
-          </p:nvPr>
-        </p:nvSpPr>
-        <p:spPr>
-          <a:xfrm>
-            <a:off x="4404632" y="4804341"/>
-            <a:ext cx="3244280" cy="795338"/>
-          </a:xfrm>
-        </p:spPr>
-        <p:txBody>
-          <a:bodyPr/>
-          <a:lstStyle/>
-          <a:p>
-            <a:pPr algn="l"/>
-            <a:r>
-              <a:rPr lang="en-US" altLang="ko-KR" dirty="0" smtClean="0"/>
-              <a:t>1</a:t>
-            </a:r>
-            <a:r>
-              <a:rPr lang="ko-KR" altLang="en-US" dirty="0" smtClean="0"/>
-              <a:t>팀</a:t>
-            </a:r>
-            <a:r>
-              <a:rPr lang="en-US" altLang="ko-KR" dirty="0" smtClean="0"/>
-              <a:t>:</a:t>
-            </a:r>
-            <a:r>
-              <a:rPr lang="ko-KR" altLang="en-US" dirty="0" smtClean="0"/>
-              <a:t>홍길동</a:t>
-            </a:r>
-            <a:r>
-              <a:rPr lang="en-US" altLang="ko-KR" dirty="0" smtClean="0"/>
-              <a:t>,</a:t>
-            </a:r>
-            <a:r>
-              <a:rPr lang="ko-KR" altLang="en-US" dirty="0" err="1" smtClean="0"/>
-              <a:t>홍길서</a:t>
-            </a:r>
-            <a:r>
-              <a:rPr lang="en-US" altLang="ko-KR" dirty="0" smtClean="0"/>
-              <a:t>,</a:t>
-            </a:r>
-            <a:r>
-              <a:rPr lang="ko-KR" altLang="en-US" dirty="0" err="1" smtClean="0"/>
-              <a:t>홍길북</a:t>
-            </a:r>
-            <a:r>
-              <a:rPr lang="en-US" altLang="ko-KR" dirty="0" smtClean="0"/>
-              <a:t>,</a:t>
-            </a:r>
-            <a:r>
-              <a:rPr lang="ko-KR" altLang="en-US" dirty="0" err="1" smtClean="0"/>
-              <a:t>홍길남</a:t>
-            </a:r>
-            <a:endParaRPr lang="ko-KR" altLang="en-US" dirty="0"/>
-          </a:p>
-        </p:txBody>
-      </p:sp>
-    </p:spTree>
-    <p:extLst>
-      <p:ext uri="{BB962C8B-B14F-4D97-AF65-F5344CB8AC3E}">
-        <p14:creationId xmlns:p14="http://schemas.microsoft.com/office/powerpoint/2010/main" val="2686287538"/>
-      </p:ext>
-    </p:extLst>
-  </p:cSld>
-  <p:clrMapOvr>
-    <a:masterClrMapping/>
-  </p:clrMapOvr>
-  <p:timing>
-    <p:tnLst>
-      <p:par>
-        <p:cTn id="1" dur="indefinite" restart="never" nodeType="tmRoot"/>
-      </p:par>
-    </p:tnLst>
-  </p:timing>
-</p:sld>
-</file>
-
-<file path=ppt/slides/slide3.xml><?xml version="1.0" encoding="utf-8"?>
-<p:sld xmlns:a="http://schemas.openxmlformats.org/drawingml/2006/main" xmlns:r="http://schemas.openxmlformats.org/officeDocument/2006/relationships" xmlns:p="http://schemas.openxmlformats.org/presentationml/2006/main" show="0">
-  <p:cSld>
-    <p:spTree>
-      <p:nvGrpSpPr>
-        <p:cNvPr id="1" name=""/>
-        <p:cNvGrpSpPr/>
-        <p:nvPr/>
-      </p:nvGrpSpPr>
-      <p:grpSpPr>
-        <a:xfrm>
-          <a:off x="0" y="0"/>
-          <a:ext cx="0" cy="0"/>
-          <a:chOff x="0" y="0"/>
-          <a:chExt cx="0" cy="0"/>
-        </a:xfrm>
-      </p:grpSpPr>
-      <p:sp>
-        <p:nvSpPr>
-          <p:cNvPr id="3" name="텍스트 개체 틀 2"/>
-          <p:cNvSpPr>
-            <a:spLocks noGrp="1"/>
-          </p:cNvSpPr>
-          <p:nvPr>
-            <p:ph type="body" sz="quarter" idx="11"/>
-          </p:nvPr>
-        </p:nvSpPr>
-        <p:spPr/>
-        <p:txBody>
-          <a:bodyPr/>
-          <a:lstStyle/>
-          <a:p>
-            <a:endParaRPr lang="ko-KR" altLang="en-US"/>
-          </a:p>
-        </p:txBody>
-      </p:sp>
-    </p:spTree>
-    <p:extLst>
-      <p:ext uri="{BB962C8B-B14F-4D97-AF65-F5344CB8AC3E}">
-        <p14:creationId xmlns:p14="http://schemas.microsoft.com/office/powerpoint/2010/main" val="1517356826"/>
-      </p:ext>
-    </p:extLst>
-  </p:cSld>
-  <p:clrMapOvr>
-    <a:masterClrMapping/>
-  </p:clrMapOvr>
-  <mc:AlternateContent xmlns:mc="http://schemas.openxmlformats.org/markup-compatibility/2006" xmlns:p14="http://schemas.microsoft.com/office/powerpoint/2010/main">
-    <mc:Choice Requires="p14">
-      <p:transition spd="slow" p14:dur="2000"/>
-    </mc:Choice>
-    <mc:Fallback xmlns="">
-      <p:transition spd="slow"/>
-    </mc:Fallback>
-  </mc:AlternateContent>
-  <p:timing>
-    <p:tnLst>
-      <p:par>
-        <p:cTn id="1" dur="indefinite" restart="never" nodeType="tmRoot"/>
-      </p:par>
-    </p:tnLst>
-  </p:timing>
-</p:sld>
-</file>
-
-<file path=ppt/slides/slide4.xml><?xml version="1.0" encoding="utf-8"?>
-<p:sld xmlns:a="http://schemas.openxmlformats.org/drawingml/2006/main" xmlns:r="http://schemas.openxmlformats.org/officeDocument/2006/relationships" xmlns:p="http://schemas.openxmlformats.org/presentationml/2006/main">
-  <p:cSld>
-    <p:spTree>
-      <p:nvGrpSpPr>
-        <p:cNvPr id="1" name=""/>
-        <p:cNvGrpSpPr/>
-        <p:nvPr/>
-      </p:nvGrpSpPr>
-      <p:grpSpPr>
-        <a:xfrm>
-          <a:off x="0" y="0"/>
-          <a:ext cx="0" cy="0"/>
-          <a:chOff x="0" y="0"/>
-          <a:chExt cx="0" cy="0"/>
-        </a:xfrm>
-      </p:grpSpPr>
-      <p:sp>
-        <p:nvSpPr>
-          <p:cNvPr id="4" name="제목 3"/>
-          <p:cNvSpPr>
-            <a:spLocks noGrp="1"/>
-          </p:cNvSpPr>
-          <p:nvPr>
-            <p:ph type="title"/>
-          </p:nvPr>
-        </p:nvSpPr>
-        <p:spPr/>
-        <p:txBody>
-          <a:bodyPr/>
-          <a:lstStyle/>
-          <a:p>
-            <a:r>
-              <a:rPr lang="en-US" altLang="ko-KR" dirty="0" smtClean="0"/>
-              <a:t>Agenda</a:t>
-            </a:r>
-            <a:endParaRPr lang="ko-KR" altLang="en-US" dirty="0"/>
-          </a:p>
-        </p:txBody>
-      </p:sp>
-      <p:sp>
-        <p:nvSpPr>
-          <p:cNvPr id="12" name="텍스트 개체 틀 11"/>
-          <p:cNvSpPr>
-            <a:spLocks noGrp="1"/>
-          </p:cNvSpPr>
-          <p:nvPr>
-            <p:ph type="body" sz="quarter" idx="11"/>
-          </p:nvPr>
-        </p:nvSpPr>
-        <p:spPr/>
-        <p:txBody>
-          <a:bodyPr/>
-          <a:lstStyle/>
-          <a:p>
-            <a:endParaRPr lang="ko-KR" altLang="en-US"/>
-          </a:p>
-        </p:txBody>
-      </p:sp>
-      <p:sp>
-        <p:nvSpPr>
-          <p:cNvPr id="70" name="Rectangle 4"/>
-          <p:cNvSpPr>
-            <a:spLocks noChangeArrowheads="1"/>
-          </p:cNvSpPr>
-          <p:nvPr/>
-        </p:nvSpPr>
-        <p:spPr bwMode="auto">
-          <a:xfrm>
-            <a:off x="695181" y="837294"/>
-            <a:ext cx="3863975" cy="431800"/>
-          </a:xfrm>
-          <a:prstGeom prst="rect">
-            <a:avLst/>
-          </a:prstGeom>
-          <a:solidFill>
-            <a:srgbClr val="FF99CC"/>
-          </a:solidFill>
-          <a:ln>
-            <a:noFill/>
-          </a:ln>
-          <a:effectLst/>
-          <a:extLst>
-            <a:ext uri="{91240B29-F687-4F45-9708-019B960494DF}">
-              <a14:hiddenLine xmlns:a14="http://schemas.microsoft.com/office/drawing/2010/main" w="9525" algn="ctr">
-                <a:solidFill>
-                  <a:schemeClr val="tx1"/>
-                </a:solidFill>
-                <a:miter lim="800000"/>
-                <a:headEnd/>
-                <a:tailEnd/>
-              </a14:hiddenLine>
-            </a:ext>
-            <a:ext uri="{AF507438-7753-43E0-B8FC-AC1667EBCBE1}">
-              <a14:hiddenEffects xmlns:a14="http://schemas.microsoft.com/office/drawing/2010/main">
-                <a:effectLst>
-                  <a:outerShdw dist="35921" dir="2700000" algn="ctr" rotWithShape="0">
-                    <a:schemeClr val="bg2"/>
-                  </a:outerShdw>
-                </a:effectLst>
-              </a14:hiddenEffects>
-            </a:ext>
-          </a:extLst>
-        </p:spPr>
-        <p:txBody>
-          <a:bodyPr wrap="none" anchor="ctr"/>
-          <a:lstStyle/>
-          <a:p>
-            <a:pPr eaLnBrk="1" latinLnBrk="1" hangingPunct="1">
-              <a:spcBef>
-                <a:spcPct val="0"/>
-              </a:spcBef>
-              <a:buClrTx/>
-              <a:buSzTx/>
-              <a:buFontTx/>
-              <a:buNone/>
-            </a:pPr>
-            <a:r>
-              <a:rPr kumimoji="1" lang="ko-KR" altLang="en-US" sz="1800" dirty="0">
-                <a:solidFill>
-                  <a:srgbClr val="003366"/>
-                </a:solidFill>
-                <a:latin typeface="HY헤드라인M" panose="02030600000101010101" pitchFamily="18" charset="-127"/>
-                <a:ea typeface="HY헤드라인M" panose="02030600000101010101" pitchFamily="18" charset="-127"/>
-              </a:rPr>
-              <a:t>      </a:t>
-            </a:r>
-            <a:r>
-              <a:rPr kumimoji="1" lang="ko-KR" altLang="en-US" sz="1800" dirty="0" smtClean="0">
-                <a:solidFill>
-                  <a:srgbClr val="003366"/>
-                </a:solidFill>
-                <a:latin typeface="HY헤드라인M" panose="02030600000101010101" pitchFamily="18" charset="-127"/>
-                <a:ea typeface="HY헤드라인M" panose="02030600000101010101" pitchFamily="18" charset="-127"/>
-              </a:rPr>
-              <a:t>프로젝트 개요</a:t>
-            </a:r>
-            <a:endParaRPr kumimoji="1" lang="ko-KR" altLang="en-US" sz="1800" dirty="0">
-              <a:solidFill>
-                <a:srgbClr val="003366"/>
-              </a:solidFill>
-              <a:latin typeface="HY헤드라인M" panose="02030600000101010101" pitchFamily="18" charset="-127"/>
-              <a:ea typeface="HY헤드라인M" panose="02030600000101010101" pitchFamily="18" charset="-127"/>
-            </a:endParaRPr>
-          </a:p>
-        </p:txBody>
-      </p:sp>
-      <p:sp>
-        <p:nvSpPr>
-          <p:cNvPr id="71" name="Oval 5"/>
-          <p:cNvSpPr>
-            <a:spLocks noChangeArrowheads="1"/>
-          </p:cNvSpPr>
-          <p:nvPr/>
-        </p:nvSpPr>
-        <p:spPr bwMode="auto">
-          <a:xfrm>
-            <a:off x="382443" y="692832"/>
-            <a:ext cx="782638" cy="720725"/>
-          </a:xfrm>
-          <a:prstGeom prst="ellipse">
-            <a:avLst/>
-          </a:prstGeom>
-          <a:solidFill>
-            <a:srgbClr val="FF3300"/>
-          </a:solidFill>
-          <a:ln w="25400" algn="ctr">
-            <a:solidFill>
-              <a:schemeClr val="bg1"/>
-            </a:solidFill>
-            <a:round/>
-            <a:headEnd/>
-            <a:tailEnd/>
-          </a:ln>
-          <a:effectLst/>
-          <a:extLst>
-            <a:ext uri="{AF507438-7753-43E0-B8FC-AC1667EBCBE1}">
-              <a14:hiddenEffects xmlns:a14="http://schemas.microsoft.com/office/drawing/2010/main">
-                <a:effectLst>
-                  <a:outerShdw dist="35921" dir="2700000" algn="ctr" rotWithShape="0">
-                    <a:schemeClr val="bg2"/>
-                  </a:outerShdw>
-                </a:effectLst>
-              </a14:hiddenEffects>
-            </a:ext>
-          </a:extLst>
-        </p:spPr>
-        <p:txBody>
-          <a:bodyPr wrap="none" anchor="ctr"/>
-          <a:lstStyle/>
-          <a:p>
-            <a:pPr algn="ctr" eaLnBrk="1" latinLnBrk="1" hangingPunct="1">
-              <a:spcBef>
-                <a:spcPct val="0"/>
-              </a:spcBef>
-              <a:buClrTx/>
-              <a:buSzTx/>
-              <a:buFontTx/>
-              <a:buNone/>
-            </a:pPr>
-            <a:r>
-              <a:rPr kumimoji="1" lang="en-US" altLang="ko-KR" sz="2400" dirty="0">
-                <a:solidFill>
-                  <a:schemeClr val="bg1"/>
-                </a:solidFill>
-                <a:latin typeface="HY헤드라인M" panose="02030600000101010101" pitchFamily="18" charset="-127"/>
-                <a:ea typeface="HY헤드라인M" panose="02030600000101010101" pitchFamily="18" charset="-127"/>
-              </a:rPr>
-              <a:t>1</a:t>
-            </a:r>
-          </a:p>
-        </p:txBody>
-      </p:sp>
-      <p:sp>
-        <p:nvSpPr>
-          <p:cNvPr id="72" name="Rectangle 6"/>
-          <p:cNvSpPr>
-            <a:spLocks noChangeArrowheads="1"/>
-          </p:cNvSpPr>
-          <p:nvPr/>
-        </p:nvSpPr>
-        <p:spPr bwMode="auto">
-          <a:xfrm>
-            <a:off x="695181" y="4855714"/>
-            <a:ext cx="3863975" cy="431800"/>
-          </a:xfrm>
-          <a:prstGeom prst="rect">
-            <a:avLst/>
-          </a:prstGeom>
-          <a:solidFill>
-            <a:srgbClr val="C1EAFF"/>
-          </a:solidFill>
-          <a:ln>
-            <a:noFill/>
-          </a:ln>
-          <a:effectLst/>
-          <a:extLst>
-            <a:ext uri="{91240B29-F687-4F45-9708-019B960494DF}">
-              <a14:hiddenLine xmlns:a14="http://schemas.microsoft.com/office/drawing/2010/main" w="9525">
-                <a:solidFill>
-                  <a:schemeClr val="tx1"/>
-                </a:solidFill>
-                <a:miter lim="800000"/>
-                <a:headEnd/>
-                <a:tailEnd/>
-              </a14:hiddenLine>
-            </a:ext>
-            <a:ext uri="{AF507438-7753-43E0-B8FC-AC1667EBCBE1}">
-              <a14:hiddenEffects xmlns:a14="http://schemas.microsoft.com/office/drawing/2010/main">
-                <a:effectLst>
-                  <a:outerShdw dist="35921" dir="2700000" algn="ctr" rotWithShape="0">
-                    <a:schemeClr val="bg2"/>
-                  </a:outerShdw>
-                </a:effectLst>
-              </a14:hiddenEffects>
-            </a:ext>
-          </a:extLst>
-        </p:spPr>
-        <p:txBody>
-          <a:bodyPr wrap="none" anchor="ctr"/>
-          <a:lstStyle/>
-          <a:p>
-            <a:pPr eaLnBrk="1" latinLnBrk="1" hangingPunct="1">
-              <a:spcBef>
-                <a:spcPct val="0"/>
-              </a:spcBef>
-              <a:buClrTx/>
-              <a:buSzTx/>
-              <a:buFontTx/>
-              <a:buNone/>
-            </a:pPr>
-            <a:r>
-              <a:rPr kumimoji="1" lang="ko-KR" altLang="en-US" sz="1800" dirty="0">
-                <a:solidFill>
-                  <a:srgbClr val="003366"/>
-                </a:solidFill>
-                <a:latin typeface="HY헤드라인M" panose="02030600000101010101" pitchFamily="18" charset="-127"/>
-                <a:ea typeface="HY헤드라인M" panose="02030600000101010101" pitchFamily="18" charset="-127"/>
-              </a:rPr>
-              <a:t>      </a:t>
-            </a:r>
-            <a:r>
-              <a:rPr kumimoji="1" lang="ko-KR" altLang="en-US" dirty="0" smtClean="0">
-                <a:solidFill>
-                  <a:srgbClr val="003366"/>
-                </a:solidFill>
-                <a:latin typeface="HY헤드라인M" panose="02030600000101010101" pitchFamily="18" charset="-127"/>
-                <a:ea typeface="HY헤드라인M" panose="02030600000101010101" pitchFamily="18" charset="-127"/>
-              </a:rPr>
-              <a:t>프로세스 설계</a:t>
-            </a:r>
-            <a:endParaRPr kumimoji="1" lang="ko-KR" altLang="en-US" sz="1800" dirty="0">
-              <a:solidFill>
-                <a:srgbClr val="003366"/>
-              </a:solidFill>
-              <a:latin typeface="HY헤드라인M" panose="02030600000101010101" pitchFamily="18" charset="-127"/>
-              <a:ea typeface="HY헤드라인M" panose="02030600000101010101" pitchFamily="18" charset="-127"/>
-            </a:endParaRPr>
-          </a:p>
-        </p:txBody>
-      </p:sp>
-      <p:sp>
-        <p:nvSpPr>
-          <p:cNvPr id="80" name="Oval 7"/>
-          <p:cNvSpPr>
-            <a:spLocks noChangeArrowheads="1"/>
-          </p:cNvSpPr>
-          <p:nvPr/>
-        </p:nvSpPr>
-        <p:spPr bwMode="auto">
-          <a:xfrm>
-            <a:off x="382443" y="4711252"/>
-            <a:ext cx="782638" cy="720725"/>
-          </a:xfrm>
-          <a:prstGeom prst="ellipse">
-            <a:avLst/>
-          </a:prstGeom>
-          <a:solidFill>
-            <a:srgbClr val="00CCFF"/>
-          </a:solidFill>
-          <a:ln w="25400">
-            <a:solidFill>
-              <a:schemeClr val="bg1"/>
-            </a:solidFill>
-            <a:round/>
-            <a:headEnd/>
-            <a:tailEnd/>
-          </a:ln>
-          <a:effectLst/>
-          <a:extLst>
-            <a:ext uri="{AF507438-7753-43E0-B8FC-AC1667EBCBE1}">
-              <a14:hiddenEffects xmlns:a14="http://schemas.microsoft.com/office/drawing/2010/main">
-                <a:effectLst>
-                  <a:outerShdw dist="35921" dir="2700000" algn="ctr" rotWithShape="0">
-                    <a:schemeClr val="bg2"/>
-                  </a:outerShdw>
-                </a:effectLst>
-              </a14:hiddenEffects>
-            </a:ext>
-          </a:extLst>
-        </p:spPr>
-        <p:txBody>
-          <a:bodyPr wrap="none" anchor="ctr"/>
-          <a:lstStyle/>
-          <a:p>
-            <a:pPr algn="ctr" eaLnBrk="1" latinLnBrk="1" hangingPunct="1">
-              <a:spcBef>
-                <a:spcPct val="0"/>
-              </a:spcBef>
-              <a:buClrTx/>
-              <a:buSzTx/>
-              <a:buFontTx/>
-              <a:buNone/>
-            </a:pPr>
-            <a:r>
-              <a:rPr kumimoji="1" lang="en-US" altLang="ko-KR" sz="2400" smtClean="0">
-                <a:solidFill>
-                  <a:schemeClr val="bg1"/>
-                </a:solidFill>
-                <a:latin typeface="HY헤드라인M" panose="02030600000101010101" pitchFamily="18" charset="-127"/>
-                <a:ea typeface="HY헤드라인M" panose="02030600000101010101" pitchFamily="18" charset="-127"/>
-              </a:rPr>
-              <a:t>4</a:t>
-            </a:r>
-            <a:endParaRPr kumimoji="1" lang="en-US" altLang="ko-KR" sz="2400" dirty="0">
-              <a:solidFill>
-                <a:schemeClr val="bg1"/>
-              </a:solidFill>
-              <a:latin typeface="HY헤드라인M" panose="02030600000101010101" pitchFamily="18" charset="-127"/>
-              <a:ea typeface="HY헤드라인M" panose="02030600000101010101" pitchFamily="18" charset="-127"/>
-            </a:endParaRPr>
-          </a:p>
-        </p:txBody>
-      </p:sp>
-      <p:sp>
-        <p:nvSpPr>
-          <p:cNvPr id="81" name="Rectangle 8"/>
-          <p:cNvSpPr>
-            <a:spLocks noChangeArrowheads="1"/>
-          </p:cNvSpPr>
-          <p:nvPr/>
-        </p:nvSpPr>
-        <p:spPr bwMode="auto">
-          <a:xfrm>
-            <a:off x="5051079" y="848669"/>
-            <a:ext cx="3863975" cy="431800"/>
-          </a:xfrm>
-          <a:prstGeom prst="rect">
-            <a:avLst/>
-          </a:prstGeom>
-          <a:solidFill>
-            <a:srgbClr val="C1EAFF"/>
-          </a:solidFill>
-          <a:ln>
-            <a:noFill/>
-          </a:ln>
-          <a:effectLst/>
-          <a:extLst>
-            <a:ext uri="{91240B29-F687-4F45-9708-019B960494DF}">
-              <a14:hiddenLine xmlns:a14="http://schemas.microsoft.com/office/drawing/2010/main" w="9525" algn="ctr">
-                <a:solidFill>
-                  <a:schemeClr val="tx1"/>
-                </a:solidFill>
-                <a:miter lim="800000"/>
-                <a:headEnd/>
-                <a:tailEnd/>
-              </a14:hiddenLine>
-            </a:ext>
-            <a:ext uri="{AF507438-7753-43E0-B8FC-AC1667EBCBE1}">
-              <a14:hiddenEffects xmlns:a14="http://schemas.microsoft.com/office/drawing/2010/main">
-                <a:effectLst>
-                  <a:outerShdw dist="35921" dir="2700000" algn="ctr" rotWithShape="0">
-                    <a:schemeClr val="bg2"/>
-                  </a:outerShdw>
-                </a:effectLst>
-              </a14:hiddenEffects>
-            </a:ext>
-          </a:extLst>
-        </p:spPr>
-        <p:txBody>
-          <a:bodyPr wrap="none" anchor="ctr"/>
-          <a:lstStyle/>
-          <a:p>
-            <a:pPr eaLnBrk="1" latinLnBrk="1" hangingPunct="1">
-              <a:spcBef>
-                <a:spcPct val="0"/>
-              </a:spcBef>
-              <a:buClrTx/>
-              <a:buSzTx/>
-              <a:buFontTx/>
-              <a:buNone/>
-            </a:pPr>
-            <a:r>
-              <a:rPr kumimoji="1" lang="ko-KR" altLang="en-US" sz="1800" dirty="0">
-                <a:solidFill>
-                  <a:srgbClr val="003366"/>
-                </a:solidFill>
-                <a:latin typeface="HY헤드라인M" panose="02030600000101010101" pitchFamily="18" charset="-127"/>
-                <a:ea typeface="HY헤드라인M" panose="02030600000101010101" pitchFamily="18" charset="-127"/>
-              </a:rPr>
-              <a:t>      </a:t>
-            </a:r>
-            <a:r>
-              <a:rPr kumimoji="1" lang="ko-KR" altLang="en-US" sz="1800" dirty="0" smtClean="0">
-                <a:solidFill>
-                  <a:srgbClr val="003366"/>
-                </a:solidFill>
-                <a:latin typeface="HY헤드라인M" panose="02030600000101010101" pitchFamily="18" charset="-127"/>
-                <a:ea typeface="HY헤드라인M" panose="02030600000101010101" pitchFamily="18" charset="-127"/>
-              </a:rPr>
-              <a:t>테이블 설계</a:t>
-            </a:r>
-            <a:endParaRPr kumimoji="1" lang="ko-KR" altLang="en-US" sz="1800" dirty="0">
-              <a:solidFill>
-                <a:srgbClr val="003366"/>
-              </a:solidFill>
-              <a:latin typeface="HY헤드라인M" panose="02030600000101010101" pitchFamily="18" charset="-127"/>
-              <a:ea typeface="HY헤드라인M" panose="02030600000101010101" pitchFamily="18" charset="-127"/>
-            </a:endParaRPr>
-          </a:p>
-        </p:txBody>
-      </p:sp>
-      <p:sp>
-        <p:nvSpPr>
-          <p:cNvPr id="82" name="Oval 9"/>
-          <p:cNvSpPr>
-            <a:spLocks noChangeArrowheads="1"/>
-          </p:cNvSpPr>
-          <p:nvPr/>
-        </p:nvSpPr>
-        <p:spPr bwMode="auto">
-          <a:xfrm>
-            <a:off x="4738341" y="704206"/>
-            <a:ext cx="782638" cy="720725"/>
-          </a:xfrm>
-          <a:prstGeom prst="ellipse">
-            <a:avLst/>
-          </a:prstGeom>
-          <a:solidFill>
-            <a:srgbClr val="00CCFF"/>
-          </a:solidFill>
-          <a:ln w="25400" algn="ctr">
-            <a:solidFill>
-              <a:schemeClr val="bg1"/>
-            </a:solidFill>
-            <a:round/>
-            <a:headEnd/>
-            <a:tailEnd/>
-          </a:ln>
-          <a:effectLst/>
-          <a:extLst>
-            <a:ext uri="{AF507438-7753-43E0-B8FC-AC1667EBCBE1}">
-              <a14:hiddenEffects xmlns:a14="http://schemas.microsoft.com/office/drawing/2010/main">
-                <a:effectLst>
-                  <a:outerShdw dist="35921" dir="2700000" algn="ctr" rotWithShape="0">
-                    <a:schemeClr val="bg2"/>
-                  </a:outerShdw>
-                </a:effectLst>
-              </a14:hiddenEffects>
-            </a:ext>
-          </a:extLst>
-        </p:spPr>
-        <p:txBody>
-          <a:bodyPr wrap="none" anchor="ctr"/>
-          <a:lstStyle/>
-          <a:p>
-            <a:pPr algn="ctr" eaLnBrk="1" latinLnBrk="1" hangingPunct="1">
-              <a:spcBef>
-                <a:spcPct val="0"/>
-              </a:spcBef>
-              <a:buClrTx/>
-              <a:buSzTx/>
-              <a:buFontTx/>
-              <a:buNone/>
-            </a:pPr>
-            <a:r>
-              <a:rPr kumimoji="1" lang="en-US" altLang="ko-KR" sz="2400" dirty="0">
-                <a:solidFill>
-                  <a:schemeClr val="bg1"/>
-                </a:solidFill>
-                <a:latin typeface="HY헤드라인M" panose="02030600000101010101" pitchFamily="18" charset="-127"/>
-                <a:ea typeface="HY헤드라인M" panose="02030600000101010101" pitchFamily="18" charset="-127"/>
-              </a:rPr>
-              <a:t>5</a:t>
-            </a:r>
-          </a:p>
-        </p:txBody>
-      </p:sp>
-      <p:sp>
-        <p:nvSpPr>
-          <p:cNvPr id="83" name="Rectangle 10"/>
-          <p:cNvSpPr>
-            <a:spLocks noChangeArrowheads="1"/>
-          </p:cNvSpPr>
-          <p:nvPr/>
-        </p:nvSpPr>
-        <p:spPr bwMode="auto">
-          <a:xfrm>
-            <a:off x="1104756" y="5322439"/>
-            <a:ext cx="3454400" cy="687388"/>
-          </a:xfrm>
-          <a:prstGeom prst="rect">
-            <a:avLst/>
-          </a:prstGeom>
-          <a:noFill/>
-          <a:ln>
-            <a:noFill/>
-          </a:ln>
-          <a:effectLst/>
-          <a:extLst>
-            <a:ext uri="{909E8E84-426E-40DD-AFC4-6F175D3DCCD1}">
-              <a14:hiddenFill xmlns:a14="http://schemas.microsoft.com/office/drawing/2010/main">
-                <a:solidFill>
-                  <a:schemeClr val="accent1"/>
-                </a:solidFill>
-              </a14:hiddenFill>
-            </a:ext>
-            <a:ext uri="{91240B29-F687-4F45-9708-019B960494DF}">
-              <a14:hiddenLine xmlns:a14="http://schemas.microsoft.com/office/drawing/2010/main" w="12700" algn="ctr">
-                <a:solidFill>
-                  <a:schemeClr val="tx1"/>
-                </a:solidFill>
-                <a:miter lim="800000"/>
-                <a:headEnd/>
-                <a:tailEnd/>
-              </a14:hiddenLine>
-            </a:ext>
-            <a:ext uri="{AF507438-7753-43E0-B8FC-AC1667EBCBE1}">
-              <a14:hiddenEffects xmlns:a14="http://schemas.microsoft.com/office/drawing/2010/main">
-                <a:effectLst>
-                  <a:outerShdw dist="35921" dir="2700000" algn="ctr" rotWithShape="0">
-                    <a:schemeClr val="bg2"/>
-                  </a:outerShdw>
-                </a:effectLst>
-              </a14:hiddenEffects>
-            </a:ext>
-          </a:extLst>
-        </p:spPr>
-        <p:txBody>
-          <a:bodyPr wrap="square" lIns="18288" rIns="18288">
-            <a:spAutoFit/>
-          </a:bodyPr>
-          <a:lstStyle>
-            <a:lvl1pPr>
-              <a:spcBef>
-                <a:spcPct val="0"/>
-              </a:spcBef>
-              <a:defRPr sz="2400">
-                <a:solidFill>
-                  <a:schemeClr val="tx1"/>
-                </a:solidFill>
-                <a:latin typeface="Times" pitchFamily="18" charset="0"/>
-              </a:defRPr>
-            </a:lvl1pPr>
-            <a:lvl2pPr marL="1588">
-              <a:spcBef>
-                <a:spcPct val="0"/>
-              </a:spcBef>
-              <a:defRPr sz="2400">
-                <a:solidFill>
-                  <a:schemeClr val="tx1"/>
-                </a:solidFill>
-                <a:latin typeface="Times" pitchFamily="18" charset="0"/>
-              </a:defRPr>
-            </a:lvl2pPr>
-            <a:lvl3pPr marL="160338" indent="-4763">
-              <a:spcBef>
-                <a:spcPct val="0"/>
-              </a:spcBef>
-              <a:defRPr sz="2400">
-                <a:solidFill>
-                  <a:schemeClr val="tx1"/>
-                </a:solidFill>
-                <a:latin typeface="Times" pitchFamily="18" charset="0"/>
-              </a:defRPr>
-            </a:lvl3pPr>
-            <a:lvl4pPr marL="365125" indent="-177800">
-              <a:spcBef>
-                <a:spcPct val="0"/>
-              </a:spcBef>
-              <a:defRPr sz="2400">
-                <a:solidFill>
-                  <a:schemeClr val="tx1"/>
-                </a:solidFill>
-                <a:latin typeface="Times" pitchFamily="18" charset="0"/>
-              </a:defRPr>
-            </a:lvl4pPr>
-            <a:lvl5pPr marL="595313" indent="-169863">
-              <a:spcBef>
-                <a:spcPct val="0"/>
-              </a:spcBef>
-              <a:defRPr sz="2400">
-                <a:solidFill>
-                  <a:schemeClr val="tx1"/>
-                </a:solidFill>
-                <a:latin typeface="Times" pitchFamily="18" charset="0"/>
-              </a:defRPr>
-            </a:lvl5pPr>
-            <a:lvl6pPr marL="1052513" indent="-169863" eaLnBrk="0" fontAlgn="base" hangingPunct="0">
-              <a:spcBef>
-                <a:spcPct val="0"/>
-              </a:spcBef>
-              <a:spcAft>
-                <a:spcPct val="0"/>
-              </a:spcAft>
-              <a:defRPr sz="2400">
-                <a:solidFill>
-                  <a:schemeClr val="tx1"/>
-                </a:solidFill>
-                <a:latin typeface="Times" pitchFamily="18" charset="0"/>
-              </a:defRPr>
-            </a:lvl6pPr>
-            <a:lvl7pPr marL="1509713" indent="-169863" eaLnBrk="0" fontAlgn="base" hangingPunct="0">
-              <a:spcBef>
-                <a:spcPct val="0"/>
-              </a:spcBef>
-              <a:spcAft>
-                <a:spcPct val="0"/>
-              </a:spcAft>
-              <a:defRPr sz="2400">
-                <a:solidFill>
-                  <a:schemeClr val="tx1"/>
-                </a:solidFill>
-                <a:latin typeface="Times" pitchFamily="18" charset="0"/>
-              </a:defRPr>
-            </a:lvl7pPr>
-            <a:lvl8pPr marL="1966913" indent="-169863" eaLnBrk="0" fontAlgn="base" hangingPunct="0">
-              <a:spcBef>
-                <a:spcPct val="0"/>
-              </a:spcBef>
-              <a:spcAft>
-                <a:spcPct val="0"/>
-              </a:spcAft>
-              <a:defRPr sz="2400">
-                <a:solidFill>
-                  <a:schemeClr val="tx1"/>
-                </a:solidFill>
-                <a:latin typeface="Times" pitchFamily="18" charset="0"/>
-              </a:defRPr>
-            </a:lvl8pPr>
-            <a:lvl9pPr marL="2424113" indent="-169863" eaLnBrk="0" fontAlgn="base" hangingPunct="0">
-              <a:spcBef>
-                <a:spcPct val="0"/>
-              </a:spcBef>
-              <a:spcAft>
-                <a:spcPct val="0"/>
-              </a:spcAft>
-              <a:defRPr sz="2400">
-                <a:solidFill>
-                  <a:schemeClr val="tx1"/>
-                </a:solidFill>
-                <a:latin typeface="Times" pitchFamily="18" charset="0"/>
-              </a:defRPr>
-            </a:lvl9pPr>
-          </a:lstStyle>
-          <a:p>
-            <a:pPr lvl="1" algn="just">
-              <a:lnSpc>
-                <a:spcPct val="120000"/>
-              </a:lnSpc>
-              <a:spcBef>
-                <a:spcPct val="60000"/>
-              </a:spcBef>
-              <a:buClr>
-                <a:schemeClr val="tx1"/>
-              </a:buClr>
-              <a:buSzPct val="85000"/>
-              <a:buFont typeface="Arial" panose="020B0604020202020204" pitchFamily="34" charset="0"/>
-              <a:buNone/>
-            </a:pPr>
-            <a:r>
-              <a:rPr lang="en-US" altLang="ko-KR" sz="1300" smtClean="0">
-                <a:latin typeface="HY헤드라인M" panose="02030600000101010101" pitchFamily="18" charset="-127"/>
-                <a:ea typeface="HY헤드라인M" panose="02030600000101010101" pitchFamily="18" charset="-127"/>
-              </a:rPr>
-              <a:t>4.1 </a:t>
-            </a:r>
-            <a:r>
-              <a:rPr lang="ko-KR" altLang="en-US" sz="1300" dirty="0" smtClean="0">
-                <a:latin typeface="HY헤드라인M" panose="02030600000101010101" pitchFamily="18" charset="-127"/>
-                <a:ea typeface="HY헤드라인M" panose="02030600000101010101" pitchFamily="18" charset="-127"/>
-              </a:rPr>
-              <a:t>프로세스 분할도</a:t>
-            </a:r>
-            <a:endParaRPr lang="en-US" altLang="ko-KR" sz="1300" dirty="0">
-              <a:latin typeface="HY헤드라인M" panose="02030600000101010101" pitchFamily="18" charset="-127"/>
-              <a:ea typeface="HY헤드라인M" panose="02030600000101010101" pitchFamily="18" charset="-127"/>
-            </a:endParaRPr>
-          </a:p>
-          <a:p>
-            <a:pPr lvl="1" algn="just">
-              <a:lnSpc>
-                <a:spcPct val="120000"/>
-              </a:lnSpc>
-              <a:spcBef>
-                <a:spcPct val="60000"/>
-              </a:spcBef>
-              <a:buClr>
-                <a:schemeClr val="tx1"/>
-              </a:buClr>
-              <a:buSzPct val="85000"/>
-              <a:buFont typeface="Arial" panose="020B0604020202020204" pitchFamily="34" charset="0"/>
-              <a:buNone/>
-            </a:pPr>
-            <a:r>
-              <a:rPr lang="en-US" altLang="ko-KR" sz="1300" smtClean="0">
-                <a:latin typeface="HY헤드라인M" panose="02030600000101010101" pitchFamily="18" charset="-127"/>
-                <a:ea typeface="HY헤드라인M" panose="02030600000101010101" pitchFamily="18" charset="-127"/>
-              </a:rPr>
-              <a:t>4.2 </a:t>
-            </a:r>
-            <a:r>
-              <a:rPr lang="ko-KR" altLang="en-US" sz="1300" dirty="0" smtClean="0">
-                <a:latin typeface="HY헤드라인M" panose="02030600000101010101" pitchFamily="18" charset="-127"/>
-                <a:ea typeface="HY헤드라인M" panose="02030600000101010101" pitchFamily="18" charset="-127"/>
-              </a:rPr>
-              <a:t>프로세스 설계서</a:t>
-            </a:r>
-            <a:endParaRPr lang="ko-KR" altLang="en-US" sz="1300" dirty="0">
-              <a:latin typeface="HY헤드라인M" panose="02030600000101010101" pitchFamily="18" charset="-127"/>
-              <a:ea typeface="HY헤드라인M" panose="02030600000101010101" pitchFamily="18" charset="-127"/>
-            </a:endParaRPr>
-          </a:p>
-        </p:txBody>
-      </p:sp>
-      <p:sp>
-        <p:nvSpPr>
-          <p:cNvPr id="85" name="Rectangle 12"/>
-          <p:cNvSpPr>
-            <a:spLocks noChangeArrowheads="1"/>
-          </p:cNvSpPr>
-          <p:nvPr/>
-        </p:nvSpPr>
-        <p:spPr bwMode="auto">
-          <a:xfrm>
-            <a:off x="5016356" y="1940599"/>
-            <a:ext cx="3829050" cy="431800"/>
-          </a:xfrm>
-          <a:prstGeom prst="rect">
-            <a:avLst/>
-          </a:prstGeom>
-          <a:solidFill>
-            <a:srgbClr val="C1EAFF"/>
-          </a:solidFill>
-          <a:ln>
-            <a:noFill/>
-          </a:ln>
-          <a:effectLst/>
-          <a:extLst>
-            <a:ext uri="{91240B29-F687-4F45-9708-019B960494DF}">
-              <a14:hiddenLine xmlns:a14="http://schemas.microsoft.com/office/drawing/2010/main" w="9525">
-                <a:solidFill>
-                  <a:schemeClr val="tx1"/>
-                </a:solidFill>
-                <a:miter lim="800000"/>
-                <a:headEnd/>
-                <a:tailEnd/>
-              </a14:hiddenLine>
-            </a:ext>
-            <a:ext uri="{AF507438-7753-43E0-B8FC-AC1667EBCBE1}">
-              <a14:hiddenEffects xmlns:a14="http://schemas.microsoft.com/office/drawing/2010/main">
-                <a:effectLst>
-                  <a:outerShdw dist="35921" dir="2700000" algn="ctr" rotWithShape="0">
-                    <a:schemeClr val="bg2"/>
-                  </a:outerShdw>
-                </a:effectLst>
-              </a14:hiddenEffects>
-            </a:ext>
-          </a:extLst>
-        </p:spPr>
-        <p:txBody>
-          <a:bodyPr wrap="none" anchor="ctr"/>
-          <a:lstStyle/>
-          <a:p>
-            <a:pPr eaLnBrk="1" latinLnBrk="1" hangingPunct="1">
-              <a:spcBef>
-                <a:spcPct val="0"/>
-              </a:spcBef>
-              <a:buClrTx/>
-              <a:buSzTx/>
-              <a:buFontTx/>
-              <a:buNone/>
-            </a:pPr>
-            <a:r>
-              <a:rPr kumimoji="1" lang="ko-KR" altLang="en-US" sz="1800">
-                <a:solidFill>
-                  <a:srgbClr val="003366"/>
-                </a:solidFill>
-                <a:latin typeface="HY헤드라인M" panose="02030600000101010101" pitchFamily="18" charset="-127"/>
-                <a:ea typeface="HY헤드라인M" panose="02030600000101010101" pitchFamily="18" charset="-127"/>
-              </a:rPr>
-              <a:t>      </a:t>
-            </a:r>
-            <a:r>
-              <a:rPr kumimoji="1" lang="en-US" altLang="ko-KR" sz="1800" smtClean="0">
-                <a:solidFill>
-                  <a:srgbClr val="003366"/>
-                </a:solidFill>
-                <a:latin typeface="HY헤드라인M" panose="02030600000101010101" pitchFamily="18" charset="-127"/>
-                <a:ea typeface="HY헤드라인M" panose="02030600000101010101" pitchFamily="18" charset="-127"/>
-              </a:rPr>
-              <a:t>S/W </a:t>
-            </a:r>
-            <a:r>
-              <a:rPr kumimoji="1" lang="ko-KR" altLang="en-US" sz="1800" smtClean="0">
-                <a:solidFill>
-                  <a:srgbClr val="003366"/>
-                </a:solidFill>
-                <a:latin typeface="HY헤드라인M" panose="02030600000101010101" pitchFamily="18" charset="-127"/>
-                <a:ea typeface="HY헤드라인M" panose="02030600000101010101" pitchFamily="18" charset="-127"/>
-              </a:rPr>
-              <a:t>아키텍처 </a:t>
-            </a:r>
-            <a:r>
-              <a:rPr kumimoji="1" lang="ko-KR" altLang="en-US" sz="1800" dirty="0" smtClean="0">
-                <a:solidFill>
-                  <a:srgbClr val="003366"/>
-                </a:solidFill>
-                <a:latin typeface="HY헤드라인M" panose="02030600000101010101" pitchFamily="18" charset="-127"/>
-                <a:ea typeface="HY헤드라인M" panose="02030600000101010101" pitchFamily="18" charset="-127"/>
-              </a:rPr>
-              <a:t>설계</a:t>
-            </a:r>
-            <a:endParaRPr kumimoji="1" lang="ko-KR" altLang="en-US" sz="1800" dirty="0">
-              <a:solidFill>
-                <a:srgbClr val="003366"/>
-              </a:solidFill>
-              <a:latin typeface="HY헤드라인M" panose="02030600000101010101" pitchFamily="18" charset="-127"/>
-              <a:ea typeface="HY헤드라인M" panose="02030600000101010101" pitchFamily="18" charset="-127"/>
-            </a:endParaRPr>
-          </a:p>
-        </p:txBody>
-      </p:sp>
-      <p:sp>
-        <p:nvSpPr>
-          <p:cNvPr id="86" name="Oval 13"/>
-          <p:cNvSpPr>
-            <a:spLocks noChangeArrowheads="1"/>
-          </p:cNvSpPr>
-          <p:nvPr/>
-        </p:nvSpPr>
-        <p:spPr bwMode="auto">
-          <a:xfrm>
-            <a:off x="4703618" y="1796137"/>
-            <a:ext cx="781050" cy="720725"/>
-          </a:xfrm>
-          <a:prstGeom prst="ellipse">
-            <a:avLst/>
-          </a:prstGeom>
-          <a:solidFill>
-            <a:srgbClr val="00CCFF"/>
-          </a:solidFill>
-          <a:ln w="25400">
-            <a:solidFill>
-              <a:schemeClr val="bg1"/>
-            </a:solidFill>
-            <a:round/>
-            <a:headEnd/>
-            <a:tailEnd/>
-          </a:ln>
-          <a:effectLst/>
-          <a:extLst>
-            <a:ext uri="{AF507438-7753-43E0-B8FC-AC1667EBCBE1}">
-              <a14:hiddenEffects xmlns:a14="http://schemas.microsoft.com/office/drawing/2010/main">
-                <a:effectLst>
-                  <a:outerShdw dist="35921" dir="2700000" algn="ctr" rotWithShape="0">
-                    <a:schemeClr val="bg2"/>
-                  </a:outerShdw>
-                </a:effectLst>
-              </a14:hiddenEffects>
-            </a:ext>
-          </a:extLst>
-        </p:spPr>
-        <p:txBody>
-          <a:bodyPr wrap="none" anchor="ctr"/>
-          <a:lstStyle/>
-          <a:p>
-            <a:pPr algn="ctr" eaLnBrk="1" latinLnBrk="1" hangingPunct="1">
-              <a:spcBef>
-                <a:spcPct val="0"/>
-              </a:spcBef>
-              <a:buClrTx/>
-              <a:buSzTx/>
-              <a:buFontTx/>
-              <a:buNone/>
-            </a:pPr>
-            <a:r>
-              <a:rPr kumimoji="1" lang="en-US" altLang="ko-KR" sz="2400" smtClean="0">
-                <a:solidFill>
-                  <a:schemeClr val="bg1"/>
-                </a:solidFill>
-                <a:latin typeface="HY헤드라인M" panose="02030600000101010101" pitchFamily="18" charset="-127"/>
-                <a:ea typeface="HY헤드라인M" panose="02030600000101010101" pitchFamily="18" charset="-127"/>
-              </a:rPr>
-              <a:t>6</a:t>
-            </a:r>
-            <a:endParaRPr kumimoji="1" lang="en-US" altLang="ko-KR" sz="2400" dirty="0">
-              <a:solidFill>
-                <a:schemeClr val="bg1"/>
-              </a:solidFill>
-              <a:latin typeface="HY헤드라인M" panose="02030600000101010101" pitchFamily="18" charset="-127"/>
-              <a:ea typeface="HY헤드라인M" panose="02030600000101010101" pitchFamily="18" charset="-127"/>
-            </a:endParaRPr>
-          </a:p>
-        </p:txBody>
-      </p:sp>
-      <p:sp>
-        <p:nvSpPr>
-          <p:cNvPr id="87" name="Rectangle 14"/>
-          <p:cNvSpPr>
-            <a:spLocks noChangeArrowheads="1"/>
-          </p:cNvSpPr>
-          <p:nvPr/>
-        </p:nvSpPr>
-        <p:spPr bwMode="auto">
-          <a:xfrm>
-            <a:off x="5016356" y="3294055"/>
-            <a:ext cx="3829050" cy="431800"/>
-          </a:xfrm>
-          <a:prstGeom prst="rect">
-            <a:avLst/>
-          </a:prstGeom>
-          <a:solidFill>
-            <a:srgbClr val="C1EAFF"/>
-          </a:solidFill>
-          <a:ln>
-            <a:noFill/>
-          </a:ln>
-          <a:effectLst/>
-          <a:extLst>
-            <a:ext uri="{91240B29-F687-4F45-9708-019B960494DF}">
-              <a14:hiddenLine xmlns:a14="http://schemas.microsoft.com/office/drawing/2010/main" w="9525">
-                <a:solidFill>
-                  <a:schemeClr val="tx1"/>
-                </a:solidFill>
-                <a:miter lim="800000"/>
-                <a:headEnd/>
-                <a:tailEnd/>
-              </a14:hiddenLine>
-            </a:ext>
-            <a:ext uri="{AF507438-7753-43E0-B8FC-AC1667EBCBE1}">
-              <a14:hiddenEffects xmlns:a14="http://schemas.microsoft.com/office/drawing/2010/main">
-                <a:effectLst>
-                  <a:outerShdw dist="35921" dir="2700000" algn="ctr" rotWithShape="0">
-                    <a:schemeClr val="bg2"/>
-                  </a:outerShdw>
-                </a:effectLst>
-              </a14:hiddenEffects>
-            </a:ext>
-          </a:extLst>
-        </p:spPr>
-        <p:txBody>
-          <a:bodyPr wrap="none" anchor="ctr"/>
-          <a:lstStyle/>
-          <a:p>
-            <a:pPr eaLnBrk="1" latinLnBrk="1" hangingPunct="1">
-              <a:spcBef>
-                <a:spcPct val="0"/>
-              </a:spcBef>
-              <a:buClrTx/>
-              <a:buSzTx/>
-              <a:buFontTx/>
-              <a:buNone/>
-            </a:pPr>
-            <a:r>
-              <a:rPr kumimoji="1" lang="ko-KR" altLang="en-US" sz="1800" dirty="0">
-                <a:solidFill>
-                  <a:srgbClr val="003366"/>
-                </a:solidFill>
-                <a:latin typeface="HY헤드라인M" panose="02030600000101010101" pitchFamily="18" charset="-127"/>
-                <a:ea typeface="HY헤드라인M" panose="02030600000101010101" pitchFamily="18" charset="-127"/>
-              </a:rPr>
-              <a:t>      </a:t>
-            </a:r>
-            <a:r>
-              <a:rPr kumimoji="1" lang="ko-KR" altLang="en-US" sz="1800" dirty="0" smtClean="0">
-                <a:solidFill>
-                  <a:srgbClr val="003366"/>
-                </a:solidFill>
-                <a:latin typeface="HY헤드라인M" panose="02030600000101010101" pitchFamily="18" charset="-127"/>
-                <a:ea typeface="HY헤드라인M" panose="02030600000101010101" pitchFamily="18" charset="-127"/>
-              </a:rPr>
-              <a:t>화면 설계</a:t>
-            </a:r>
-            <a:endParaRPr kumimoji="1" lang="ko-KR" altLang="en-US" sz="1800" dirty="0">
-              <a:solidFill>
-                <a:srgbClr val="003366"/>
-              </a:solidFill>
-              <a:latin typeface="HY헤드라인M" panose="02030600000101010101" pitchFamily="18" charset="-127"/>
-              <a:ea typeface="HY헤드라인M" panose="02030600000101010101" pitchFamily="18" charset="-127"/>
-            </a:endParaRPr>
-          </a:p>
-        </p:txBody>
-      </p:sp>
-      <p:sp>
-        <p:nvSpPr>
-          <p:cNvPr id="88" name="Oval 15"/>
-          <p:cNvSpPr>
-            <a:spLocks noChangeArrowheads="1"/>
-          </p:cNvSpPr>
-          <p:nvPr/>
-        </p:nvSpPr>
-        <p:spPr bwMode="auto">
-          <a:xfrm>
-            <a:off x="4703618" y="3149592"/>
-            <a:ext cx="781050" cy="720725"/>
-          </a:xfrm>
-          <a:prstGeom prst="ellipse">
-            <a:avLst/>
-          </a:prstGeom>
-          <a:solidFill>
-            <a:srgbClr val="00CCFF"/>
-          </a:solidFill>
-          <a:ln w="25400">
-            <a:solidFill>
-              <a:schemeClr val="bg1"/>
-            </a:solidFill>
-            <a:round/>
-            <a:headEnd/>
-            <a:tailEnd/>
-          </a:ln>
-          <a:effectLst/>
-          <a:extLst>
-            <a:ext uri="{AF507438-7753-43E0-B8FC-AC1667EBCBE1}">
-              <a14:hiddenEffects xmlns:a14="http://schemas.microsoft.com/office/drawing/2010/main">
-                <a:effectLst>
-                  <a:outerShdw dist="35921" dir="2700000" algn="ctr" rotWithShape="0">
-                    <a:schemeClr val="bg2"/>
-                  </a:outerShdw>
-                </a:effectLst>
-              </a14:hiddenEffects>
-            </a:ext>
-          </a:extLst>
-        </p:spPr>
-        <p:txBody>
-          <a:bodyPr wrap="none" anchor="ctr"/>
-          <a:lstStyle/>
-          <a:p>
-            <a:pPr algn="ctr" eaLnBrk="1" latinLnBrk="1" hangingPunct="1">
-              <a:spcBef>
-                <a:spcPct val="0"/>
-              </a:spcBef>
-              <a:buClrTx/>
-              <a:buSzTx/>
-              <a:buFontTx/>
-              <a:buNone/>
-            </a:pPr>
-            <a:r>
-              <a:rPr kumimoji="1" lang="en-US" altLang="ko-KR" sz="2400" smtClean="0">
-                <a:solidFill>
-                  <a:schemeClr val="bg1"/>
-                </a:solidFill>
-                <a:latin typeface="HY헤드라인M" panose="02030600000101010101" pitchFamily="18" charset="-127"/>
-                <a:ea typeface="HY헤드라인M" panose="02030600000101010101" pitchFamily="18" charset="-127"/>
-              </a:rPr>
-              <a:t>7</a:t>
-            </a:r>
-            <a:endParaRPr kumimoji="1" lang="en-US" altLang="ko-KR" sz="2400" dirty="0">
-              <a:solidFill>
-                <a:schemeClr val="bg1"/>
-              </a:solidFill>
-              <a:latin typeface="HY헤드라인M" panose="02030600000101010101" pitchFamily="18" charset="-127"/>
-              <a:ea typeface="HY헤드라인M" panose="02030600000101010101" pitchFamily="18" charset="-127"/>
-            </a:endParaRPr>
-          </a:p>
-        </p:txBody>
-      </p:sp>
-      <p:sp>
-        <p:nvSpPr>
-          <p:cNvPr id="92" name="Rectangle 19"/>
-          <p:cNvSpPr>
-            <a:spLocks noChangeArrowheads="1"/>
-          </p:cNvSpPr>
-          <p:nvPr/>
-        </p:nvSpPr>
-        <p:spPr bwMode="auto">
-          <a:xfrm>
-            <a:off x="1104756" y="1342119"/>
-            <a:ext cx="3382962" cy="692497"/>
-          </a:xfrm>
-          <a:prstGeom prst="rect">
-            <a:avLst/>
-          </a:prstGeom>
-          <a:noFill/>
-          <a:ln>
-            <a:noFill/>
-          </a:ln>
-          <a:effectLst/>
-          <a:extLst>
-            <a:ext uri="{909E8E84-426E-40DD-AFC4-6F175D3DCCD1}">
-              <a14:hiddenFill xmlns:a14="http://schemas.microsoft.com/office/drawing/2010/main">
-                <a:solidFill>
-                  <a:schemeClr val="accent1"/>
-                </a:solidFill>
-              </a14:hiddenFill>
-            </a:ext>
-            <a:ext uri="{91240B29-F687-4F45-9708-019B960494DF}">
-              <a14:hiddenLine xmlns:a14="http://schemas.microsoft.com/office/drawing/2010/main" w="12700" algn="ctr">
-                <a:solidFill>
-                  <a:schemeClr val="tx1"/>
-                </a:solidFill>
-                <a:miter lim="800000"/>
-                <a:headEnd/>
-                <a:tailEnd/>
-              </a14:hiddenLine>
-            </a:ext>
-            <a:ext uri="{AF507438-7753-43E0-B8FC-AC1667EBCBE1}">
-              <a14:hiddenEffects xmlns:a14="http://schemas.microsoft.com/office/drawing/2010/main">
-                <a:effectLst>
-                  <a:outerShdw dist="35921" dir="2700000" algn="ctr" rotWithShape="0">
-                    <a:schemeClr val="bg2"/>
-                  </a:outerShdw>
-                </a:effectLst>
-              </a14:hiddenEffects>
-            </a:ext>
-          </a:extLst>
-        </p:spPr>
-        <p:txBody>
-          <a:bodyPr lIns="18288" rIns="18288">
-            <a:spAutoFit/>
-          </a:bodyPr>
-          <a:lstStyle>
-            <a:lvl1pPr>
-              <a:spcBef>
-                <a:spcPct val="0"/>
-              </a:spcBef>
-              <a:defRPr sz="2400">
-                <a:solidFill>
-                  <a:schemeClr val="tx1"/>
-                </a:solidFill>
-                <a:latin typeface="Times" pitchFamily="18" charset="0"/>
-              </a:defRPr>
-            </a:lvl1pPr>
-            <a:lvl2pPr marL="1588">
-              <a:spcBef>
-                <a:spcPct val="0"/>
-              </a:spcBef>
-              <a:defRPr sz="2400">
-                <a:solidFill>
-                  <a:schemeClr val="tx1"/>
-                </a:solidFill>
-                <a:latin typeface="Times" pitchFamily="18" charset="0"/>
-              </a:defRPr>
-            </a:lvl2pPr>
-            <a:lvl3pPr marL="160338" indent="-4763">
-              <a:spcBef>
-                <a:spcPct val="0"/>
-              </a:spcBef>
-              <a:defRPr sz="2400">
-                <a:solidFill>
-                  <a:schemeClr val="tx1"/>
-                </a:solidFill>
-                <a:latin typeface="Times" pitchFamily="18" charset="0"/>
-              </a:defRPr>
-            </a:lvl3pPr>
-            <a:lvl4pPr marL="365125" indent="-177800">
-              <a:spcBef>
-                <a:spcPct val="0"/>
-              </a:spcBef>
-              <a:defRPr sz="2400">
-                <a:solidFill>
-                  <a:schemeClr val="tx1"/>
-                </a:solidFill>
-                <a:latin typeface="Times" pitchFamily="18" charset="0"/>
-              </a:defRPr>
-            </a:lvl4pPr>
-            <a:lvl5pPr marL="595313" indent="-169863">
-              <a:spcBef>
-                <a:spcPct val="0"/>
-              </a:spcBef>
-              <a:defRPr sz="2400">
-                <a:solidFill>
-                  <a:schemeClr val="tx1"/>
-                </a:solidFill>
-                <a:latin typeface="Times" pitchFamily="18" charset="0"/>
-              </a:defRPr>
-            </a:lvl5pPr>
-            <a:lvl6pPr marL="1052513" indent="-169863" eaLnBrk="0" fontAlgn="base" hangingPunct="0">
-              <a:spcBef>
-                <a:spcPct val="0"/>
-              </a:spcBef>
-              <a:spcAft>
-                <a:spcPct val="0"/>
-              </a:spcAft>
-              <a:defRPr sz="2400">
-                <a:solidFill>
-                  <a:schemeClr val="tx1"/>
-                </a:solidFill>
-                <a:latin typeface="Times" pitchFamily="18" charset="0"/>
-              </a:defRPr>
-            </a:lvl6pPr>
-            <a:lvl7pPr marL="1509713" indent="-169863" eaLnBrk="0" fontAlgn="base" hangingPunct="0">
-              <a:spcBef>
-                <a:spcPct val="0"/>
-              </a:spcBef>
-              <a:spcAft>
-                <a:spcPct val="0"/>
-              </a:spcAft>
-              <a:defRPr sz="2400">
-                <a:solidFill>
-                  <a:schemeClr val="tx1"/>
-                </a:solidFill>
-                <a:latin typeface="Times" pitchFamily="18" charset="0"/>
-              </a:defRPr>
-            </a:lvl7pPr>
-            <a:lvl8pPr marL="1966913" indent="-169863" eaLnBrk="0" fontAlgn="base" hangingPunct="0">
-              <a:spcBef>
-                <a:spcPct val="0"/>
-              </a:spcBef>
-              <a:spcAft>
-                <a:spcPct val="0"/>
-              </a:spcAft>
-              <a:defRPr sz="2400">
-                <a:solidFill>
-                  <a:schemeClr val="tx1"/>
-                </a:solidFill>
-                <a:latin typeface="Times" pitchFamily="18" charset="0"/>
-              </a:defRPr>
-            </a:lvl8pPr>
-            <a:lvl9pPr marL="2424113" indent="-169863" eaLnBrk="0" fontAlgn="base" hangingPunct="0">
-              <a:spcBef>
-                <a:spcPct val="0"/>
-              </a:spcBef>
-              <a:spcAft>
-                <a:spcPct val="0"/>
-              </a:spcAft>
-              <a:defRPr sz="2400">
-                <a:solidFill>
-                  <a:schemeClr val="tx1"/>
-                </a:solidFill>
-                <a:latin typeface="Times" pitchFamily="18" charset="0"/>
-              </a:defRPr>
-            </a:lvl9pPr>
-          </a:lstStyle>
-          <a:p>
-            <a:pPr lvl="1" algn="just">
-              <a:lnSpc>
-                <a:spcPct val="120000"/>
-              </a:lnSpc>
-              <a:spcBef>
-                <a:spcPct val="60000"/>
-              </a:spcBef>
-              <a:buClr>
-                <a:schemeClr val="tx1"/>
-              </a:buClr>
-              <a:buSzPct val="85000"/>
-              <a:buFont typeface="Arial" panose="020B0604020202020204" pitchFamily="34" charset="0"/>
-              <a:buNone/>
-            </a:pPr>
-            <a:r>
-              <a:rPr lang="en-US" altLang="ko-KR" sz="1300" dirty="0" smtClean="0">
-                <a:latin typeface="HY헤드라인M" panose="02030600000101010101" pitchFamily="18" charset="-127"/>
-                <a:ea typeface="HY헤드라인M" panose="02030600000101010101" pitchFamily="18" charset="-127"/>
-              </a:rPr>
-              <a:t>1.1 </a:t>
-            </a:r>
-            <a:r>
-              <a:rPr lang="ko-KR" altLang="en-US" sz="1300" dirty="0" smtClean="0">
-                <a:latin typeface="HY헤드라인M" panose="02030600000101010101" pitchFamily="18" charset="-127"/>
-                <a:ea typeface="HY헤드라인M" panose="02030600000101010101" pitchFamily="18" charset="-127"/>
-              </a:rPr>
-              <a:t>추진 배경</a:t>
-            </a:r>
-            <a:endParaRPr lang="en-US" altLang="ko-KR" sz="1300" dirty="0">
-              <a:latin typeface="HY헤드라인M" panose="02030600000101010101" pitchFamily="18" charset="-127"/>
-              <a:ea typeface="HY헤드라인M" panose="02030600000101010101" pitchFamily="18" charset="-127"/>
-            </a:endParaRPr>
-          </a:p>
-          <a:p>
-            <a:pPr lvl="1" algn="just">
-              <a:lnSpc>
-                <a:spcPct val="120000"/>
-              </a:lnSpc>
-              <a:spcBef>
-                <a:spcPct val="60000"/>
-              </a:spcBef>
-              <a:buClr>
-                <a:schemeClr val="tx1"/>
-              </a:buClr>
-              <a:buSzPct val="85000"/>
-              <a:buFont typeface="Arial" panose="020B0604020202020204" pitchFamily="34" charset="0"/>
-              <a:buNone/>
-            </a:pPr>
-            <a:r>
-              <a:rPr lang="en-US" altLang="ko-KR" sz="1300" dirty="0" smtClean="0">
-                <a:latin typeface="HY헤드라인M" panose="02030600000101010101" pitchFamily="18" charset="-127"/>
-                <a:ea typeface="HY헤드라인M" panose="02030600000101010101" pitchFamily="18" charset="-127"/>
-              </a:rPr>
-              <a:t>1.2 </a:t>
-            </a:r>
-            <a:r>
-              <a:rPr lang="ko-KR" altLang="en-US" sz="1300" dirty="0" smtClean="0">
-                <a:latin typeface="HY헤드라인M" panose="02030600000101010101" pitchFamily="18" charset="-127"/>
-                <a:ea typeface="HY헤드라인M" panose="02030600000101010101" pitchFamily="18" charset="-127"/>
-              </a:rPr>
-              <a:t>목적 </a:t>
-            </a:r>
-            <a:r>
-              <a:rPr lang="en-US" altLang="ko-KR" sz="1300" dirty="0" smtClean="0">
-                <a:latin typeface="HY헤드라인M" panose="02030600000101010101" pitchFamily="18" charset="-127"/>
-                <a:ea typeface="HY헤드라인M" panose="02030600000101010101" pitchFamily="18" charset="-127"/>
-              </a:rPr>
-              <a:t>/ </a:t>
-            </a:r>
-            <a:r>
-              <a:rPr lang="ko-KR" altLang="en-US" sz="1300" dirty="0" smtClean="0">
-                <a:latin typeface="HY헤드라인M" panose="02030600000101010101" pitchFamily="18" charset="-127"/>
-                <a:ea typeface="HY헤드라인M" panose="02030600000101010101" pitchFamily="18" charset="-127"/>
-              </a:rPr>
-              <a:t>목표</a:t>
-            </a:r>
-            <a:endParaRPr lang="ko-KR" altLang="en-US" sz="1300" dirty="0">
-              <a:latin typeface="HY헤드라인M" panose="02030600000101010101" pitchFamily="18" charset="-127"/>
-              <a:ea typeface="HY헤드라인M" panose="02030600000101010101" pitchFamily="18" charset="-127"/>
-            </a:endParaRPr>
-          </a:p>
-        </p:txBody>
-      </p:sp>
-      <p:sp>
-        <p:nvSpPr>
-          <p:cNvPr id="93" name="Rectangle 20"/>
-          <p:cNvSpPr>
-            <a:spLocks noChangeArrowheads="1"/>
-          </p:cNvSpPr>
-          <p:nvPr/>
-        </p:nvSpPr>
-        <p:spPr bwMode="auto">
-          <a:xfrm>
-            <a:off x="5425931" y="2445424"/>
-            <a:ext cx="3419475" cy="692497"/>
-          </a:xfrm>
-          <a:prstGeom prst="rect">
-            <a:avLst/>
-          </a:prstGeom>
-          <a:noFill/>
-          <a:ln>
-            <a:noFill/>
-          </a:ln>
-          <a:effectLst/>
-          <a:extLst>
-            <a:ext uri="{909E8E84-426E-40DD-AFC4-6F175D3DCCD1}">
-              <a14:hiddenFill xmlns:a14="http://schemas.microsoft.com/office/drawing/2010/main">
-                <a:solidFill>
-                  <a:schemeClr val="accent1"/>
-                </a:solidFill>
-              </a14:hiddenFill>
-            </a:ext>
-            <a:ext uri="{91240B29-F687-4F45-9708-019B960494DF}">
-              <a14:hiddenLine xmlns:a14="http://schemas.microsoft.com/office/drawing/2010/main" w="12700" algn="ctr">
-                <a:solidFill>
-                  <a:schemeClr val="tx1"/>
-                </a:solidFill>
-                <a:miter lim="800000"/>
-                <a:headEnd/>
-                <a:tailEnd/>
-              </a14:hiddenLine>
-            </a:ext>
-            <a:ext uri="{AF507438-7753-43E0-B8FC-AC1667EBCBE1}">
-              <a14:hiddenEffects xmlns:a14="http://schemas.microsoft.com/office/drawing/2010/main">
-                <a:effectLst>
-                  <a:outerShdw dist="35921" dir="2700000" algn="ctr" rotWithShape="0">
-                    <a:schemeClr val="bg2"/>
-                  </a:outerShdw>
-                </a:effectLst>
-              </a14:hiddenEffects>
-            </a:ext>
-          </a:extLst>
-        </p:spPr>
-        <p:txBody>
-          <a:bodyPr wrap="square" lIns="18288" rIns="18288">
-            <a:spAutoFit/>
-          </a:bodyPr>
-          <a:lstStyle>
-            <a:lvl1pPr>
-              <a:spcBef>
-                <a:spcPct val="0"/>
-              </a:spcBef>
-              <a:defRPr sz="2400">
-                <a:solidFill>
-                  <a:schemeClr val="tx1"/>
-                </a:solidFill>
-                <a:latin typeface="Times" pitchFamily="18" charset="0"/>
-              </a:defRPr>
-            </a:lvl1pPr>
-            <a:lvl2pPr marL="1588">
-              <a:spcBef>
-                <a:spcPct val="0"/>
-              </a:spcBef>
-              <a:defRPr sz="2400">
-                <a:solidFill>
-                  <a:schemeClr val="tx1"/>
-                </a:solidFill>
-                <a:latin typeface="Times" pitchFamily="18" charset="0"/>
-              </a:defRPr>
-            </a:lvl2pPr>
-            <a:lvl3pPr marL="160338" indent="-4763">
-              <a:spcBef>
-                <a:spcPct val="0"/>
-              </a:spcBef>
-              <a:defRPr sz="2400">
-                <a:solidFill>
-                  <a:schemeClr val="tx1"/>
-                </a:solidFill>
-                <a:latin typeface="Times" pitchFamily="18" charset="0"/>
-              </a:defRPr>
-            </a:lvl3pPr>
-            <a:lvl4pPr marL="365125" indent="-177800">
-              <a:spcBef>
-                <a:spcPct val="0"/>
-              </a:spcBef>
-              <a:defRPr sz="2400">
-                <a:solidFill>
-                  <a:schemeClr val="tx1"/>
-                </a:solidFill>
-                <a:latin typeface="Times" pitchFamily="18" charset="0"/>
-              </a:defRPr>
-            </a:lvl4pPr>
-            <a:lvl5pPr marL="595313" indent="-169863">
-              <a:spcBef>
-                <a:spcPct val="0"/>
-              </a:spcBef>
-              <a:defRPr sz="2400">
-                <a:solidFill>
-                  <a:schemeClr val="tx1"/>
-                </a:solidFill>
-                <a:latin typeface="Times" pitchFamily="18" charset="0"/>
-              </a:defRPr>
-            </a:lvl5pPr>
-            <a:lvl6pPr marL="1052513" indent="-169863" eaLnBrk="0" fontAlgn="base" hangingPunct="0">
-              <a:spcBef>
-                <a:spcPct val="0"/>
-              </a:spcBef>
-              <a:spcAft>
-                <a:spcPct val="0"/>
-              </a:spcAft>
-              <a:defRPr sz="2400">
-                <a:solidFill>
-                  <a:schemeClr val="tx1"/>
-                </a:solidFill>
-                <a:latin typeface="Times" pitchFamily="18" charset="0"/>
-              </a:defRPr>
-            </a:lvl6pPr>
-            <a:lvl7pPr marL="1509713" indent="-169863" eaLnBrk="0" fontAlgn="base" hangingPunct="0">
-              <a:spcBef>
-                <a:spcPct val="0"/>
-              </a:spcBef>
-              <a:spcAft>
-                <a:spcPct val="0"/>
-              </a:spcAft>
-              <a:defRPr sz="2400">
-                <a:solidFill>
-                  <a:schemeClr val="tx1"/>
-                </a:solidFill>
-                <a:latin typeface="Times" pitchFamily="18" charset="0"/>
-              </a:defRPr>
-            </a:lvl7pPr>
-            <a:lvl8pPr marL="1966913" indent="-169863" eaLnBrk="0" fontAlgn="base" hangingPunct="0">
-              <a:spcBef>
-                <a:spcPct val="0"/>
-              </a:spcBef>
-              <a:spcAft>
-                <a:spcPct val="0"/>
-              </a:spcAft>
-              <a:defRPr sz="2400">
-                <a:solidFill>
-                  <a:schemeClr val="tx1"/>
-                </a:solidFill>
-                <a:latin typeface="Times" pitchFamily="18" charset="0"/>
-              </a:defRPr>
-            </a:lvl8pPr>
-            <a:lvl9pPr marL="2424113" indent="-169863" eaLnBrk="0" fontAlgn="base" hangingPunct="0">
-              <a:spcBef>
-                <a:spcPct val="0"/>
-              </a:spcBef>
-              <a:spcAft>
-                <a:spcPct val="0"/>
-              </a:spcAft>
-              <a:defRPr sz="2400">
-                <a:solidFill>
-                  <a:schemeClr val="tx1"/>
-                </a:solidFill>
-                <a:latin typeface="Times" pitchFamily="18" charset="0"/>
-              </a:defRPr>
-            </a:lvl9pPr>
-          </a:lstStyle>
-          <a:p>
-            <a:pPr lvl="1" algn="just">
-              <a:lnSpc>
-                <a:spcPct val="120000"/>
-              </a:lnSpc>
-              <a:spcBef>
-                <a:spcPct val="60000"/>
-              </a:spcBef>
-              <a:buClr>
-                <a:schemeClr val="tx1"/>
-              </a:buClr>
-              <a:buSzPct val="85000"/>
-              <a:buFont typeface="Arial" panose="020B0604020202020204" pitchFamily="34" charset="0"/>
-              <a:buNone/>
-            </a:pPr>
-            <a:r>
-              <a:rPr lang="en-US" altLang="ko-KR" sz="1300" smtClean="0">
-                <a:latin typeface="HY헤드라인M" panose="02030600000101010101" pitchFamily="18" charset="-127"/>
-                <a:ea typeface="HY헤드라인M" panose="02030600000101010101" pitchFamily="18" charset="-127"/>
-              </a:rPr>
-              <a:t>6.1 </a:t>
-            </a:r>
-            <a:r>
-              <a:rPr lang="ko-KR" altLang="en-US" sz="1300" dirty="0" smtClean="0">
-                <a:latin typeface="HY헤드라인M" panose="02030600000101010101" pitchFamily="18" charset="-127"/>
-                <a:ea typeface="HY헤드라인M" panose="02030600000101010101" pitchFamily="18" charset="-127"/>
-              </a:rPr>
-              <a:t>소요 기술</a:t>
-            </a:r>
-            <a:endParaRPr lang="en-US" altLang="ko-KR" sz="1300" dirty="0" smtClean="0">
-              <a:latin typeface="HY헤드라인M" panose="02030600000101010101" pitchFamily="18" charset="-127"/>
-              <a:ea typeface="HY헤드라인M" panose="02030600000101010101" pitchFamily="18" charset="-127"/>
-            </a:endParaRPr>
-          </a:p>
-          <a:p>
-            <a:pPr lvl="1" algn="just">
-              <a:lnSpc>
-                <a:spcPct val="120000"/>
-              </a:lnSpc>
-              <a:spcBef>
-                <a:spcPct val="60000"/>
-              </a:spcBef>
-              <a:buClr>
-                <a:schemeClr val="tx1"/>
-              </a:buClr>
-              <a:buSzPct val="85000"/>
-              <a:buFont typeface="Arial" panose="020B0604020202020204" pitchFamily="34" charset="0"/>
-              <a:buNone/>
-            </a:pPr>
-            <a:r>
-              <a:rPr lang="en-US" altLang="ko-KR" sz="1300" smtClean="0">
-                <a:latin typeface="HY헤드라인M" panose="02030600000101010101" pitchFamily="18" charset="-127"/>
-                <a:ea typeface="HY헤드라인M" panose="02030600000101010101" pitchFamily="18" charset="-127"/>
-              </a:rPr>
-              <a:t>6.2 </a:t>
-            </a:r>
-            <a:r>
-              <a:rPr lang="ko-KR" altLang="en-US" sz="1300" dirty="0" smtClean="0">
-                <a:latin typeface="HY헤드라인M" panose="02030600000101010101" pitchFamily="18" charset="-127"/>
-                <a:ea typeface="HY헤드라인M" panose="02030600000101010101" pitchFamily="18" charset="-127"/>
-              </a:rPr>
-              <a:t>시스템 아키텍처</a:t>
-            </a:r>
-            <a:endParaRPr lang="en-US" altLang="ko-KR" sz="1300" dirty="0">
-              <a:latin typeface="HY헤드라인M" panose="02030600000101010101" pitchFamily="18" charset="-127"/>
-              <a:ea typeface="HY헤드라인M" panose="02030600000101010101" pitchFamily="18" charset="-127"/>
-            </a:endParaRPr>
-          </a:p>
-        </p:txBody>
-      </p:sp>
-      <p:sp>
-        <p:nvSpPr>
-          <p:cNvPr id="95" name="Rectangle 6"/>
-          <p:cNvSpPr>
-            <a:spLocks noChangeArrowheads="1"/>
-          </p:cNvSpPr>
-          <p:nvPr/>
-        </p:nvSpPr>
-        <p:spPr bwMode="auto">
-          <a:xfrm>
-            <a:off x="666767" y="3496864"/>
-            <a:ext cx="3863975" cy="431800"/>
-          </a:xfrm>
-          <a:prstGeom prst="rect">
-            <a:avLst/>
-          </a:prstGeom>
-          <a:solidFill>
-            <a:srgbClr val="C1EAFF"/>
-          </a:solidFill>
-          <a:ln>
-            <a:noFill/>
-          </a:ln>
-          <a:effectLst/>
-          <a:extLst>
-            <a:ext uri="{91240B29-F687-4F45-9708-019B960494DF}">
-              <a14:hiddenLine xmlns:a14="http://schemas.microsoft.com/office/drawing/2010/main" w="9525">
-                <a:solidFill>
-                  <a:schemeClr val="tx1"/>
-                </a:solidFill>
-                <a:miter lim="800000"/>
-                <a:headEnd/>
-                <a:tailEnd/>
-              </a14:hiddenLine>
-            </a:ext>
-            <a:ext uri="{AF507438-7753-43E0-B8FC-AC1667EBCBE1}">
-              <a14:hiddenEffects xmlns:a14="http://schemas.microsoft.com/office/drawing/2010/main">
-                <a:effectLst>
-                  <a:outerShdw dist="35921" dir="2700000" algn="ctr" rotWithShape="0">
-                    <a:schemeClr val="bg2"/>
-                  </a:outerShdw>
-                </a:effectLst>
-              </a14:hiddenEffects>
-            </a:ext>
-          </a:extLst>
-        </p:spPr>
-        <p:txBody>
-          <a:bodyPr wrap="none" anchor="ctr"/>
-          <a:lstStyle/>
-          <a:p>
-            <a:pPr eaLnBrk="1" latinLnBrk="1" hangingPunct="1">
-              <a:spcBef>
-                <a:spcPct val="0"/>
-              </a:spcBef>
-              <a:buClrTx/>
-              <a:buSzTx/>
-              <a:buFontTx/>
-              <a:buNone/>
-            </a:pPr>
-            <a:r>
-              <a:rPr kumimoji="1" lang="ko-KR" altLang="en-US" sz="1800">
-                <a:solidFill>
-                  <a:srgbClr val="003366"/>
-                </a:solidFill>
-                <a:latin typeface="HY헤드라인M" panose="02030600000101010101" pitchFamily="18" charset="-127"/>
-                <a:ea typeface="HY헤드라인M" panose="02030600000101010101" pitchFamily="18" charset="-127"/>
-              </a:rPr>
-              <a:t>      </a:t>
-            </a:r>
-            <a:r>
-              <a:rPr kumimoji="1" lang="ko-KR" altLang="en-US" smtClean="0">
-                <a:solidFill>
-                  <a:srgbClr val="003366"/>
-                </a:solidFill>
-                <a:latin typeface="HY헤드라인M" panose="02030600000101010101" pitchFamily="18" charset="-127"/>
-                <a:ea typeface="HY헤드라인M" panose="02030600000101010101" pitchFamily="18" charset="-127"/>
-              </a:rPr>
-              <a:t>기능정의서</a:t>
-            </a:r>
-            <a:endParaRPr kumimoji="1" lang="ko-KR" altLang="en-US" sz="1800" dirty="0">
-              <a:solidFill>
-                <a:srgbClr val="003366"/>
-              </a:solidFill>
-              <a:latin typeface="HY헤드라인M" panose="02030600000101010101" pitchFamily="18" charset="-127"/>
-              <a:ea typeface="HY헤드라인M" panose="02030600000101010101" pitchFamily="18" charset="-127"/>
-            </a:endParaRPr>
-          </a:p>
-        </p:txBody>
-      </p:sp>
-      <p:sp>
-        <p:nvSpPr>
-          <p:cNvPr id="96" name="Oval 7"/>
-          <p:cNvSpPr>
-            <a:spLocks noChangeArrowheads="1"/>
-          </p:cNvSpPr>
-          <p:nvPr/>
-        </p:nvSpPr>
-        <p:spPr bwMode="auto">
-          <a:xfrm>
-            <a:off x="354029" y="3352402"/>
-            <a:ext cx="782638" cy="720725"/>
-          </a:xfrm>
-          <a:prstGeom prst="ellipse">
-            <a:avLst/>
-          </a:prstGeom>
-          <a:solidFill>
-            <a:srgbClr val="00CCFF"/>
-          </a:solidFill>
-          <a:ln w="25400">
-            <a:solidFill>
-              <a:schemeClr val="bg1"/>
-            </a:solidFill>
-            <a:round/>
-            <a:headEnd/>
-            <a:tailEnd/>
-          </a:ln>
-          <a:effectLst/>
-          <a:extLst>
-            <a:ext uri="{AF507438-7753-43E0-B8FC-AC1667EBCBE1}">
-              <a14:hiddenEffects xmlns:a14="http://schemas.microsoft.com/office/drawing/2010/main">
-                <a:effectLst>
-                  <a:outerShdw dist="35921" dir="2700000" algn="ctr" rotWithShape="0">
-                    <a:schemeClr val="bg2"/>
-                  </a:outerShdw>
-                </a:effectLst>
-              </a14:hiddenEffects>
-            </a:ext>
-          </a:extLst>
-        </p:spPr>
-        <p:txBody>
-          <a:bodyPr wrap="none" anchor="ctr"/>
-          <a:lstStyle/>
-          <a:p>
-            <a:pPr algn="ctr" eaLnBrk="1" latinLnBrk="1" hangingPunct="1">
-              <a:spcBef>
-                <a:spcPct val="0"/>
-              </a:spcBef>
-              <a:buClrTx/>
-              <a:buSzTx/>
-              <a:buFontTx/>
-              <a:buNone/>
-            </a:pPr>
-            <a:r>
-              <a:rPr kumimoji="1" lang="en-US" altLang="ko-KR" sz="2400" smtClean="0">
-                <a:solidFill>
-                  <a:schemeClr val="bg1"/>
-                </a:solidFill>
-                <a:latin typeface="HY헤드라인M" panose="02030600000101010101" pitchFamily="18" charset="-127"/>
-                <a:ea typeface="HY헤드라인M" panose="02030600000101010101" pitchFamily="18" charset="-127"/>
-              </a:rPr>
-              <a:t>3</a:t>
-            </a:r>
-            <a:endParaRPr kumimoji="1" lang="en-US" altLang="ko-KR" sz="2400">
-              <a:solidFill>
-                <a:schemeClr val="bg1"/>
-              </a:solidFill>
-              <a:latin typeface="HY헤드라인M" panose="02030600000101010101" pitchFamily="18" charset="-127"/>
-              <a:ea typeface="HY헤드라인M" panose="02030600000101010101" pitchFamily="18" charset="-127"/>
-            </a:endParaRPr>
-          </a:p>
-        </p:txBody>
-      </p:sp>
-      <p:sp>
-        <p:nvSpPr>
-          <p:cNvPr id="98" name="Rectangle 16"/>
-          <p:cNvSpPr>
-            <a:spLocks noChangeArrowheads="1"/>
-          </p:cNvSpPr>
-          <p:nvPr/>
-        </p:nvSpPr>
-        <p:spPr bwMode="auto">
-          <a:xfrm>
-            <a:off x="5046461" y="5846052"/>
-            <a:ext cx="3829050" cy="431800"/>
-          </a:xfrm>
-          <a:prstGeom prst="rect">
-            <a:avLst/>
-          </a:prstGeom>
-          <a:solidFill>
-            <a:srgbClr val="C1EAFF"/>
-          </a:solidFill>
-          <a:ln>
-            <a:noFill/>
-          </a:ln>
-          <a:effectLst/>
-          <a:extLst>
-            <a:ext uri="{91240B29-F687-4F45-9708-019B960494DF}">
-              <a14:hiddenLine xmlns:a14="http://schemas.microsoft.com/office/drawing/2010/main" w="9525">
-                <a:solidFill>
-                  <a:schemeClr val="tx1"/>
-                </a:solidFill>
-                <a:miter lim="800000"/>
-                <a:headEnd/>
-                <a:tailEnd/>
-              </a14:hiddenLine>
-            </a:ext>
-            <a:ext uri="{AF507438-7753-43E0-B8FC-AC1667EBCBE1}">
-              <a14:hiddenEffects xmlns:a14="http://schemas.microsoft.com/office/drawing/2010/main">
-                <a:effectLst>
-                  <a:outerShdw dist="35921" dir="2700000" algn="ctr" rotWithShape="0">
-                    <a:schemeClr val="bg2"/>
-                  </a:outerShdw>
-                </a:effectLst>
-              </a14:hiddenEffects>
-            </a:ext>
-          </a:extLst>
-        </p:spPr>
-        <p:txBody>
-          <a:bodyPr wrap="none" anchor="ctr"/>
-          <a:lstStyle/>
-          <a:p>
-            <a:pPr>
-              <a:spcBef>
-                <a:spcPct val="0"/>
-              </a:spcBef>
-            </a:pPr>
-            <a:r>
-              <a:rPr kumimoji="1" lang="ko-KR" altLang="en-US" dirty="0" smtClean="0">
-                <a:solidFill>
-                  <a:srgbClr val="003366"/>
-                </a:solidFill>
-                <a:latin typeface="HY헤드라인M" panose="02030600000101010101" pitchFamily="18" charset="-127"/>
-                <a:ea typeface="HY헤드라인M" panose="02030600000101010101" pitchFamily="18" charset="-127"/>
-              </a:rPr>
-              <a:t>      질의 응답 및 후기</a:t>
-            </a:r>
-            <a:endParaRPr kumimoji="1" lang="ko-KR" altLang="en-US" sz="1800" dirty="0">
-              <a:solidFill>
-                <a:srgbClr val="003366"/>
-              </a:solidFill>
-              <a:latin typeface="HY헤드라인M" panose="02030600000101010101" pitchFamily="18" charset="-127"/>
-              <a:ea typeface="HY헤드라인M" panose="02030600000101010101" pitchFamily="18" charset="-127"/>
-            </a:endParaRPr>
-          </a:p>
-        </p:txBody>
-      </p:sp>
-      <p:sp>
-        <p:nvSpPr>
-          <p:cNvPr id="99" name="Oval 17"/>
-          <p:cNvSpPr>
-            <a:spLocks noChangeArrowheads="1"/>
-          </p:cNvSpPr>
-          <p:nvPr/>
-        </p:nvSpPr>
-        <p:spPr bwMode="auto">
-          <a:xfrm>
-            <a:off x="4733723" y="5701590"/>
-            <a:ext cx="781050" cy="720725"/>
-          </a:xfrm>
-          <a:prstGeom prst="ellipse">
-            <a:avLst/>
-          </a:prstGeom>
-          <a:solidFill>
-            <a:srgbClr val="00CCFF"/>
-          </a:solidFill>
-          <a:ln w="25400">
-            <a:solidFill>
-              <a:schemeClr val="bg1"/>
-            </a:solidFill>
-            <a:round/>
-            <a:headEnd/>
-            <a:tailEnd/>
-          </a:ln>
-          <a:effectLst/>
-          <a:extLst>
-            <a:ext uri="{AF507438-7753-43E0-B8FC-AC1667EBCBE1}">
-              <a14:hiddenEffects xmlns:a14="http://schemas.microsoft.com/office/drawing/2010/main">
-                <a:effectLst>
-                  <a:outerShdw dist="35921" dir="2700000" algn="ctr" rotWithShape="0">
-                    <a:schemeClr val="bg2"/>
-                  </a:outerShdw>
-                </a:effectLst>
-              </a14:hiddenEffects>
-            </a:ext>
-          </a:extLst>
-        </p:spPr>
-        <p:txBody>
-          <a:bodyPr wrap="none" anchor="ctr"/>
-          <a:lstStyle/>
-          <a:p>
-            <a:pPr algn="ctr" eaLnBrk="1" latinLnBrk="1" hangingPunct="1">
-              <a:spcBef>
-                <a:spcPct val="0"/>
-              </a:spcBef>
-              <a:buClrTx/>
-              <a:buSzTx/>
-              <a:buFontTx/>
-              <a:buNone/>
-            </a:pPr>
-            <a:r>
-              <a:rPr kumimoji="1" lang="en-US" altLang="ko-KR" sz="2400" smtClean="0">
-                <a:solidFill>
-                  <a:schemeClr val="bg1"/>
-                </a:solidFill>
-                <a:latin typeface="HY헤드라인M" panose="02030600000101010101" pitchFamily="18" charset="-127"/>
-                <a:ea typeface="HY헤드라인M" panose="02030600000101010101" pitchFamily="18" charset="-127"/>
-              </a:rPr>
-              <a:t>9</a:t>
-            </a:r>
-            <a:endParaRPr kumimoji="1" lang="en-US" altLang="ko-KR" sz="2400" dirty="0">
-              <a:solidFill>
-                <a:schemeClr val="bg1"/>
-              </a:solidFill>
-              <a:latin typeface="HY헤드라인M" panose="02030600000101010101" pitchFamily="18" charset="-127"/>
-              <a:ea typeface="HY헤드라인M" panose="02030600000101010101" pitchFamily="18" charset="-127"/>
-            </a:endParaRPr>
-          </a:p>
-        </p:txBody>
-      </p:sp>
-      <p:sp>
-        <p:nvSpPr>
-          <p:cNvPr id="100" name="Rectangle 21"/>
-          <p:cNvSpPr>
-            <a:spLocks noChangeArrowheads="1"/>
-          </p:cNvSpPr>
-          <p:nvPr/>
-        </p:nvSpPr>
-        <p:spPr bwMode="auto">
-          <a:xfrm>
-            <a:off x="5456036" y="6320715"/>
-            <a:ext cx="4030662" cy="332399"/>
-          </a:xfrm>
-          <a:prstGeom prst="rect">
-            <a:avLst/>
-          </a:prstGeom>
-          <a:noFill/>
-          <a:ln>
-            <a:noFill/>
-          </a:ln>
-          <a:effectLst/>
-          <a:extLst>
-            <a:ext uri="{909E8E84-426E-40DD-AFC4-6F175D3DCCD1}">
-              <a14:hiddenFill xmlns:a14="http://schemas.microsoft.com/office/drawing/2010/main">
-                <a:solidFill>
-                  <a:schemeClr val="accent1"/>
-                </a:solidFill>
-              </a14:hiddenFill>
-            </a:ext>
-            <a:ext uri="{91240B29-F687-4F45-9708-019B960494DF}">
-              <a14:hiddenLine xmlns:a14="http://schemas.microsoft.com/office/drawing/2010/main" w="12700" algn="ctr">
-                <a:solidFill>
-                  <a:schemeClr val="tx1"/>
-                </a:solidFill>
-                <a:miter lim="800000"/>
-                <a:headEnd/>
-                <a:tailEnd/>
-              </a14:hiddenLine>
-            </a:ext>
-            <a:ext uri="{AF507438-7753-43E0-B8FC-AC1667EBCBE1}">
-              <a14:hiddenEffects xmlns:a14="http://schemas.microsoft.com/office/drawing/2010/main">
-                <a:effectLst>
-                  <a:outerShdw dist="35921" dir="2700000" algn="ctr" rotWithShape="0">
-                    <a:schemeClr val="bg2"/>
-                  </a:outerShdw>
-                </a:effectLst>
-              </a14:hiddenEffects>
-            </a:ext>
-          </a:extLst>
-        </p:spPr>
-        <p:txBody>
-          <a:bodyPr lIns="18288" rIns="18288">
-            <a:spAutoFit/>
-          </a:bodyPr>
-          <a:lstStyle>
-            <a:lvl1pPr>
-              <a:spcBef>
-                <a:spcPct val="0"/>
-              </a:spcBef>
-              <a:defRPr sz="2400">
-                <a:solidFill>
-                  <a:schemeClr val="tx1"/>
-                </a:solidFill>
-                <a:latin typeface="Times" pitchFamily="18" charset="0"/>
-              </a:defRPr>
-            </a:lvl1pPr>
-            <a:lvl2pPr marL="1588">
-              <a:spcBef>
-                <a:spcPct val="0"/>
-              </a:spcBef>
-              <a:defRPr sz="2400">
-                <a:solidFill>
-                  <a:schemeClr val="tx1"/>
-                </a:solidFill>
-                <a:latin typeface="Times" pitchFamily="18" charset="0"/>
-              </a:defRPr>
-            </a:lvl2pPr>
-            <a:lvl3pPr marL="160338" indent="-4763">
-              <a:spcBef>
-                <a:spcPct val="0"/>
-              </a:spcBef>
-              <a:defRPr sz="2400">
-                <a:solidFill>
-                  <a:schemeClr val="tx1"/>
-                </a:solidFill>
-                <a:latin typeface="Times" pitchFamily="18" charset="0"/>
-              </a:defRPr>
-            </a:lvl3pPr>
-            <a:lvl4pPr marL="365125" indent="-177800">
-              <a:spcBef>
-                <a:spcPct val="0"/>
-              </a:spcBef>
-              <a:defRPr sz="2400">
-                <a:solidFill>
-                  <a:schemeClr val="tx1"/>
-                </a:solidFill>
-                <a:latin typeface="Times" pitchFamily="18" charset="0"/>
-              </a:defRPr>
-            </a:lvl4pPr>
-            <a:lvl5pPr marL="595313" indent="-169863">
-              <a:spcBef>
-                <a:spcPct val="0"/>
-              </a:spcBef>
-              <a:defRPr sz="2400">
-                <a:solidFill>
-                  <a:schemeClr val="tx1"/>
-                </a:solidFill>
-                <a:latin typeface="Times" pitchFamily="18" charset="0"/>
-              </a:defRPr>
-            </a:lvl5pPr>
-            <a:lvl6pPr marL="1052513" indent="-169863" eaLnBrk="0" fontAlgn="base" hangingPunct="0">
-              <a:spcBef>
-                <a:spcPct val="0"/>
-              </a:spcBef>
-              <a:spcAft>
-                <a:spcPct val="0"/>
-              </a:spcAft>
-              <a:defRPr sz="2400">
-                <a:solidFill>
-                  <a:schemeClr val="tx1"/>
-                </a:solidFill>
-                <a:latin typeface="Times" pitchFamily="18" charset="0"/>
-              </a:defRPr>
-            </a:lvl6pPr>
-            <a:lvl7pPr marL="1509713" indent="-169863" eaLnBrk="0" fontAlgn="base" hangingPunct="0">
-              <a:spcBef>
-                <a:spcPct val="0"/>
-              </a:spcBef>
-              <a:spcAft>
-                <a:spcPct val="0"/>
-              </a:spcAft>
-              <a:defRPr sz="2400">
-                <a:solidFill>
-                  <a:schemeClr val="tx1"/>
-                </a:solidFill>
-                <a:latin typeface="Times" pitchFamily="18" charset="0"/>
-              </a:defRPr>
-            </a:lvl7pPr>
-            <a:lvl8pPr marL="1966913" indent="-169863" eaLnBrk="0" fontAlgn="base" hangingPunct="0">
-              <a:spcBef>
-                <a:spcPct val="0"/>
-              </a:spcBef>
-              <a:spcAft>
-                <a:spcPct val="0"/>
-              </a:spcAft>
-              <a:defRPr sz="2400">
-                <a:solidFill>
-                  <a:schemeClr val="tx1"/>
-                </a:solidFill>
-                <a:latin typeface="Times" pitchFamily="18" charset="0"/>
-              </a:defRPr>
-            </a:lvl8pPr>
-            <a:lvl9pPr marL="2424113" indent="-169863" eaLnBrk="0" fontAlgn="base" hangingPunct="0">
-              <a:spcBef>
-                <a:spcPct val="0"/>
-              </a:spcBef>
-              <a:spcAft>
-                <a:spcPct val="0"/>
-              </a:spcAft>
-              <a:defRPr sz="2400">
-                <a:solidFill>
-                  <a:schemeClr val="tx1"/>
-                </a:solidFill>
-                <a:latin typeface="Times" pitchFamily="18" charset="0"/>
-              </a:defRPr>
-            </a:lvl9pPr>
-          </a:lstStyle>
-          <a:p>
-            <a:pPr lvl="1" algn="just">
-              <a:lnSpc>
-                <a:spcPct val="120000"/>
-              </a:lnSpc>
-              <a:spcBef>
-                <a:spcPct val="60000"/>
-              </a:spcBef>
-              <a:buClr>
-                <a:schemeClr val="tx1"/>
-              </a:buClr>
-              <a:buSzPct val="85000"/>
-              <a:buFont typeface="Arial" panose="020B0604020202020204" pitchFamily="34" charset="0"/>
-              <a:buNone/>
-            </a:pPr>
-            <a:r>
-              <a:rPr lang="en-US" altLang="ko-KR" sz="1300" smtClean="0">
-                <a:latin typeface="HY헤드라인M" panose="02030600000101010101" pitchFamily="18" charset="-127"/>
-                <a:ea typeface="HY헤드라인M" panose="02030600000101010101" pitchFamily="18" charset="-127"/>
-              </a:rPr>
-              <a:t>9.1 </a:t>
-            </a:r>
-            <a:r>
-              <a:rPr lang="en-US" altLang="ko-KR" sz="1300" dirty="0" smtClean="0">
-                <a:latin typeface="HY헤드라인M" panose="02030600000101010101" pitchFamily="18" charset="-127"/>
-                <a:ea typeface="HY헤드라인M" panose="02030600000101010101" pitchFamily="18" charset="-127"/>
-              </a:rPr>
-              <a:t>Q &amp; A</a:t>
-            </a:r>
-            <a:endParaRPr lang="ko-KR" altLang="en-US" sz="1300" dirty="0">
-              <a:latin typeface="HY헤드라인M" panose="02030600000101010101" pitchFamily="18" charset="-127"/>
-              <a:ea typeface="HY헤드라인M" panose="02030600000101010101" pitchFamily="18" charset="-127"/>
-            </a:endParaRPr>
-          </a:p>
-        </p:txBody>
-      </p:sp>
-      <p:sp>
-        <p:nvSpPr>
-          <p:cNvPr id="28" name="Rectangle 11"/>
-          <p:cNvSpPr>
-            <a:spLocks noChangeArrowheads="1"/>
-          </p:cNvSpPr>
-          <p:nvPr/>
-        </p:nvSpPr>
-        <p:spPr bwMode="auto">
-          <a:xfrm>
-            <a:off x="5460654" y="1361431"/>
-            <a:ext cx="3454400" cy="332399"/>
-          </a:xfrm>
-          <a:prstGeom prst="rect">
-            <a:avLst/>
-          </a:prstGeom>
-          <a:noFill/>
-          <a:ln>
-            <a:noFill/>
-          </a:ln>
-          <a:effectLst/>
-          <a:extLst>
-            <a:ext uri="{909E8E84-426E-40DD-AFC4-6F175D3DCCD1}">
-              <a14:hiddenFill xmlns:a14="http://schemas.microsoft.com/office/drawing/2010/main">
-                <a:solidFill>
-                  <a:schemeClr val="accent1"/>
-                </a:solidFill>
-              </a14:hiddenFill>
-            </a:ext>
-            <a:ext uri="{91240B29-F687-4F45-9708-019B960494DF}">
-              <a14:hiddenLine xmlns:a14="http://schemas.microsoft.com/office/drawing/2010/main" w="12700" algn="ctr">
-                <a:solidFill>
-                  <a:schemeClr val="tx1"/>
-                </a:solidFill>
-                <a:miter lim="800000"/>
-                <a:headEnd/>
-                <a:tailEnd/>
-              </a14:hiddenLine>
-            </a:ext>
-            <a:ext uri="{AF507438-7753-43E0-B8FC-AC1667EBCBE1}">
-              <a14:hiddenEffects xmlns:a14="http://schemas.microsoft.com/office/drawing/2010/main">
-                <a:effectLst>
-                  <a:outerShdw dist="35921" dir="2700000" algn="ctr" rotWithShape="0">
-                    <a:schemeClr val="bg2"/>
-                  </a:outerShdw>
-                </a:effectLst>
-              </a14:hiddenEffects>
-            </a:ext>
-          </a:extLst>
-        </p:spPr>
-        <p:txBody>
-          <a:bodyPr wrap="square" lIns="18288" rIns="18288">
-            <a:spAutoFit/>
-          </a:bodyPr>
-          <a:lstStyle>
-            <a:lvl1pPr>
-              <a:spcBef>
-                <a:spcPct val="0"/>
-              </a:spcBef>
-              <a:defRPr sz="2400">
-                <a:solidFill>
-                  <a:schemeClr val="tx1"/>
-                </a:solidFill>
-                <a:latin typeface="Times" pitchFamily="18" charset="0"/>
-              </a:defRPr>
-            </a:lvl1pPr>
-            <a:lvl2pPr marL="1588">
-              <a:spcBef>
-                <a:spcPct val="0"/>
-              </a:spcBef>
-              <a:defRPr sz="2400">
-                <a:solidFill>
-                  <a:schemeClr val="tx1"/>
-                </a:solidFill>
-                <a:latin typeface="Times" pitchFamily="18" charset="0"/>
-              </a:defRPr>
-            </a:lvl2pPr>
-            <a:lvl3pPr marL="160338" indent="-4763">
-              <a:spcBef>
-                <a:spcPct val="0"/>
-              </a:spcBef>
-              <a:defRPr sz="2400">
-                <a:solidFill>
-                  <a:schemeClr val="tx1"/>
-                </a:solidFill>
-                <a:latin typeface="Times" pitchFamily="18" charset="0"/>
-              </a:defRPr>
-            </a:lvl3pPr>
-            <a:lvl4pPr marL="365125" indent="-177800">
-              <a:spcBef>
-                <a:spcPct val="0"/>
-              </a:spcBef>
-              <a:defRPr sz="2400">
-                <a:solidFill>
-                  <a:schemeClr val="tx1"/>
-                </a:solidFill>
-                <a:latin typeface="Times" pitchFamily="18" charset="0"/>
-              </a:defRPr>
-            </a:lvl4pPr>
-            <a:lvl5pPr marL="595313" indent="-169863">
-              <a:spcBef>
-                <a:spcPct val="0"/>
-              </a:spcBef>
-              <a:defRPr sz="2400">
-                <a:solidFill>
-                  <a:schemeClr val="tx1"/>
-                </a:solidFill>
-                <a:latin typeface="Times" pitchFamily="18" charset="0"/>
-              </a:defRPr>
-            </a:lvl5pPr>
-            <a:lvl6pPr marL="1052513" indent="-169863" eaLnBrk="0" fontAlgn="base" hangingPunct="0">
-              <a:spcBef>
-                <a:spcPct val="0"/>
-              </a:spcBef>
-              <a:spcAft>
-                <a:spcPct val="0"/>
-              </a:spcAft>
-              <a:defRPr sz="2400">
-                <a:solidFill>
-                  <a:schemeClr val="tx1"/>
-                </a:solidFill>
-                <a:latin typeface="Times" pitchFamily="18" charset="0"/>
-              </a:defRPr>
-            </a:lvl6pPr>
-            <a:lvl7pPr marL="1509713" indent="-169863" eaLnBrk="0" fontAlgn="base" hangingPunct="0">
-              <a:spcBef>
-                <a:spcPct val="0"/>
-              </a:spcBef>
-              <a:spcAft>
-                <a:spcPct val="0"/>
-              </a:spcAft>
-              <a:defRPr sz="2400">
-                <a:solidFill>
-                  <a:schemeClr val="tx1"/>
-                </a:solidFill>
-                <a:latin typeface="Times" pitchFamily="18" charset="0"/>
-              </a:defRPr>
-            </a:lvl7pPr>
-            <a:lvl8pPr marL="1966913" indent="-169863" eaLnBrk="0" fontAlgn="base" hangingPunct="0">
-              <a:spcBef>
-                <a:spcPct val="0"/>
-              </a:spcBef>
-              <a:spcAft>
-                <a:spcPct val="0"/>
-              </a:spcAft>
-              <a:defRPr sz="2400">
-                <a:solidFill>
-                  <a:schemeClr val="tx1"/>
-                </a:solidFill>
-                <a:latin typeface="Times" pitchFamily="18" charset="0"/>
-              </a:defRPr>
-            </a:lvl8pPr>
-            <a:lvl9pPr marL="2424113" indent="-169863" eaLnBrk="0" fontAlgn="base" hangingPunct="0">
-              <a:spcBef>
-                <a:spcPct val="0"/>
-              </a:spcBef>
-              <a:spcAft>
-                <a:spcPct val="0"/>
-              </a:spcAft>
-              <a:defRPr sz="2400">
-                <a:solidFill>
-                  <a:schemeClr val="tx1"/>
-                </a:solidFill>
-                <a:latin typeface="Times" pitchFamily="18" charset="0"/>
-              </a:defRPr>
-            </a:lvl9pPr>
-          </a:lstStyle>
-          <a:p>
-            <a:pPr lvl="1" algn="just">
-              <a:lnSpc>
-                <a:spcPct val="120000"/>
-              </a:lnSpc>
-              <a:spcBef>
-                <a:spcPct val="60000"/>
-              </a:spcBef>
-              <a:buClr>
-                <a:schemeClr val="tx1"/>
-              </a:buClr>
-              <a:buSzPct val="85000"/>
-              <a:buFont typeface="Arial" panose="020B0604020202020204" pitchFamily="34" charset="0"/>
-              <a:buNone/>
-            </a:pPr>
-            <a:r>
-              <a:rPr lang="en-US" altLang="ko-KR" sz="1300" smtClean="0">
-                <a:latin typeface="HY헤드라인M" panose="02030600000101010101" pitchFamily="18" charset="-127"/>
-                <a:ea typeface="HY헤드라인M" panose="02030600000101010101" pitchFamily="18" charset="-127"/>
-              </a:rPr>
-              <a:t>5.1 </a:t>
-            </a:r>
-            <a:r>
-              <a:rPr lang="ko-KR" altLang="en-US" sz="1300" dirty="0" smtClean="0">
-                <a:latin typeface="HY헤드라인M" panose="02030600000101010101" pitchFamily="18" charset="-127"/>
-                <a:ea typeface="HY헤드라인M" panose="02030600000101010101" pitchFamily="18" charset="-127"/>
-              </a:rPr>
-              <a:t>테이블 </a:t>
-            </a:r>
-            <a:r>
-              <a:rPr lang="en-US" altLang="ko-KR" sz="1300" dirty="0" smtClean="0">
-                <a:latin typeface="HY헤드라인M" panose="02030600000101010101" pitchFamily="18" charset="-127"/>
-                <a:ea typeface="HY헤드라인M" panose="02030600000101010101" pitchFamily="18" charset="-127"/>
-              </a:rPr>
-              <a:t>ERD</a:t>
-            </a:r>
-          </a:p>
-        </p:txBody>
-      </p:sp>
-      <p:sp>
-        <p:nvSpPr>
-          <p:cNvPr id="29" name="Rectangle 10"/>
-          <p:cNvSpPr>
-            <a:spLocks noChangeArrowheads="1"/>
-          </p:cNvSpPr>
-          <p:nvPr/>
-        </p:nvSpPr>
-        <p:spPr bwMode="auto">
-          <a:xfrm>
-            <a:off x="1076342" y="3963589"/>
-            <a:ext cx="3454400" cy="300723"/>
-          </a:xfrm>
-          <a:prstGeom prst="rect">
-            <a:avLst/>
-          </a:prstGeom>
-          <a:noFill/>
-          <a:ln>
-            <a:noFill/>
-          </a:ln>
-          <a:effectLst/>
-          <a:extLst>
-            <a:ext uri="{909E8E84-426E-40DD-AFC4-6F175D3DCCD1}">
-              <a14:hiddenFill xmlns:a14="http://schemas.microsoft.com/office/drawing/2010/main">
-                <a:solidFill>
-                  <a:schemeClr val="accent1"/>
-                </a:solidFill>
-              </a14:hiddenFill>
-            </a:ext>
-            <a:ext uri="{91240B29-F687-4F45-9708-019B960494DF}">
-              <a14:hiddenLine xmlns:a14="http://schemas.microsoft.com/office/drawing/2010/main" w="12700" algn="ctr">
-                <a:solidFill>
-                  <a:schemeClr val="tx1"/>
-                </a:solidFill>
-                <a:miter lim="800000"/>
-                <a:headEnd/>
-                <a:tailEnd/>
-              </a14:hiddenLine>
-            </a:ext>
-            <a:ext uri="{AF507438-7753-43E0-B8FC-AC1667EBCBE1}">
-              <a14:hiddenEffects xmlns:a14="http://schemas.microsoft.com/office/drawing/2010/main">
-                <a:effectLst>
-                  <a:outerShdw dist="35921" dir="2700000" algn="ctr" rotWithShape="0">
-                    <a:schemeClr val="bg2"/>
-                  </a:outerShdw>
-                </a:effectLst>
-              </a14:hiddenEffects>
-            </a:ext>
-          </a:extLst>
-        </p:spPr>
-        <p:txBody>
-          <a:bodyPr wrap="square" lIns="18288" rIns="18288">
-            <a:spAutoFit/>
-          </a:bodyPr>
-          <a:lstStyle>
-            <a:lvl1pPr>
-              <a:spcBef>
-                <a:spcPct val="0"/>
-              </a:spcBef>
-              <a:defRPr sz="2400">
-                <a:solidFill>
-                  <a:schemeClr val="tx1"/>
-                </a:solidFill>
-                <a:latin typeface="Times" pitchFamily="18" charset="0"/>
-              </a:defRPr>
-            </a:lvl1pPr>
-            <a:lvl2pPr marL="1588">
-              <a:spcBef>
-                <a:spcPct val="0"/>
-              </a:spcBef>
-              <a:defRPr sz="2400">
-                <a:solidFill>
-                  <a:schemeClr val="tx1"/>
-                </a:solidFill>
-                <a:latin typeface="Times" pitchFamily="18" charset="0"/>
-              </a:defRPr>
-            </a:lvl2pPr>
-            <a:lvl3pPr marL="160338" indent="-4763">
-              <a:spcBef>
-                <a:spcPct val="0"/>
-              </a:spcBef>
-              <a:defRPr sz="2400">
-                <a:solidFill>
-                  <a:schemeClr val="tx1"/>
-                </a:solidFill>
-                <a:latin typeface="Times" pitchFamily="18" charset="0"/>
-              </a:defRPr>
-            </a:lvl3pPr>
-            <a:lvl4pPr marL="365125" indent="-177800">
-              <a:spcBef>
-                <a:spcPct val="0"/>
-              </a:spcBef>
-              <a:defRPr sz="2400">
-                <a:solidFill>
-                  <a:schemeClr val="tx1"/>
-                </a:solidFill>
-                <a:latin typeface="Times" pitchFamily="18" charset="0"/>
-              </a:defRPr>
-            </a:lvl4pPr>
-            <a:lvl5pPr marL="595313" indent="-169863">
-              <a:spcBef>
-                <a:spcPct val="0"/>
-              </a:spcBef>
-              <a:defRPr sz="2400">
-                <a:solidFill>
-                  <a:schemeClr val="tx1"/>
-                </a:solidFill>
-                <a:latin typeface="Times" pitchFamily="18" charset="0"/>
-              </a:defRPr>
-            </a:lvl5pPr>
-            <a:lvl6pPr marL="1052513" indent="-169863" eaLnBrk="0" fontAlgn="base" hangingPunct="0">
-              <a:spcBef>
-                <a:spcPct val="0"/>
-              </a:spcBef>
-              <a:spcAft>
-                <a:spcPct val="0"/>
-              </a:spcAft>
-              <a:defRPr sz="2400">
-                <a:solidFill>
-                  <a:schemeClr val="tx1"/>
-                </a:solidFill>
-                <a:latin typeface="Times" pitchFamily="18" charset="0"/>
-              </a:defRPr>
-            </a:lvl6pPr>
-            <a:lvl7pPr marL="1509713" indent="-169863" eaLnBrk="0" fontAlgn="base" hangingPunct="0">
-              <a:spcBef>
-                <a:spcPct val="0"/>
-              </a:spcBef>
-              <a:spcAft>
-                <a:spcPct val="0"/>
-              </a:spcAft>
-              <a:defRPr sz="2400">
-                <a:solidFill>
-                  <a:schemeClr val="tx1"/>
-                </a:solidFill>
-                <a:latin typeface="Times" pitchFamily="18" charset="0"/>
-              </a:defRPr>
-            </a:lvl7pPr>
-            <a:lvl8pPr marL="1966913" indent="-169863" eaLnBrk="0" fontAlgn="base" hangingPunct="0">
-              <a:spcBef>
-                <a:spcPct val="0"/>
-              </a:spcBef>
-              <a:spcAft>
-                <a:spcPct val="0"/>
-              </a:spcAft>
-              <a:defRPr sz="2400">
-                <a:solidFill>
-                  <a:schemeClr val="tx1"/>
-                </a:solidFill>
-                <a:latin typeface="Times" pitchFamily="18" charset="0"/>
-              </a:defRPr>
-            </a:lvl8pPr>
-            <a:lvl9pPr marL="2424113" indent="-169863" eaLnBrk="0" fontAlgn="base" hangingPunct="0">
-              <a:spcBef>
-                <a:spcPct val="0"/>
-              </a:spcBef>
-              <a:spcAft>
-                <a:spcPct val="0"/>
-              </a:spcAft>
-              <a:defRPr sz="2400">
-                <a:solidFill>
-                  <a:schemeClr val="tx1"/>
-                </a:solidFill>
-                <a:latin typeface="Times" pitchFamily="18" charset="0"/>
-              </a:defRPr>
-            </a:lvl9pPr>
-          </a:lstStyle>
-          <a:p>
-            <a:pPr lvl="1" algn="just">
-              <a:lnSpc>
-                <a:spcPct val="120000"/>
-              </a:lnSpc>
-              <a:spcBef>
-                <a:spcPct val="60000"/>
-              </a:spcBef>
-              <a:buClr>
-                <a:schemeClr val="tx1"/>
-              </a:buClr>
-              <a:buSzPct val="85000"/>
-              <a:buFont typeface="Arial" panose="020B0604020202020204" pitchFamily="34" charset="0"/>
-              <a:buNone/>
-            </a:pPr>
-            <a:r>
-              <a:rPr lang="en-US" altLang="ko-KR" sz="1300" smtClean="0">
-                <a:latin typeface="HY헤드라인M" panose="02030600000101010101" pitchFamily="18" charset="-127"/>
-                <a:ea typeface="HY헤드라인M" panose="02030600000101010101" pitchFamily="18" charset="-127"/>
-              </a:rPr>
-              <a:t>3,1  </a:t>
-            </a:r>
-            <a:r>
-              <a:rPr lang="ko-KR" altLang="en-US" sz="1300" smtClean="0">
-                <a:latin typeface="HY헤드라인M" panose="02030600000101010101" pitchFamily="18" charset="-127"/>
-                <a:ea typeface="HY헤드라인M" panose="02030600000101010101" pitchFamily="18" charset="-127"/>
-              </a:rPr>
-              <a:t>구현 기능</a:t>
-            </a:r>
-            <a:endParaRPr lang="ko-KR" altLang="en-US" sz="1300" dirty="0">
-              <a:latin typeface="HY헤드라인M" panose="02030600000101010101" pitchFamily="18" charset="-127"/>
-              <a:ea typeface="HY헤드라인M" panose="02030600000101010101" pitchFamily="18" charset="-127"/>
-            </a:endParaRPr>
-          </a:p>
-        </p:txBody>
-      </p:sp>
-      <p:sp>
-        <p:nvSpPr>
-          <p:cNvPr id="30" name="Rectangle 18"/>
-          <p:cNvSpPr>
-            <a:spLocks noChangeArrowheads="1"/>
-          </p:cNvSpPr>
-          <p:nvPr/>
-        </p:nvSpPr>
-        <p:spPr bwMode="auto">
-          <a:xfrm>
-            <a:off x="5425931" y="3725855"/>
-            <a:ext cx="3419475" cy="692497"/>
-          </a:xfrm>
-          <a:prstGeom prst="rect">
-            <a:avLst/>
-          </a:prstGeom>
-          <a:noFill/>
-          <a:ln>
-            <a:noFill/>
-          </a:ln>
-          <a:effectLst/>
-          <a:extLst>
-            <a:ext uri="{909E8E84-426E-40DD-AFC4-6F175D3DCCD1}">
-              <a14:hiddenFill xmlns:a14="http://schemas.microsoft.com/office/drawing/2010/main">
-                <a:solidFill>
-                  <a:schemeClr val="accent1"/>
-                </a:solidFill>
-              </a14:hiddenFill>
-            </a:ext>
-            <a:ext uri="{91240B29-F687-4F45-9708-019B960494DF}">
-              <a14:hiddenLine xmlns:a14="http://schemas.microsoft.com/office/drawing/2010/main" w="12700" algn="ctr">
-                <a:solidFill>
-                  <a:schemeClr val="tx1"/>
-                </a:solidFill>
-                <a:miter lim="800000"/>
-                <a:headEnd/>
-                <a:tailEnd/>
-              </a14:hiddenLine>
-            </a:ext>
-            <a:ext uri="{AF507438-7753-43E0-B8FC-AC1667EBCBE1}">
-              <a14:hiddenEffects xmlns:a14="http://schemas.microsoft.com/office/drawing/2010/main">
-                <a:effectLst>
-                  <a:outerShdw dist="35921" dir="2700000" algn="ctr" rotWithShape="0">
-                    <a:schemeClr val="bg2"/>
-                  </a:outerShdw>
-                </a:effectLst>
-              </a14:hiddenEffects>
-            </a:ext>
-          </a:extLst>
-        </p:spPr>
-        <p:txBody>
-          <a:bodyPr wrap="square" lIns="18288" rIns="18288">
-            <a:spAutoFit/>
-          </a:bodyPr>
-          <a:lstStyle>
-            <a:lvl1pPr>
-              <a:spcBef>
-                <a:spcPct val="0"/>
-              </a:spcBef>
-              <a:defRPr sz="2400">
-                <a:solidFill>
-                  <a:schemeClr val="tx1"/>
-                </a:solidFill>
-                <a:latin typeface="Times" pitchFamily="18" charset="0"/>
-              </a:defRPr>
-            </a:lvl1pPr>
-            <a:lvl2pPr marL="1588">
-              <a:spcBef>
-                <a:spcPct val="0"/>
-              </a:spcBef>
-              <a:defRPr sz="2400">
-                <a:solidFill>
-                  <a:schemeClr val="tx1"/>
-                </a:solidFill>
-                <a:latin typeface="Times" pitchFamily="18" charset="0"/>
-              </a:defRPr>
-            </a:lvl2pPr>
-            <a:lvl3pPr marL="160338" indent="-4763">
-              <a:spcBef>
-                <a:spcPct val="0"/>
-              </a:spcBef>
-              <a:defRPr sz="2400">
-                <a:solidFill>
-                  <a:schemeClr val="tx1"/>
-                </a:solidFill>
-                <a:latin typeface="Times" pitchFamily="18" charset="0"/>
-              </a:defRPr>
-            </a:lvl3pPr>
-            <a:lvl4pPr marL="365125" indent="-177800">
-              <a:spcBef>
-                <a:spcPct val="0"/>
-              </a:spcBef>
-              <a:defRPr sz="2400">
-                <a:solidFill>
-                  <a:schemeClr val="tx1"/>
-                </a:solidFill>
-                <a:latin typeface="Times" pitchFamily="18" charset="0"/>
-              </a:defRPr>
-            </a:lvl4pPr>
-            <a:lvl5pPr marL="595313" indent="-169863">
-              <a:spcBef>
-                <a:spcPct val="0"/>
-              </a:spcBef>
-              <a:defRPr sz="2400">
-                <a:solidFill>
-                  <a:schemeClr val="tx1"/>
-                </a:solidFill>
-                <a:latin typeface="Times" pitchFamily="18" charset="0"/>
-              </a:defRPr>
-            </a:lvl5pPr>
-            <a:lvl6pPr marL="1052513" indent="-169863" eaLnBrk="0" fontAlgn="base" hangingPunct="0">
-              <a:spcBef>
-                <a:spcPct val="0"/>
-              </a:spcBef>
-              <a:spcAft>
-                <a:spcPct val="0"/>
-              </a:spcAft>
-              <a:defRPr sz="2400">
-                <a:solidFill>
-                  <a:schemeClr val="tx1"/>
-                </a:solidFill>
-                <a:latin typeface="Times" pitchFamily="18" charset="0"/>
-              </a:defRPr>
-            </a:lvl6pPr>
-            <a:lvl7pPr marL="1509713" indent="-169863" eaLnBrk="0" fontAlgn="base" hangingPunct="0">
-              <a:spcBef>
-                <a:spcPct val="0"/>
-              </a:spcBef>
-              <a:spcAft>
-                <a:spcPct val="0"/>
-              </a:spcAft>
-              <a:defRPr sz="2400">
-                <a:solidFill>
-                  <a:schemeClr val="tx1"/>
-                </a:solidFill>
-                <a:latin typeface="Times" pitchFamily="18" charset="0"/>
-              </a:defRPr>
-            </a:lvl7pPr>
-            <a:lvl8pPr marL="1966913" indent="-169863" eaLnBrk="0" fontAlgn="base" hangingPunct="0">
-              <a:spcBef>
-                <a:spcPct val="0"/>
-              </a:spcBef>
-              <a:spcAft>
-                <a:spcPct val="0"/>
-              </a:spcAft>
-              <a:defRPr sz="2400">
-                <a:solidFill>
-                  <a:schemeClr val="tx1"/>
-                </a:solidFill>
-                <a:latin typeface="Times" pitchFamily="18" charset="0"/>
-              </a:defRPr>
-            </a:lvl8pPr>
-            <a:lvl9pPr marL="2424113" indent="-169863" eaLnBrk="0" fontAlgn="base" hangingPunct="0">
-              <a:spcBef>
-                <a:spcPct val="0"/>
-              </a:spcBef>
-              <a:spcAft>
-                <a:spcPct val="0"/>
-              </a:spcAft>
-              <a:defRPr sz="2400">
-                <a:solidFill>
-                  <a:schemeClr val="tx1"/>
-                </a:solidFill>
-                <a:latin typeface="Times" pitchFamily="18" charset="0"/>
-              </a:defRPr>
-            </a:lvl9pPr>
-          </a:lstStyle>
-          <a:p>
-            <a:pPr lvl="1" algn="just">
-              <a:lnSpc>
-                <a:spcPct val="120000"/>
-              </a:lnSpc>
-              <a:spcBef>
-                <a:spcPct val="60000"/>
-              </a:spcBef>
-              <a:buClr>
-                <a:schemeClr val="tx1"/>
-              </a:buClr>
-              <a:buSzPct val="85000"/>
-            </a:pPr>
-            <a:r>
-              <a:rPr lang="en-US" altLang="ko-KR" sz="1300" smtClean="0">
-                <a:latin typeface="HY헤드라인M" panose="02030600000101010101" pitchFamily="18" charset="-127"/>
-                <a:ea typeface="HY헤드라인M" panose="02030600000101010101" pitchFamily="18" charset="-127"/>
-              </a:rPr>
-              <a:t>7.1 </a:t>
-            </a:r>
-            <a:r>
-              <a:rPr lang="ko-KR" altLang="en-US" sz="1300" dirty="0" smtClean="0">
-                <a:latin typeface="HY헤드라인M" panose="02030600000101010101" pitchFamily="18" charset="-127"/>
-                <a:ea typeface="HY헤드라인M" panose="02030600000101010101" pitchFamily="18" charset="-127"/>
-              </a:rPr>
-              <a:t>메뉴 구조</a:t>
-            </a:r>
-            <a:endParaRPr lang="en-US" altLang="ko-KR" sz="1300" dirty="0" smtClean="0">
-              <a:latin typeface="HY헤드라인M" panose="02030600000101010101" pitchFamily="18" charset="-127"/>
-              <a:ea typeface="HY헤드라인M" panose="02030600000101010101" pitchFamily="18" charset="-127"/>
-            </a:endParaRPr>
-          </a:p>
-          <a:p>
-            <a:pPr lvl="1" algn="just">
-              <a:lnSpc>
-                <a:spcPct val="120000"/>
-              </a:lnSpc>
-              <a:spcBef>
-                <a:spcPct val="60000"/>
-              </a:spcBef>
-              <a:buClr>
-                <a:schemeClr val="tx1"/>
-              </a:buClr>
-              <a:buSzPct val="85000"/>
-            </a:pPr>
-            <a:r>
-              <a:rPr lang="en-US" altLang="ko-KR" sz="1300" smtClean="0">
-                <a:latin typeface="HY헤드라인M" panose="02030600000101010101" pitchFamily="18" charset="-127"/>
-                <a:ea typeface="HY헤드라인M" panose="02030600000101010101" pitchFamily="18" charset="-127"/>
-              </a:rPr>
-              <a:t>7.2 </a:t>
-            </a:r>
-            <a:r>
-              <a:rPr lang="ko-KR" altLang="en-US" sz="1300" dirty="0">
-                <a:latin typeface="HY헤드라인M" panose="02030600000101010101" pitchFamily="18" charset="-127"/>
-                <a:ea typeface="HY헤드라인M" panose="02030600000101010101" pitchFamily="18" charset="-127"/>
-              </a:rPr>
-              <a:t>주요 화면 레이아웃</a:t>
-            </a:r>
-            <a:endParaRPr lang="en-US" altLang="ko-KR" sz="1300" dirty="0">
-              <a:latin typeface="HY헤드라인M" panose="02030600000101010101" pitchFamily="18" charset="-127"/>
-              <a:ea typeface="HY헤드라인M" panose="02030600000101010101" pitchFamily="18" charset="-127"/>
-            </a:endParaRPr>
-          </a:p>
-        </p:txBody>
-      </p:sp>
-      <p:sp>
-        <p:nvSpPr>
-          <p:cNvPr id="31" name="Rectangle 16"/>
-          <p:cNvSpPr>
-            <a:spLocks noChangeArrowheads="1"/>
-          </p:cNvSpPr>
-          <p:nvPr/>
-        </p:nvSpPr>
-        <p:spPr bwMode="auto">
-          <a:xfrm>
-            <a:off x="5016356" y="4557478"/>
-            <a:ext cx="3829050" cy="431800"/>
-          </a:xfrm>
-          <a:prstGeom prst="rect">
-            <a:avLst/>
-          </a:prstGeom>
-          <a:solidFill>
-            <a:srgbClr val="C1EAFF"/>
-          </a:solidFill>
-          <a:ln>
-            <a:noFill/>
-          </a:ln>
-          <a:effectLst/>
-          <a:extLst>
-            <a:ext uri="{91240B29-F687-4F45-9708-019B960494DF}">
-              <a14:hiddenLine xmlns:a14="http://schemas.microsoft.com/office/drawing/2010/main" w="9525">
-                <a:solidFill>
-                  <a:schemeClr val="tx1"/>
-                </a:solidFill>
-                <a:miter lim="800000"/>
-                <a:headEnd/>
-                <a:tailEnd/>
-              </a14:hiddenLine>
-            </a:ext>
-            <a:ext uri="{AF507438-7753-43E0-B8FC-AC1667EBCBE1}">
-              <a14:hiddenEffects xmlns:a14="http://schemas.microsoft.com/office/drawing/2010/main">
-                <a:effectLst>
-                  <a:outerShdw dist="35921" dir="2700000" algn="ctr" rotWithShape="0">
-                    <a:schemeClr val="bg2"/>
-                  </a:outerShdw>
-                </a:effectLst>
-              </a14:hiddenEffects>
-            </a:ext>
-          </a:extLst>
-        </p:spPr>
-        <p:txBody>
-          <a:bodyPr wrap="none" anchor="ctr"/>
-          <a:lstStyle/>
-          <a:p>
-            <a:pPr eaLnBrk="1" latinLnBrk="1" hangingPunct="1">
-              <a:spcBef>
-                <a:spcPct val="0"/>
-              </a:spcBef>
-              <a:buClrTx/>
-              <a:buSzTx/>
-              <a:buFontTx/>
-              <a:buNone/>
-            </a:pPr>
-            <a:r>
-              <a:rPr kumimoji="1" lang="ko-KR" altLang="en-US" sz="1800" dirty="0">
-                <a:solidFill>
-                  <a:srgbClr val="003366"/>
-                </a:solidFill>
-                <a:latin typeface="HY헤드라인M" panose="02030600000101010101" pitchFamily="18" charset="-127"/>
-                <a:ea typeface="HY헤드라인M" panose="02030600000101010101" pitchFamily="18" charset="-127"/>
-              </a:rPr>
-              <a:t>      </a:t>
-            </a:r>
-            <a:r>
-              <a:rPr kumimoji="1" lang="ko-KR" altLang="en-US" dirty="0" smtClean="0">
-                <a:solidFill>
-                  <a:srgbClr val="003366"/>
-                </a:solidFill>
-                <a:latin typeface="HY헤드라인M" panose="02030600000101010101" pitchFamily="18" charset="-127"/>
-                <a:ea typeface="HY헤드라인M" panose="02030600000101010101" pitchFamily="18" charset="-127"/>
-              </a:rPr>
-              <a:t>시연</a:t>
-            </a:r>
-            <a:endParaRPr kumimoji="1" lang="ko-KR" altLang="en-US" sz="1800" dirty="0">
-              <a:solidFill>
-                <a:srgbClr val="003366"/>
-              </a:solidFill>
-              <a:latin typeface="HY헤드라인M" panose="02030600000101010101" pitchFamily="18" charset="-127"/>
-              <a:ea typeface="HY헤드라인M" panose="02030600000101010101" pitchFamily="18" charset="-127"/>
-            </a:endParaRPr>
-          </a:p>
-        </p:txBody>
-      </p:sp>
-      <p:sp>
-        <p:nvSpPr>
-          <p:cNvPr id="32" name="Oval 17"/>
-          <p:cNvSpPr>
-            <a:spLocks noChangeArrowheads="1"/>
-          </p:cNvSpPr>
-          <p:nvPr/>
-        </p:nvSpPr>
-        <p:spPr bwMode="auto">
-          <a:xfrm>
-            <a:off x="4703618" y="4413016"/>
-            <a:ext cx="781050" cy="720725"/>
-          </a:xfrm>
-          <a:prstGeom prst="ellipse">
-            <a:avLst/>
-          </a:prstGeom>
-          <a:solidFill>
-            <a:srgbClr val="00CCFF"/>
-          </a:solidFill>
-          <a:ln w="25400">
-            <a:solidFill>
-              <a:schemeClr val="bg1"/>
-            </a:solidFill>
-            <a:round/>
-            <a:headEnd/>
-            <a:tailEnd/>
-          </a:ln>
-          <a:effectLst/>
-          <a:extLst>
-            <a:ext uri="{AF507438-7753-43E0-B8FC-AC1667EBCBE1}">
-              <a14:hiddenEffects xmlns:a14="http://schemas.microsoft.com/office/drawing/2010/main">
-                <a:effectLst>
-                  <a:outerShdw dist="35921" dir="2700000" algn="ctr" rotWithShape="0">
-                    <a:schemeClr val="bg2"/>
-                  </a:outerShdw>
-                </a:effectLst>
-              </a14:hiddenEffects>
-            </a:ext>
-          </a:extLst>
-        </p:spPr>
-        <p:txBody>
-          <a:bodyPr wrap="none" anchor="ctr"/>
-          <a:lstStyle/>
-          <a:p>
-            <a:pPr algn="ctr" eaLnBrk="1" latinLnBrk="1" hangingPunct="1">
-              <a:spcBef>
-                <a:spcPct val="0"/>
-              </a:spcBef>
-              <a:buClrTx/>
-              <a:buSzTx/>
-              <a:buFontTx/>
-              <a:buNone/>
-            </a:pPr>
-            <a:r>
-              <a:rPr kumimoji="1" lang="en-US" altLang="ko-KR" sz="2400" smtClean="0">
-                <a:solidFill>
-                  <a:schemeClr val="bg1"/>
-                </a:solidFill>
-                <a:latin typeface="HY헤드라인M" panose="02030600000101010101" pitchFamily="18" charset="-127"/>
-                <a:ea typeface="HY헤드라인M" panose="02030600000101010101" pitchFamily="18" charset="-127"/>
-              </a:rPr>
-              <a:t>8</a:t>
-            </a:r>
-            <a:endParaRPr kumimoji="1" lang="en-US" altLang="ko-KR" sz="2400" dirty="0">
-              <a:solidFill>
-                <a:schemeClr val="bg1"/>
-              </a:solidFill>
-              <a:latin typeface="HY헤드라인M" panose="02030600000101010101" pitchFamily="18" charset="-127"/>
-              <a:ea typeface="HY헤드라인M" panose="02030600000101010101" pitchFamily="18" charset="-127"/>
-            </a:endParaRPr>
-          </a:p>
-        </p:txBody>
-      </p:sp>
-      <p:sp>
-        <p:nvSpPr>
-          <p:cNvPr id="33" name="Rectangle 21"/>
-          <p:cNvSpPr>
-            <a:spLocks noChangeArrowheads="1"/>
-          </p:cNvSpPr>
-          <p:nvPr/>
-        </p:nvSpPr>
-        <p:spPr bwMode="auto">
-          <a:xfrm>
-            <a:off x="5425931" y="5032141"/>
-            <a:ext cx="3419475" cy="692497"/>
-          </a:xfrm>
-          <a:prstGeom prst="rect">
-            <a:avLst/>
-          </a:prstGeom>
-          <a:noFill/>
-          <a:ln>
-            <a:noFill/>
-          </a:ln>
-          <a:effectLst/>
-          <a:extLst>
-            <a:ext uri="{909E8E84-426E-40DD-AFC4-6F175D3DCCD1}">
-              <a14:hiddenFill xmlns:a14="http://schemas.microsoft.com/office/drawing/2010/main">
-                <a:solidFill>
-                  <a:schemeClr val="accent1"/>
-                </a:solidFill>
-              </a14:hiddenFill>
-            </a:ext>
-            <a:ext uri="{91240B29-F687-4F45-9708-019B960494DF}">
-              <a14:hiddenLine xmlns:a14="http://schemas.microsoft.com/office/drawing/2010/main" w="12700" algn="ctr">
-                <a:solidFill>
-                  <a:schemeClr val="tx1"/>
-                </a:solidFill>
-                <a:miter lim="800000"/>
-                <a:headEnd/>
-                <a:tailEnd/>
-              </a14:hiddenLine>
-            </a:ext>
-            <a:ext uri="{AF507438-7753-43E0-B8FC-AC1667EBCBE1}">
-              <a14:hiddenEffects xmlns:a14="http://schemas.microsoft.com/office/drawing/2010/main">
-                <a:effectLst>
-                  <a:outerShdw dist="35921" dir="2700000" algn="ctr" rotWithShape="0">
-                    <a:schemeClr val="bg2"/>
-                  </a:outerShdw>
-                </a:effectLst>
-              </a14:hiddenEffects>
-            </a:ext>
-          </a:extLst>
-        </p:spPr>
-        <p:txBody>
-          <a:bodyPr wrap="square" lIns="18288" rIns="18288">
-            <a:spAutoFit/>
-          </a:bodyPr>
-          <a:lstStyle>
-            <a:lvl1pPr>
-              <a:spcBef>
-                <a:spcPct val="0"/>
-              </a:spcBef>
-              <a:defRPr sz="2400">
-                <a:solidFill>
-                  <a:schemeClr val="tx1"/>
-                </a:solidFill>
-                <a:latin typeface="Times" pitchFamily="18" charset="0"/>
-              </a:defRPr>
-            </a:lvl1pPr>
-            <a:lvl2pPr marL="1588">
-              <a:spcBef>
-                <a:spcPct val="0"/>
-              </a:spcBef>
-              <a:defRPr sz="2400">
-                <a:solidFill>
-                  <a:schemeClr val="tx1"/>
-                </a:solidFill>
-                <a:latin typeface="Times" pitchFamily="18" charset="0"/>
-              </a:defRPr>
-            </a:lvl2pPr>
-            <a:lvl3pPr marL="160338" indent="-4763">
-              <a:spcBef>
-                <a:spcPct val="0"/>
-              </a:spcBef>
-              <a:defRPr sz="2400">
-                <a:solidFill>
-                  <a:schemeClr val="tx1"/>
-                </a:solidFill>
-                <a:latin typeface="Times" pitchFamily="18" charset="0"/>
-              </a:defRPr>
-            </a:lvl3pPr>
-            <a:lvl4pPr marL="365125" indent="-177800">
-              <a:spcBef>
-                <a:spcPct val="0"/>
-              </a:spcBef>
-              <a:defRPr sz="2400">
-                <a:solidFill>
-                  <a:schemeClr val="tx1"/>
-                </a:solidFill>
-                <a:latin typeface="Times" pitchFamily="18" charset="0"/>
-              </a:defRPr>
-            </a:lvl4pPr>
-            <a:lvl5pPr marL="595313" indent="-169863">
-              <a:spcBef>
-                <a:spcPct val="0"/>
-              </a:spcBef>
-              <a:defRPr sz="2400">
-                <a:solidFill>
-                  <a:schemeClr val="tx1"/>
-                </a:solidFill>
-                <a:latin typeface="Times" pitchFamily="18" charset="0"/>
-              </a:defRPr>
-            </a:lvl5pPr>
-            <a:lvl6pPr marL="1052513" indent="-169863" eaLnBrk="0" fontAlgn="base" hangingPunct="0">
-              <a:spcBef>
-                <a:spcPct val="0"/>
-              </a:spcBef>
-              <a:spcAft>
-                <a:spcPct val="0"/>
-              </a:spcAft>
-              <a:defRPr sz="2400">
-                <a:solidFill>
-                  <a:schemeClr val="tx1"/>
-                </a:solidFill>
-                <a:latin typeface="Times" pitchFamily="18" charset="0"/>
-              </a:defRPr>
-            </a:lvl6pPr>
-            <a:lvl7pPr marL="1509713" indent="-169863" eaLnBrk="0" fontAlgn="base" hangingPunct="0">
-              <a:spcBef>
-                <a:spcPct val="0"/>
-              </a:spcBef>
-              <a:spcAft>
-                <a:spcPct val="0"/>
-              </a:spcAft>
-              <a:defRPr sz="2400">
-                <a:solidFill>
-                  <a:schemeClr val="tx1"/>
-                </a:solidFill>
-                <a:latin typeface="Times" pitchFamily="18" charset="0"/>
-              </a:defRPr>
-            </a:lvl7pPr>
-            <a:lvl8pPr marL="1966913" indent="-169863" eaLnBrk="0" fontAlgn="base" hangingPunct="0">
-              <a:spcBef>
-                <a:spcPct val="0"/>
-              </a:spcBef>
-              <a:spcAft>
-                <a:spcPct val="0"/>
-              </a:spcAft>
-              <a:defRPr sz="2400">
-                <a:solidFill>
-                  <a:schemeClr val="tx1"/>
-                </a:solidFill>
-                <a:latin typeface="Times" pitchFamily="18" charset="0"/>
-              </a:defRPr>
-            </a:lvl8pPr>
-            <a:lvl9pPr marL="2424113" indent="-169863" eaLnBrk="0" fontAlgn="base" hangingPunct="0">
-              <a:spcBef>
-                <a:spcPct val="0"/>
-              </a:spcBef>
-              <a:spcAft>
-                <a:spcPct val="0"/>
-              </a:spcAft>
-              <a:defRPr sz="2400">
-                <a:solidFill>
-                  <a:schemeClr val="tx1"/>
-                </a:solidFill>
-                <a:latin typeface="Times" pitchFamily="18" charset="0"/>
-              </a:defRPr>
-            </a:lvl9pPr>
-          </a:lstStyle>
-          <a:p>
-            <a:pPr lvl="1" algn="just">
-              <a:lnSpc>
-                <a:spcPct val="120000"/>
-              </a:lnSpc>
-              <a:spcBef>
-                <a:spcPct val="60000"/>
-              </a:spcBef>
-              <a:buClr>
-                <a:schemeClr val="tx1"/>
-              </a:buClr>
-              <a:buSzPct val="85000"/>
-              <a:buFont typeface="Arial" panose="020B0604020202020204" pitchFamily="34" charset="0"/>
-              <a:buNone/>
-            </a:pPr>
-            <a:r>
-              <a:rPr lang="en-US" altLang="ko-KR" sz="1300" smtClean="0">
-                <a:latin typeface="HY헤드라인M" panose="02030600000101010101" pitchFamily="18" charset="-127"/>
-                <a:ea typeface="HY헤드라인M" panose="02030600000101010101" pitchFamily="18" charset="-127"/>
-              </a:rPr>
-              <a:t>8.1 </a:t>
-            </a:r>
-            <a:r>
-              <a:rPr lang="ko-KR" altLang="en-US" sz="1300" dirty="0" smtClean="0">
-                <a:latin typeface="HY헤드라인M" panose="02030600000101010101" pitchFamily="18" charset="-127"/>
-                <a:ea typeface="HY헤드라인M" panose="02030600000101010101" pitchFamily="18" charset="-127"/>
-              </a:rPr>
-              <a:t>시연 시나리오 </a:t>
-            </a:r>
-            <a:endParaRPr lang="ko-KR" altLang="en-US" sz="1300" dirty="0">
-              <a:latin typeface="HY헤드라인M" panose="02030600000101010101" pitchFamily="18" charset="-127"/>
-              <a:ea typeface="HY헤드라인M" panose="02030600000101010101" pitchFamily="18" charset="-127"/>
-            </a:endParaRPr>
-          </a:p>
-          <a:p>
-            <a:pPr lvl="1" algn="just">
-              <a:lnSpc>
-                <a:spcPct val="120000"/>
-              </a:lnSpc>
-              <a:spcBef>
-                <a:spcPct val="60000"/>
-              </a:spcBef>
-              <a:buClr>
-                <a:schemeClr val="tx1"/>
-              </a:buClr>
-              <a:buSzPct val="85000"/>
-              <a:buFont typeface="Arial" panose="020B0604020202020204" pitchFamily="34" charset="0"/>
-              <a:buNone/>
-            </a:pPr>
-            <a:r>
-              <a:rPr lang="en-US" altLang="ko-KR" sz="1300" smtClean="0">
-                <a:latin typeface="HY헤드라인M" panose="02030600000101010101" pitchFamily="18" charset="-127"/>
-                <a:ea typeface="HY헤드라인M" panose="02030600000101010101" pitchFamily="18" charset="-127"/>
-              </a:rPr>
-              <a:t>9.2 </a:t>
-            </a:r>
-            <a:r>
-              <a:rPr lang="ko-KR" altLang="en-US" sz="1300" dirty="0" smtClean="0">
-                <a:latin typeface="HY헤드라인M" panose="02030600000101010101" pitchFamily="18" charset="-127"/>
-                <a:ea typeface="HY헤드라인M" panose="02030600000101010101" pitchFamily="18" charset="-127"/>
-              </a:rPr>
-              <a:t>동영상 시연 및 </a:t>
-            </a:r>
-            <a:r>
-              <a:rPr lang="en-US" altLang="ko-KR" sz="1300" dirty="0" smtClean="0">
-                <a:latin typeface="HY헤드라인M" panose="02030600000101010101" pitchFamily="18" charset="-127"/>
-                <a:ea typeface="HY헤드라인M" panose="02030600000101010101" pitchFamily="18" charset="-127"/>
-              </a:rPr>
-              <a:t>Demo</a:t>
-            </a:r>
-            <a:r>
-              <a:rPr lang="ko-KR" altLang="en-US" sz="1300" dirty="0" smtClean="0">
-                <a:latin typeface="HY헤드라인M" panose="02030600000101010101" pitchFamily="18" charset="-127"/>
-                <a:ea typeface="HY헤드라인M" panose="02030600000101010101" pitchFamily="18" charset="-127"/>
-              </a:rPr>
-              <a:t> 시연</a:t>
-            </a:r>
-            <a:endParaRPr lang="ko-KR" altLang="en-US" sz="1300" dirty="0">
-              <a:latin typeface="HY헤드라인M" panose="02030600000101010101" pitchFamily="18" charset="-127"/>
-              <a:ea typeface="HY헤드라인M" panose="02030600000101010101" pitchFamily="18" charset="-127"/>
-            </a:endParaRPr>
-          </a:p>
-        </p:txBody>
-      </p:sp>
-      <p:sp>
-        <p:nvSpPr>
-          <p:cNvPr id="34" name="Rectangle 6"/>
-          <p:cNvSpPr>
-            <a:spLocks noChangeArrowheads="1"/>
-          </p:cNvSpPr>
-          <p:nvPr/>
-        </p:nvSpPr>
-        <p:spPr bwMode="auto">
-          <a:xfrm>
-            <a:off x="695181" y="2153608"/>
-            <a:ext cx="3863975" cy="431800"/>
-          </a:xfrm>
-          <a:prstGeom prst="rect">
-            <a:avLst/>
-          </a:prstGeom>
-          <a:solidFill>
-            <a:srgbClr val="C1EAFF"/>
-          </a:solidFill>
-          <a:ln>
-            <a:noFill/>
-          </a:ln>
-          <a:effectLst/>
-          <a:extLst>
-            <a:ext uri="{91240B29-F687-4F45-9708-019B960494DF}">
-              <a14:hiddenLine xmlns:a14="http://schemas.microsoft.com/office/drawing/2010/main" w="9525">
-                <a:solidFill>
-                  <a:schemeClr val="tx1"/>
-                </a:solidFill>
-                <a:miter lim="800000"/>
-                <a:headEnd/>
-                <a:tailEnd/>
-              </a14:hiddenLine>
-            </a:ext>
-            <a:ext uri="{AF507438-7753-43E0-B8FC-AC1667EBCBE1}">
-              <a14:hiddenEffects xmlns:a14="http://schemas.microsoft.com/office/drawing/2010/main">
-                <a:effectLst>
-                  <a:outerShdw dist="35921" dir="2700000" algn="ctr" rotWithShape="0">
-                    <a:schemeClr val="bg2"/>
-                  </a:outerShdw>
-                </a:effectLst>
-              </a14:hiddenEffects>
-            </a:ext>
-          </a:extLst>
-        </p:spPr>
-        <p:txBody>
-          <a:bodyPr wrap="none" anchor="ctr"/>
-          <a:lstStyle/>
-          <a:p>
-            <a:pPr eaLnBrk="1" latinLnBrk="1" hangingPunct="1">
-              <a:spcBef>
-                <a:spcPct val="0"/>
-              </a:spcBef>
-              <a:buClrTx/>
-              <a:buSzTx/>
-              <a:buFontTx/>
-              <a:buNone/>
-            </a:pPr>
-            <a:r>
-              <a:rPr kumimoji="1" lang="ko-KR" altLang="en-US" sz="1800">
-                <a:solidFill>
-                  <a:srgbClr val="003366"/>
-                </a:solidFill>
-                <a:latin typeface="HY헤드라인M" panose="02030600000101010101" pitchFamily="18" charset="-127"/>
-                <a:ea typeface="HY헤드라인M" panose="02030600000101010101" pitchFamily="18" charset="-127"/>
-              </a:rPr>
-              <a:t>      </a:t>
-            </a:r>
-            <a:r>
-              <a:rPr kumimoji="1" lang="ko-KR" altLang="en-US" smtClean="0">
-                <a:solidFill>
-                  <a:srgbClr val="003366"/>
-                </a:solidFill>
-                <a:latin typeface="HY헤드라인M" panose="02030600000101010101" pitchFamily="18" charset="-127"/>
-                <a:ea typeface="HY헤드라인M" panose="02030600000101010101" pitchFamily="18" charset="-127"/>
-              </a:rPr>
-              <a:t>팀구성 및 개발일정</a:t>
-            </a:r>
-            <a:endParaRPr kumimoji="1" lang="ko-KR" altLang="en-US" sz="1800" dirty="0">
-              <a:solidFill>
-                <a:srgbClr val="003366"/>
-              </a:solidFill>
-              <a:latin typeface="HY헤드라인M" panose="02030600000101010101" pitchFamily="18" charset="-127"/>
-              <a:ea typeface="HY헤드라인M" panose="02030600000101010101" pitchFamily="18" charset="-127"/>
-            </a:endParaRPr>
-          </a:p>
-        </p:txBody>
-      </p:sp>
-      <p:sp>
-        <p:nvSpPr>
-          <p:cNvPr id="35" name="Oval 7"/>
-          <p:cNvSpPr>
-            <a:spLocks noChangeArrowheads="1"/>
-          </p:cNvSpPr>
-          <p:nvPr/>
-        </p:nvSpPr>
-        <p:spPr bwMode="auto">
-          <a:xfrm>
-            <a:off x="382443" y="2009146"/>
-            <a:ext cx="782638" cy="720725"/>
-          </a:xfrm>
-          <a:prstGeom prst="ellipse">
-            <a:avLst/>
-          </a:prstGeom>
-          <a:solidFill>
-            <a:srgbClr val="00CCFF"/>
-          </a:solidFill>
-          <a:ln w="25400">
-            <a:solidFill>
-              <a:schemeClr val="bg1"/>
-            </a:solidFill>
-            <a:round/>
-            <a:headEnd/>
-            <a:tailEnd/>
-          </a:ln>
-          <a:effectLst/>
-          <a:extLst>
-            <a:ext uri="{AF507438-7753-43E0-B8FC-AC1667EBCBE1}">
-              <a14:hiddenEffects xmlns:a14="http://schemas.microsoft.com/office/drawing/2010/main">
-                <a:effectLst>
-                  <a:outerShdw dist="35921" dir="2700000" algn="ctr" rotWithShape="0">
-                    <a:schemeClr val="bg2"/>
-                  </a:outerShdw>
-                </a:effectLst>
-              </a14:hiddenEffects>
-            </a:ext>
-          </a:extLst>
-        </p:spPr>
-        <p:txBody>
-          <a:bodyPr wrap="none" anchor="ctr"/>
-          <a:lstStyle/>
-          <a:p>
-            <a:pPr algn="ctr" eaLnBrk="1" latinLnBrk="1" hangingPunct="1">
-              <a:spcBef>
-                <a:spcPct val="0"/>
-              </a:spcBef>
-              <a:buClrTx/>
-              <a:buSzTx/>
-              <a:buFontTx/>
-              <a:buNone/>
-            </a:pPr>
-            <a:r>
-              <a:rPr kumimoji="1" lang="en-US" altLang="ko-KR" sz="2400">
-                <a:solidFill>
-                  <a:schemeClr val="bg1"/>
-                </a:solidFill>
-                <a:latin typeface="HY헤드라인M" panose="02030600000101010101" pitchFamily="18" charset="-127"/>
-                <a:ea typeface="HY헤드라인M" panose="02030600000101010101" pitchFamily="18" charset="-127"/>
-              </a:rPr>
-              <a:t>2</a:t>
-            </a:r>
-          </a:p>
-        </p:txBody>
-      </p:sp>
-      <p:sp>
-        <p:nvSpPr>
-          <p:cNvPr id="36" name="Rectangle 10"/>
-          <p:cNvSpPr>
-            <a:spLocks noChangeArrowheads="1"/>
-          </p:cNvSpPr>
-          <p:nvPr/>
-        </p:nvSpPr>
-        <p:spPr bwMode="auto">
-          <a:xfrm>
-            <a:off x="1104756" y="2620333"/>
-            <a:ext cx="3454400" cy="687388"/>
-          </a:xfrm>
-          <a:prstGeom prst="rect">
-            <a:avLst/>
-          </a:prstGeom>
-          <a:noFill/>
-          <a:ln>
-            <a:noFill/>
-          </a:ln>
-          <a:effectLst/>
-          <a:extLst>
-            <a:ext uri="{909E8E84-426E-40DD-AFC4-6F175D3DCCD1}">
-              <a14:hiddenFill xmlns:a14="http://schemas.microsoft.com/office/drawing/2010/main">
-                <a:solidFill>
-                  <a:schemeClr val="accent1"/>
-                </a:solidFill>
-              </a14:hiddenFill>
-            </a:ext>
-            <a:ext uri="{91240B29-F687-4F45-9708-019B960494DF}">
-              <a14:hiddenLine xmlns:a14="http://schemas.microsoft.com/office/drawing/2010/main" w="12700" algn="ctr">
-                <a:solidFill>
-                  <a:schemeClr val="tx1"/>
-                </a:solidFill>
-                <a:miter lim="800000"/>
-                <a:headEnd/>
-                <a:tailEnd/>
-              </a14:hiddenLine>
-            </a:ext>
-            <a:ext uri="{AF507438-7753-43E0-B8FC-AC1667EBCBE1}">
-              <a14:hiddenEffects xmlns:a14="http://schemas.microsoft.com/office/drawing/2010/main">
-                <a:effectLst>
-                  <a:outerShdw dist="35921" dir="2700000" algn="ctr" rotWithShape="0">
-                    <a:schemeClr val="bg2"/>
-                  </a:outerShdw>
-                </a:effectLst>
-              </a14:hiddenEffects>
-            </a:ext>
-          </a:extLst>
-        </p:spPr>
-        <p:txBody>
-          <a:bodyPr wrap="square" lIns="18288" rIns="18288">
-            <a:spAutoFit/>
-          </a:bodyPr>
-          <a:lstStyle>
-            <a:lvl1pPr>
-              <a:spcBef>
-                <a:spcPct val="0"/>
-              </a:spcBef>
-              <a:defRPr sz="2400">
-                <a:solidFill>
-                  <a:schemeClr val="tx1"/>
-                </a:solidFill>
-                <a:latin typeface="Times" pitchFamily="18" charset="0"/>
-              </a:defRPr>
-            </a:lvl1pPr>
-            <a:lvl2pPr marL="1588">
-              <a:spcBef>
-                <a:spcPct val="0"/>
-              </a:spcBef>
-              <a:defRPr sz="2400">
-                <a:solidFill>
-                  <a:schemeClr val="tx1"/>
-                </a:solidFill>
-                <a:latin typeface="Times" pitchFamily="18" charset="0"/>
-              </a:defRPr>
-            </a:lvl2pPr>
-            <a:lvl3pPr marL="160338" indent="-4763">
-              <a:spcBef>
-                <a:spcPct val="0"/>
-              </a:spcBef>
-              <a:defRPr sz="2400">
-                <a:solidFill>
-                  <a:schemeClr val="tx1"/>
-                </a:solidFill>
-                <a:latin typeface="Times" pitchFamily="18" charset="0"/>
-              </a:defRPr>
-            </a:lvl3pPr>
-            <a:lvl4pPr marL="365125" indent="-177800">
-              <a:spcBef>
-                <a:spcPct val="0"/>
-              </a:spcBef>
-              <a:defRPr sz="2400">
-                <a:solidFill>
-                  <a:schemeClr val="tx1"/>
-                </a:solidFill>
-                <a:latin typeface="Times" pitchFamily="18" charset="0"/>
-              </a:defRPr>
-            </a:lvl4pPr>
-            <a:lvl5pPr marL="595313" indent="-169863">
-              <a:spcBef>
-                <a:spcPct val="0"/>
-              </a:spcBef>
-              <a:defRPr sz="2400">
-                <a:solidFill>
-                  <a:schemeClr val="tx1"/>
-                </a:solidFill>
-                <a:latin typeface="Times" pitchFamily="18" charset="0"/>
-              </a:defRPr>
-            </a:lvl5pPr>
-            <a:lvl6pPr marL="1052513" indent="-169863" eaLnBrk="0" fontAlgn="base" hangingPunct="0">
-              <a:spcBef>
-                <a:spcPct val="0"/>
-              </a:spcBef>
-              <a:spcAft>
-                <a:spcPct val="0"/>
-              </a:spcAft>
-              <a:defRPr sz="2400">
-                <a:solidFill>
-                  <a:schemeClr val="tx1"/>
-                </a:solidFill>
-                <a:latin typeface="Times" pitchFamily="18" charset="0"/>
-              </a:defRPr>
-            </a:lvl6pPr>
-            <a:lvl7pPr marL="1509713" indent="-169863" eaLnBrk="0" fontAlgn="base" hangingPunct="0">
-              <a:spcBef>
-                <a:spcPct val="0"/>
-              </a:spcBef>
-              <a:spcAft>
-                <a:spcPct val="0"/>
-              </a:spcAft>
-              <a:defRPr sz="2400">
-                <a:solidFill>
-                  <a:schemeClr val="tx1"/>
-                </a:solidFill>
-                <a:latin typeface="Times" pitchFamily="18" charset="0"/>
-              </a:defRPr>
-            </a:lvl7pPr>
-            <a:lvl8pPr marL="1966913" indent="-169863" eaLnBrk="0" fontAlgn="base" hangingPunct="0">
-              <a:spcBef>
-                <a:spcPct val="0"/>
-              </a:spcBef>
-              <a:spcAft>
-                <a:spcPct val="0"/>
-              </a:spcAft>
-              <a:defRPr sz="2400">
-                <a:solidFill>
-                  <a:schemeClr val="tx1"/>
-                </a:solidFill>
-                <a:latin typeface="Times" pitchFamily="18" charset="0"/>
-              </a:defRPr>
-            </a:lvl8pPr>
-            <a:lvl9pPr marL="2424113" indent="-169863" eaLnBrk="0" fontAlgn="base" hangingPunct="0">
-              <a:spcBef>
-                <a:spcPct val="0"/>
-              </a:spcBef>
-              <a:spcAft>
-                <a:spcPct val="0"/>
-              </a:spcAft>
-              <a:defRPr sz="2400">
-                <a:solidFill>
-                  <a:schemeClr val="tx1"/>
-                </a:solidFill>
-                <a:latin typeface="Times" pitchFamily="18" charset="0"/>
-              </a:defRPr>
-            </a:lvl9pPr>
-          </a:lstStyle>
-          <a:p>
-            <a:pPr lvl="1" algn="just">
-              <a:lnSpc>
-                <a:spcPct val="120000"/>
-              </a:lnSpc>
-              <a:spcBef>
-                <a:spcPct val="60000"/>
-              </a:spcBef>
-              <a:buClr>
-                <a:schemeClr val="tx1"/>
-              </a:buClr>
-              <a:buSzPct val="85000"/>
-              <a:buFont typeface="Arial" panose="020B0604020202020204" pitchFamily="34" charset="0"/>
-              <a:buNone/>
-            </a:pPr>
-            <a:r>
-              <a:rPr lang="en-US" altLang="ko-KR" sz="1300" dirty="0" smtClean="0">
-                <a:latin typeface="HY헤드라인M" panose="02030600000101010101" pitchFamily="18" charset="-127"/>
-                <a:ea typeface="HY헤드라인M" panose="02030600000101010101" pitchFamily="18" charset="-127"/>
-              </a:rPr>
-              <a:t>2.1 </a:t>
-            </a:r>
-            <a:r>
-              <a:rPr lang="ko-KR" altLang="en-US" sz="1300" dirty="0" smtClean="0">
-                <a:latin typeface="HY헤드라인M" panose="02030600000101010101" pitchFamily="18" charset="-127"/>
-                <a:ea typeface="HY헤드라인M" panose="02030600000101010101" pitchFamily="18" charset="-127"/>
-              </a:rPr>
-              <a:t>팀 구성</a:t>
-            </a:r>
-            <a:r>
-              <a:rPr lang="en-US" altLang="ko-KR" sz="1300" dirty="0" smtClean="0">
-                <a:latin typeface="HY헤드라인M" panose="02030600000101010101" pitchFamily="18" charset="-127"/>
-                <a:ea typeface="HY헤드라인M" panose="02030600000101010101" pitchFamily="18" charset="-127"/>
-              </a:rPr>
-              <a:t>( R&amp;R)</a:t>
-            </a:r>
-            <a:endParaRPr lang="en-US" altLang="ko-KR" sz="1300" dirty="0">
-              <a:latin typeface="HY헤드라인M" panose="02030600000101010101" pitchFamily="18" charset="-127"/>
-              <a:ea typeface="HY헤드라인M" panose="02030600000101010101" pitchFamily="18" charset="-127"/>
-            </a:endParaRPr>
-          </a:p>
-          <a:p>
-            <a:pPr lvl="1" algn="just">
-              <a:lnSpc>
-                <a:spcPct val="120000"/>
-              </a:lnSpc>
-              <a:spcBef>
-                <a:spcPct val="60000"/>
-              </a:spcBef>
-              <a:buClr>
-                <a:schemeClr val="tx1"/>
-              </a:buClr>
-              <a:buSzPct val="85000"/>
-              <a:buFont typeface="Arial" panose="020B0604020202020204" pitchFamily="34" charset="0"/>
-              <a:buNone/>
-            </a:pPr>
-            <a:r>
-              <a:rPr lang="en-US" altLang="ko-KR" sz="1300" dirty="0" smtClean="0">
-                <a:latin typeface="HY헤드라인M" panose="02030600000101010101" pitchFamily="18" charset="-127"/>
-                <a:ea typeface="HY헤드라인M" panose="02030600000101010101" pitchFamily="18" charset="-127"/>
-              </a:rPr>
-              <a:t>2.2 </a:t>
-            </a:r>
-            <a:r>
-              <a:rPr lang="ko-KR" altLang="en-US" sz="1300" dirty="0" smtClean="0">
-                <a:latin typeface="HY헤드라인M" panose="02030600000101010101" pitchFamily="18" charset="-127"/>
-                <a:ea typeface="HY헤드라인M" panose="02030600000101010101" pitchFamily="18" charset="-127"/>
-              </a:rPr>
-              <a:t>프로젝트 일정</a:t>
-            </a:r>
-            <a:endParaRPr lang="ko-KR" altLang="en-US" sz="1300" dirty="0">
-              <a:latin typeface="HY헤드라인M" panose="02030600000101010101" pitchFamily="18" charset="-127"/>
-              <a:ea typeface="HY헤드라인M" panose="02030600000101010101" pitchFamily="18" charset="-127"/>
-            </a:endParaRPr>
-          </a:p>
-        </p:txBody>
-      </p:sp>
-    </p:spTree>
-    <p:extLst>
-      <p:ext uri="{BB962C8B-B14F-4D97-AF65-F5344CB8AC3E}">
-        <p14:creationId xmlns:p14="http://schemas.microsoft.com/office/powerpoint/2010/main" val="1649206631"/>
-      </p:ext>
-    </p:extLst>
-  </p:cSld>
-  <p:clrMapOvr>
-    <a:masterClrMapping/>
-  </p:clrMapOvr>
-  <mc:AlternateContent xmlns:mc="http://schemas.openxmlformats.org/markup-compatibility/2006" xmlns:p14="http://schemas.microsoft.com/office/powerpoint/2010/main">
-    <mc:Choice Requires="p14">
-      <p:transition spd="slow" p14:dur="2000"/>
-    </mc:Choice>
-    <mc:Fallback xmlns="">
-      <p:transition spd="slow"/>
-    </mc:Fallback>
-  </mc:AlternateContent>
-  <p:timing>
-    <p:tnLst>
-      <p:par>
-        <p:cTn id="1" dur="indefinite" restart="never" nodeType="tmRoot"/>
-      </p:par>
-    </p:tnLst>
-  </p:timing>
-</p:sld>
-</file>
-
-<file path=ppt/slides/slide5.xml><?xml version="1.0" encoding="utf-8"?>
-<p:sld xmlns:a="http://schemas.openxmlformats.org/drawingml/2006/main" xmlns:r="http://schemas.openxmlformats.org/officeDocument/2006/relationships" xmlns:p="http://schemas.openxmlformats.org/presentationml/2006/main">
-  <p:cSld>
-    <p:spTree>
-      <p:nvGrpSpPr>
-        <p:cNvPr id="1" name=""/>
-        <p:cNvGrpSpPr/>
-        <p:nvPr/>
-      </p:nvGrpSpPr>
-      <p:grpSpPr>
-        <a:xfrm>
-          <a:off x="0" y="0"/>
-          <a:ext cx="0" cy="0"/>
-          <a:chOff x="0" y="0"/>
-          <a:chExt cx="0" cy="0"/>
-        </a:xfrm>
-      </p:grpSpPr>
-      <p:sp>
-        <p:nvSpPr>
-          <p:cNvPr id="4" name="텍스트 개체 틀 3"/>
-          <p:cNvSpPr>
-            <a:spLocks noGrp="1"/>
-          </p:cNvSpPr>
-          <p:nvPr>
-            <p:ph type="body" sz="quarter" idx="11"/>
-          </p:nvPr>
-        </p:nvSpPr>
-        <p:spPr/>
-        <p:txBody>
-          <a:bodyPr/>
-          <a:lstStyle/>
-          <a:p>
-            <a:r>
-              <a:rPr lang="en-US" altLang="ko-KR" dirty="0" smtClean="0"/>
-              <a:t>8.</a:t>
-            </a:r>
-            <a:r>
-              <a:rPr lang="ko-KR" altLang="en-US" dirty="0" smtClean="0"/>
-              <a:t>질의 응답</a:t>
-            </a:r>
-            <a:endParaRPr lang="en-US" altLang="ko-KR" dirty="0" smtClean="0"/>
-          </a:p>
-        </p:txBody>
-      </p:sp>
-      <p:sp>
-        <p:nvSpPr>
-          <p:cNvPr id="5" name="AutoShape 4"/>
-          <p:cNvSpPr>
-            <a:spLocks noChangeArrowheads="1"/>
-          </p:cNvSpPr>
-          <p:nvPr/>
-        </p:nvSpPr>
-        <p:spPr bwMode="auto">
-          <a:xfrm>
-            <a:off x="2115879" y="2852738"/>
-            <a:ext cx="5069146" cy="1293960"/>
-          </a:xfrm>
-          <a:prstGeom prst="foldedCorner">
-            <a:avLst>
-              <a:gd name="adj" fmla="val 12500"/>
-            </a:avLst>
-          </a:prstGeom>
-          <a:noFill/>
-          <a:ln w="12700" algn="ctr">
-            <a:solidFill>
-              <a:schemeClr val="tx1"/>
-            </a:solidFill>
-            <a:round/>
-            <a:headEnd/>
-            <a:tailEnd/>
-          </a:ln>
-          <a:extLst>
-            <a:ext uri="{909E8E84-426E-40DD-AFC4-6F175D3DCCD1}">
-              <a14:hiddenFill xmlns:a14="http://schemas.microsoft.com/office/drawing/2010/main">
-                <a:solidFill>
-                  <a:srgbClr val="FFFFFF"/>
-                </a:solidFill>
-              </a14:hiddenFill>
-            </a:ext>
-          </a:extLst>
-        </p:spPr>
-        <p:txBody>
-          <a:bodyPr lIns="72000" tIns="4182" rIns="72000" bIns="4182" anchor="ctr" anchorCtr="1"/>
-          <a:lstStyle>
-            <a:lvl1pPr>
-              <a:spcBef>
-                <a:spcPct val="50000"/>
-              </a:spcBef>
-              <a:buClr>
-                <a:schemeClr val="tx1"/>
-              </a:buClr>
-              <a:buFont typeface="Wingdings" panose="05000000000000000000" pitchFamily="2" charset="2"/>
-              <a:buAutoNum type="arabicPeriod"/>
-              <a:defRPr b="1">
-                <a:solidFill>
-                  <a:srgbClr val="000000"/>
-                </a:solidFill>
-                <a:latin typeface="Arial" panose="020B0604020202020204" pitchFamily="34" charset="0"/>
-                <a:ea typeface="HY헤드라인M" panose="02030600000101010101" pitchFamily="18" charset="-127"/>
-              </a:defRPr>
-            </a:lvl1pPr>
-            <a:lvl2pPr marL="742950" indent="-285750">
-              <a:spcBef>
-                <a:spcPct val="50000"/>
-              </a:spcBef>
-              <a:buClr>
-                <a:schemeClr val="tx1"/>
-              </a:buClr>
-              <a:buSzPct val="85000"/>
-              <a:buFont typeface="Arial" panose="020B0604020202020204" pitchFamily="34" charset="0"/>
-              <a:buAutoNum type="arabicParenR"/>
-              <a:defRPr sz="1600">
-                <a:solidFill>
-                  <a:srgbClr val="000000"/>
-                </a:solidFill>
-                <a:latin typeface="Arial" panose="020B0604020202020204" pitchFamily="34" charset="0"/>
-                <a:ea typeface="HY헤드라인M" panose="02030600000101010101" pitchFamily="18" charset="-127"/>
-              </a:defRPr>
-            </a:lvl2pPr>
-            <a:lvl3pPr marL="1143000" indent="-228600">
-              <a:spcBef>
-                <a:spcPct val="50000"/>
-              </a:spcBef>
-              <a:buClr>
-                <a:schemeClr val="tx1"/>
-              </a:buClr>
-              <a:buSzPct val="75000"/>
-              <a:buFont typeface="Monotype Sorts" pitchFamily="2" charset="2"/>
-              <a:buAutoNum type="circleNumDbPlain"/>
-              <a:defRPr sz="1400">
-                <a:solidFill>
-                  <a:srgbClr val="000000"/>
-                </a:solidFill>
-                <a:latin typeface="Arial" panose="020B0604020202020204" pitchFamily="34" charset="0"/>
-                <a:ea typeface="HY헤드라인M" panose="02030600000101010101" pitchFamily="18" charset="-127"/>
-              </a:defRPr>
-            </a:lvl3pPr>
-            <a:lvl4pPr marL="1600200" indent="-228600">
-              <a:spcBef>
-                <a:spcPct val="50000"/>
-              </a:spcBef>
-              <a:buClr>
-                <a:schemeClr val="tx1"/>
-              </a:buClr>
-              <a:buSzPct val="75000"/>
-              <a:buFont typeface="Wingdings" panose="05000000000000000000" pitchFamily="2" charset="2"/>
-              <a:buAutoNum type="alphaUcPeriod"/>
-              <a:defRPr sz="1200">
-                <a:solidFill>
-                  <a:srgbClr val="000000"/>
-                </a:solidFill>
-                <a:latin typeface="Arial" panose="020B0604020202020204" pitchFamily="34" charset="0"/>
-                <a:ea typeface="HY헤드라인M" panose="02030600000101010101" pitchFamily="18" charset="-127"/>
-              </a:defRPr>
-            </a:lvl4pPr>
-            <a:lvl5pPr marL="2057400" indent="-228600">
-              <a:spcBef>
-                <a:spcPct val="50000"/>
-              </a:spcBef>
-              <a:buClr>
-                <a:schemeClr val="accent1"/>
-              </a:buClr>
-              <a:buChar char="–"/>
-              <a:defRPr sz="1100">
-                <a:solidFill>
-                  <a:srgbClr val="000000"/>
-                </a:solidFill>
-                <a:latin typeface="Arial" panose="020B0604020202020204" pitchFamily="34" charset="0"/>
-                <a:ea typeface="굴림" panose="020B0600000101010101" pitchFamily="50" charset="-127"/>
-              </a:defRPr>
-            </a:lvl5pPr>
-            <a:lvl6pPr marL="2514600" indent="-228600" eaLnBrk="0" fontAlgn="base" hangingPunct="0">
-              <a:spcBef>
-                <a:spcPct val="50000"/>
-              </a:spcBef>
-              <a:spcAft>
-                <a:spcPct val="0"/>
-              </a:spcAft>
-              <a:buClr>
-                <a:schemeClr val="accent1"/>
-              </a:buClr>
-              <a:buChar char="–"/>
-              <a:defRPr sz="1100">
-                <a:solidFill>
-                  <a:srgbClr val="000000"/>
-                </a:solidFill>
-                <a:latin typeface="Arial" panose="020B0604020202020204" pitchFamily="34" charset="0"/>
-                <a:ea typeface="굴림" panose="020B0600000101010101" pitchFamily="50" charset="-127"/>
-              </a:defRPr>
-            </a:lvl6pPr>
-            <a:lvl7pPr marL="2971800" indent="-228600" eaLnBrk="0" fontAlgn="base" hangingPunct="0">
-              <a:spcBef>
-                <a:spcPct val="50000"/>
-              </a:spcBef>
-              <a:spcAft>
-                <a:spcPct val="0"/>
-              </a:spcAft>
-              <a:buClr>
-                <a:schemeClr val="accent1"/>
-              </a:buClr>
-              <a:buChar char="–"/>
-              <a:defRPr sz="1100">
-                <a:solidFill>
-                  <a:srgbClr val="000000"/>
-                </a:solidFill>
-                <a:latin typeface="Arial" panose="020B0604020202020204" pitchFamily="34" charset="0"/>
-                <a:ea typeface="굴림" panose="020B0600000101010101" pitchFamily="50" charset="-127"/>
-              </a:defRPr>
-            </a:lvl7pPr>
-            <a:lvl8pPr marL="3429000" indent="-228600" eaLnBrk="0" fontAlgn="base" hangingPunct="0">
-              <a:spcBef>
-                <a:spcPct val="50000"/>
-              </a:spcBef>
-              <a:spcAft>
-                <a:spcPct val="0"/>
-              </a:spcAft>
-              <a:buClr>
-                <a:schemeClr val="accent1"/>
-              </a:buClr>
-              <a:buChar char="–"/>
-              <a:defRPr sz="1100">
-                <a:solidFill>
-                  <a:srgbClr val="000000"/>
-                </a:solidFill>
-                <a:latin typeface="Arial" panose="020B0604020202020204" pitchFamily="34" charset="0"/>
-                <a:ea typeface="굴림" panose="020B0600000101010101" pitchFamily="50" charset="-127"/>
-              </a:defRPr>
-            </a:lvl8pPr>
-            <a:lvl9pPr marL="3886200" indent="-228600" eaLnBrk="0" fontAlgn="base" hangingPunct="0">
-              <a:spcBef>
-                <a:spcPct val="50000"/>
-              </a:spcBef>
-              <a:spcAft>
-                <a:spcPct val="0"/>
-              </a:spcAft>
-              <a:buClr>
-                <a:schemeClr val="accent1"/>
-              </a:buClr>
-              <a:buChar char="–"/>
-              <a:defRPr sz="1100">
-                <a:solidFill>
-                  <a:srgbClr val="000000"/>
-                </a:solidFill>
-                <a:latin typeface="Arial" panose="020B0604020202020204" pitchFamily="34" charset="0"/>
-                <a:ea typeface="굴림" panose="020B0600000101010101" pitchFamily="50" charset="-127"/>
-              </a:defRPr>
-            </a:lvl9pPr>
-          </a:lstStyle>
-          <a:p>
-            <a:pPr eaLnBrk="1" latinLnBrk="1" hangingPunct="1">
-              <a:spcBef>
-                <a:spcPct val="0"/>
-              </a:spcBef>
-              <a:buClrTx/>
-              <a:buFontTx/>
-              <a:buNone/>
-            </a:pPr>
-            <a:r>
-              <a:rPr kumimoji="1" lang="en-US" altLang="ko-KR" sz="8800" dirty="0" smtClean="0">
-                <a:solidFill>
-                  <a:schemeClr val="tx1"/>
-                </a:solidFill>
-                <a:latin typeface="HY헤드라인M" panose="02030600000101010101" pitchFamily="18" charset="-127"/>
-              </a:rPr>
-              <a:t>Q &amp; A</a:t>
-            </a:r>
-            <a:endParaRPr kumimoji="1" lang="en-US" altLang="ko-KR" sz="8800" dirty="0">
-              <a:solidFill>
-                <a:schemeClr val="tx1"/>
-              </a:solidFill>
-              <a:latin typeface="HY헤드라인M" panose="02030600000101010101" pitchFamily="18" charset="-127"/>
-            </a:endParaRPr>
-          </a:p>
-        </p:txBody>
-      </p:sp>
-      <p:sp>
-        <p:nvSpPr>
-          <p:cNvPr id="7" name="제목 2"/>
-          <p:cNvSpPr>
-            <a:spLocks noGrp="1"/>
-          </p:cNvSpPr>
-          <p:nvPr>
-            <p:ph type="title"/>
-          </p:nvPr>
-        </p:nvSpPr>
-        <p:spPr>
-          <a:xfrm>
-            <a:off x="252046" y="0"/>
-            <a:ext cx="5981678" cy="620688"/>
-          </a:xfrm>
-        </p:spPr>
-        <p:txBody>
-          <a:bodyPr/>
-          <a:lstStyle/>
-          <a:p>
-            <a:r>
-              <a:rPr lang="ko-KR" altLang="en-US" dirty="0" smtClean="0">
-                <a:latin typeface="HY헤드라인M" panose="02030600000101010101" pitchFamily="18" charset="-127"/>
-                <a:ea typeface="HY헤드라인M" panose="02030600000101010101" pitchFamily="18" charset="-127"/>
-              </a:rPr>
-              <a:t>질의 </a:t>
-            </a:r>
-            <a:r>
-              <a:rPr lang="en-US" altLang="ko-KR" dirty="0" smtClean="0">
-                <a:latin typeface="HY헤드라인M" panose="02030600000101010101" pitchFamily="18" charset="-127"/>
-                <a:ea typeface="HY헤드라인M" panose="02030600000101010101" pitchFamily="18" charset="-127"/>
-              </a:rPr>
-              <a:t>/ </a:t>
-            </a:r>
-            <a:r>
-              <a:rPr lang="ko-KR" altLang="en-US" dirty="0" smtClean="0">
-                <a:latin typeface="HY헤드라인M" panose="02030600000101010101" pitchFamily="18" charset="-127"/>
-                <a:ea typeface="HY헤드라인M" panose="02030600000101010101" pitchFamily="18" charset="-127"/>
-              </a:rPr>
-              <a:t>응답</a:t>
-            </a:r>
-            <a:endParaRPr lang="ko-KR" altLang="en-US" dirty="0">
-              <a:latin typeface="HY헤드라인M" panose="02030600000101010101" pitchFamily="18" charset="-127"/>
-              <a:ea typeface="HY헤드라인M" panose="02030600000101010101" pitchFamily="18" charset="-127"/>
-            </a:endParaRPr>
-          </a:p>
-        </p:txBody>
-      </p:sp>
-    </p:spTree>
-    <p:extLst>
-      <p:ext uri="{BB962C8B-B14F-4D97-AF65-F5344CB8AC3E}">
-        <p14:creationId xmlns:p14="http://schemas.microsoft.com/office/powerpoint/2010/main" val="3987397515"/>
-      </p:ext>
-    </p:extLst>
-  </p:cSld>
-  <p:clrMapOvr>
-    <a:masterClrMapping/>
-  </p:clrMapOvr>
-  <p:timing>
-    <p:tnLst>
-      <p:par>
-        <p:cTn id="1" dur="indefinite" restart="never" nodeType="tmRoot"/>
-      </p:par>
-    </p:tnLst>
-  </p:timing>
-</p:sld>
-</file>
-
-<file path=ppt/slides/slide6.xml><?xml version="1.0" encoding="utf-8"?>
-<p:sld xmlns:a="http://schemas.openxmlformats.org/drawingml/2006/main" xmlns:r="http://schemas.openxmlformats.org/officeDocument/2006/relationships" xmlns:p="http://schemas.openxmlformats.org/presentationml/2006/main">
-  <p:cSld>
-    <p:spTree>
-      <p:nvGrpSpPr>
-        <p:cNvPr id="1" name=""/>
-        <p:cNvGrpSpPr/>
-        <p:nvPr/>
-      </p:nvGrpSpPr>
-      <p:grpSpPr>
-        <a:xfrm>
-          <a:off x="0" y="0"/>
-          <a:ext cx="0" cy="0"/>
-          <a:chOff x="0" y="0"/>
-          <a:chExt cx="0" cy="0"/>
-        </a:xfrm>
-      </p:grpSpPr>
-      <p:sp>
-        <p:nvSpPr>
-          <p:cNvPr id="2" name="제목 1"/>
-          <p:cNvSpPr>
-            <a:spLocks noGrp="1"/>
-          </p:cNvSpPr>
-          <p:nvPr>
-            <p:ph type="ctrTitle" sz="quarter"/>
-          </p:nvPr>
-        </p:nvSpPr>
-        <p:spPr>
-          <a:xfrm>
-            <a:off x="660593" y="2317752"/>
-            <a:ext cx="7833076" cy="1281113"/>
-          </a:xfrm>
-          <a:prstGeom prst="rect">
-            <a:avLst/>
-          </a:prstGeom>
-        </p:spPr>
-        <p:txBody>
-          <a:bodyPr/>
-          <a:lstStyle/>
-          <a:p>
-            <a:r>
-              <a:rPr lang="ko-KR" altLang="en-US" dirty="0" smtClean="0"/>
-              <a:t>감 사 합니다</a:t>
-            </a:r>
-            <a:r>
-              <a:rPr lang="en-US" altLang="ko-KR" dirty="0" smtClean="0"/>
-              <a:t>.</a:t>
-            </a:r>
-            <a:endParaRPr lang="ko-KR" altLang="en-US" dirty="0"/>
-          </a:p>
-        </p:txBody>
-      </p:sp>
-      <p:sp>
-        <p:nvSpPr>
-          <p:cNvPr id="3" name="부제목 2"/>
-          <p:cNvSpPr>
-            <a:spLocks noGrp="1"/>
-          </p:cNvSpPr>
-          <p:nvPr>
-            <p:ph type="subTitle" sz="quarter" idx="1"/>
-          </p:nvPr>
-        </p:nvSpPr>
-        <p:spPr/>
-        <p:txBody>
-          <a:bodyPr/>
-          <a:lstStyle/>
-          <a:p>
-            <a:endParaRPr lang="ko-KR" altLang="en-US" dirty="0"/>
-          </a:p>
-        </p:txBody>
-      </p:sp>
-    </p:spTree>
-    <p:extLst>
-      <p:ext uri="{BB962C8B-B14F-4D97-AF65-F5344CB8AC3E}">
-        <p14:creationId xmlns:p14="http://schemas.microsoft.com/office/powerpoint/2010/main" val="1030149719"/>
       </p:ext>
     </p:extLst>
   </p:cSld>

--- a/ouputs/수료프로젝트 발표_1팀.pptx
+++ b/ouputs/수료프로젝트 발표_1팀.pptx
@@ -11,7 +11,7 @@
     <p:handoutMasterId r:id="rId4"/>
   </p:handoutMasterIdLst>
   <p:sldIdLst>
-    <p:sldId id="300" r:id="rId2"/>
+    <p:sldId id="301" r:id="rId2"/>
   </p:sldIdLst>
   <p:sldSz cx="9144000" cy="6858000" type="screen4x3"/>
   <p:notesSz cx="6858000" cy="9144000"/>
@@ -9989,11 +9989,7 @@
           </p:cNvGraphicFramePr>
           <p:nvPr>
             <p:ph idx="1"/>
-            <p:extLst>
-              <p:ext uri="{D42A27DB-BD31-4B8C-83A1-F6EECF244321}">
-                <p14:modId xmlns:p14="http://schemas.microsoft.com/office/powerpoint/2010/main" val="1138845734"/>
-              </p:ext>
-            </p:extLst>
+            <p:extLst/>
           </p:nvPr>
         </p:nvGraphicFramePr>
         <p:xfrm>
@@ -10257,7 +10253,7 @@
                     <a:p>
                       <a:pPr algn="ctr" latinLnBrk="1"/>
                       <a:r>
-                        <a:rPr lang="ko-KR" altLang="en-US" sz="2400" b="1" dirty="0" smtClean="0">
+                        <a:rPr lang="ko-KR" altLang="en-US" sz="2400" b="1" i="0" dirty="0" smtClean="0">
                           <a:solidFill>
                             <a:schemeClr val="bg2">
                               <a:lumMod val="10000"/>
@@ -10266,7 +10262,7 @@
                         </a:rPr>
                         <a:t>회원관리</a:t>
                       </a:r>
-                      <a:endParaRPr lang="ko-KR" altLang="en-US" sz="2400" b="1" dirty="0">
+                      <a:endParaRPr lang="ko-KR" altLang="en-US" sz="2400" b="1" i="0" dirty="0">
                         <a:solidFill>
                           <a:schemeClr val="bg2">
                             <a:lumMod val="10000"/>
@@ -10304,10 +10300,7 @@
                       <a:tailEnd type="none" w="med" len="med"/>
                     </a:lnB>
                     <a:solidFill>
-                      <a:schemeClr val="accent2">
-                        <a:lumMod val="40000"/>
-                        <a:lumOff val="60000"/>
-                      </a:schemeClr>
+                      <a:schemeClr val="bg1"/>
                     </a:solidFill>
                   </a:tcPr>
                 </a:tc>
@@ -10318,7 +10311,7 @@
                     <a:p>
                       <a:pPr algn="ctr" latinLnBrk="1"/>
                       <a:r>
-                        <a:rPr lang="ko-KR" altLang="en-US" sz="1800" b="1" dirty="0" smtClean="0">
+                        <a:rPr lang="ko-KR" altLang="en-US" sz="1800" b="1" i="0" dirty="0" smtClean="0">
                           <a:solidFill>
                             <a:schemeClr val="bg2">
                               <a:lumMod val="10000"/>
@@ -10327,7 +10320,7 @@
                         </a:rPr>
                         <a:t>회원정보</a:t>
                       </a:r>
-                      <a:endParaRPr lang="ko-KR" altLang="en-US" sz="1800" b="1" dirty="0">
+                      <a:endParaRPr lang="ko-KR" altLang="en-US" sz="1800" b="1" i="0" dirty="0">
                         <a:solidFill>
                           <a:schemeClr val="bg2">
                             <a:lumMod val="10000"/>
@@ -10374,10 +10367,7 @@
                       <a:tailEnd type="none" w="med" len="med"/>
                     </a:lnB>
                     <a:solidFill>
-                      <a:schemeClr val="accent2">
-                        <a:lumMod val="40000"/>
-                        <a:lumOff val="60000"/>
-                      </a:schemeClr>
+                      <a:schemeClr val="bg1"/>
                     </a:solidFill>
                   </a:tcPr>
                 </a:tc>
@@ -10444,10 +10434,7 @@
                       <a:tailEnd type="none" w="med" len="med"/>
                     </a:lnB>
                     <a:solidFill>
-                      <a:schemeClr val="accent2">
-                        <a:lumMod val="40000"/>
-                        <a:lumOff val="60000"/>
-                      </a:schemeClr>
+                      <a:schemeClr val="bg1"/>
                     </a:solidFill>
                   </a:tcPr>
                 </a:tc>
@@ -10505,10 +10492,7 @@
                       <a:tailEnd type="none" w="med" len="med"/>
                     </a:lnB>
                     <a:solidFill>
-                      <a:schemeClr val="accent2">
-                        <a:lumMod val="40000"/>
-                        <a:lumOff val="60000"/>
-                      </a:schemeClr>
+                      <a:schemeClr val="bg1"/>
                     </a:solidFill>
                   </a:tcPr>
                 </a:tc>
@@ -10642,7 +10626,67 @@
                             </a:schemeClr>
                           </a:solidFill>
                         </a:rPr>
-                        <a:t>회원정보 조회 및 수정</a:t>
+                        <a:t>회원정보</a:t>
+                      </a:r>
+                      <a:endParaRPr lang="en-US" altLang="ko-KR" sz="1400" dirty="0" smtClean="0">
+                        <a:solidFill>
+                          <a:schemeClr val="bg2">
+                            <a:lumMod val="10000"/>
+                          </a:schemeClr>
+                        </a:solidFill>
+                      </a:endParaRPr>
+                    </a:p>
+                    <a:p>
+                      <a:pPr algn="ctr" latinLnBrk="1"/>
+                      <a:r>
+                        <a:rPr lang="ko-KR" altLang="en-US" sz="1400" dirty="0" smtClean="0">
+                          <a:solidFill>
+                            <a:schemeClr val="bg2">
+                              <a:lumMod val="10000"/>
+                            </a:schemeClr>
+                          </a:solidFill>
+                        </a:rPr>
+                        <a:t> 조회</a:t>
+                      </a:r>
+                      <a:r>
+                        <a:rPr lang="en-US" altLang="ko-KR" sz="1400" dirty="0" smtClean="0">
+                          <a:solidFill>
+                            <a:schemeClr val="bg2">
+                              <a:lumMod val="10000"/>
+                            </a:schemeClr>
+                          </a:solidFill>
+                        </a:rPr>
+                        <a:t>/</a:t>
+                      </a:r>
+                      <a:r>
+                        <a:rPr lang="ko-KR" altLang="en-US" sz="1400" dirty="0" smtClean="0">
+                          <a:solidFill>
+                            <a:schemeClr val="bg2">
+                              <a:lumMod val="10000"/>
+                            </a:schemeClr>
+                          </a:solidFill>
+                        </a:rPr>
+                        <a:t>수정</a:t>
+                      </a:r>
+                      <a:r>
+                        <a:rPr lang="en-US" altLang="ko-KR" sz="1400" dirty="0" smtClean="0">
+                          <a:solidFill>
+                            <a:schemeClr val="bg2">
+                              <a:lumMod val="10000"/>
+                            </a:schemeClr>
+                          </a:solidFill>
+                        </a:rPr>
+                        <a:t>/</a:t>
+                      </a:r>
+                      <a:r>
+                        <a:rPr lang="ko-KR" altLang="en-US" sz="1400" dirty="0" smtClean="0">
+                          <a:solidFill>
+                            <a:schemeClr val="bg2">
+                              <a:lumMod val="10000"/>
+                            </a:schemeClr>
+                          </a:solidFill>
+                        </a:rPr>
+                        <a:t>탈퇴</a:t>
                       </a:r>
                       <a:endParaRPr lang="ko-KR" altLang="en-US" sz="1400" dirty="0">
                         <a:solidFill>
@@ -10691,10 +10735,7 @@
                       <a:tailEnd type="none" w="med" len="med"/>
                     </a:lnB>
                     <a:solidFill>
-                      <a:schemeClr val="accent2">
-                        <a:lumMod val="40000"/>
-                        <a:lumOff val="60000"/>
-                      </a:schemeClr>
+                      <a:schemeClr val="bg1"/>
                     </a:solidFill>
                   </a:tcPr>
                 </a:tc>
@@ -10815,10 +10856,7 @@
                       <a:tailEnd type="none" w="med" len="med"/>
                     </a:lnB>
                     <a:solidFill>
-                      <a:schemeClr val="accent2">
-                        <a:lumMod val="40000"/>
-                        <a:lumOff val="60000"/>
-                      </a:schemeClr>
+                      <a:schemeClr val="bg1"/>
                     </a:solidFill>
                   </a:tcPr>
                 </a:tc>
@@ -11021,10 +11059,7 @@
                       <a:tailEnd type="none" w="med" len="med"/>
                     </a:lnB>
                     <a:solidFill>
-                      <a:schemeClr val="accent2">
-                        <a:lumMod val="40000"/>
-                        <a:lumOff val="60000"/>
-                      </a:schemeClr>
+                      <a:schemeClr val="bg1"/>
                     </a:solidFill>
                   </a:tcPr>
                 </a:tc>
@@ -11092,10 +11127,7 @@
                       <a:tailEnd type="none" w="med" len="med"/>
                     </a:lnB>
                     <a:solidFill>
-                      <a:schemeClr val="accent2">
-                        <a:lumMod val="40000"/>
-                        <a:lumOff val="60000"/>
-                      </a:schemeClr>
+                      <a:schemeClr val="bg1"/>
                     </a:solidFill>
                   </a:tcPr>
                 </a:tc>
@@ -11160,10 +11192,7 @@
                       <a:tailEnd type="none" w="med" len="med"/>
                     </a:lnB>
                     <a:solidFill>
-                      <a:schemeClr val="accent6">
-                        <a:lumMod val="40000"/>
-                        <a:lumOff val="60000"/>
-                      </a:schemeClr>
+                      <a:schemeClr val="bg1"/>
                     </a:solidFill>
                   </a:tcPr>
                 </a:tc>
@@ -11230,10 +11259,7 @@
                       <a:tailEnd type="none" w="med" len="med"/>
                     </a:lnB>
                     <a:solidFill>
-                      <a:schemeClr val="accent6">
-                        <a:lumMod val="40000"/>
-                        <a:lumOff val="60000"/>
-                      </a:schemeClr>
+                      <a:schemeClr val="bg1"/>
                     </a:solidFill>
                   </a:tcPr>
                 </a:tc>
@@ -11310,10 +11336,7 @@
                       <a:tailEnd type="none" w="med" len="med"/>
                     </a:lnB>
                     <a:solidFill>
-                      <a:schemeClr val="accent6">
-                        <a:lumMod val="40000"/>
-                        <a:lumOff val="60000"/>
-                      </a:schemeClr>
+                      <a:schemeClr val="bg1"/>
                     </a:solidFill>
                   </a:tcPr>
                 </a:tc>
@@ -11381,10 +11404,7 @@
                       <a:tailEnd type="none" w="med" len="med"/>
                     </a:lnB>
                     <a:solidFill>
-                      <a:schemeClr val="accent6">
-                        <a:lumMod val="40000"/>
-                        <a:lumOff val="60000"/>
-                      </a:schemeClr>
+                      <a:schemeClr val="bg1"/>
                     </a:solidFill>
                   </a:tcPr>
                 </a:tc>
@@ -11485,10 +11505,7 @@
                       <a:tailEnd type="none" w="med" len="med"/>
                     </a:lnB>
                     <a:solidFill>
-                      <a:schemeClr val="accent6">
-                        <a:lumMod val="40000"/>
-                        <a:lumOff val="60000"/>
-                      </a:schemeClr>
+                      <a:schemeClr val="bg1"/>
                     </a:solidFill>
                   </a:tcPr>
                 </a:tc>
@@ -11586,10 +11603,7 @@
                       <a:tailEnd type="none" w="med" len="med"/>
                     </a:lnB>
                     <a:solidFill>
-                      <a:schemeClr val="accent6">
-                        <a:lumMod val="40000"/>
-                        <a:lumOff val="60000"/>
-                      </a:schemeClr>
+                      <a:schemeClr val="bg1"/>
                     </a:solidFill>
                   </a:tcPr>
                 </a:tc>
@@ -11665,10 +11679,7 @@
                       <a:tailEnd type="none" w="med" len="med"/>
                     </a:lnB>
                     <a:solidFill>
-                      <a:schemeClr val="accent4">
-                        <a:lumMod val="40000"/>
-                        <a:lumOff val="60000"/>
-                      </a:schemeClr>
+                      <a:schemeClr val="bg1"/>
                     </a:solidFill>
                   </a:tcPr>
                 </a:tc>
@@ -11735,10 +11746,7 @@
                       <a:tailEnd type="none" w="med" len="med"/>
                     </a:lnB>
                     <a:solidFill>
-                      <a:schemeClr val="accent4">
-                        <a:lumMod val="40000"/>
-                        <a:lumOff val="60000"/>
-                      </a:schemeClr>
+                      <a:schemeClr val="bg1"/>
                     </a:solidFill>
                   </a:tcPr>
                 </a:tc>
@@ -11815,10 +11823,7 @@
                       <a:tailEnd type="none" w="med" len="med"/>
                     </a:lnB>
                     <a:solidFill>
-                      <a:schemeClr val="accent4">
-                        <a:lumMod val="40000"/>
-                        <a:lumOff val="60000"/>
-                      </a:schemeClr>
+                      <a:schemeClr val="bg1"/>
                     </a:solidFill>
                   </a:tcPr>
                 </a:tc>
@@ -11974,10 +11979,7 @@
                       <a:tailEnd type="none" w="med" len="med"/>
                     </a:lnB>
                     <a:solidFill>
-                      <a:schemeClr val="accent4">
-                        <a:lumMod val="40000"/>
-                        <a:lumOff val="60000"/>
-                      </a:schemeClr>
+                      <a:schemeClr val="bg1"/>
                     </a:solidFill>
                   </a:tcPr>
                 </a:tc>
@@ -12062,10 +12064,7 @@
                       <a:tailEnd type="none" w="med" len="med"/>
                     </a:lnB>
                     <a:solidFill>
-                      <a:schemeClr val="accent4">
-                        <a:lumMod val="40000"/>
-                        <a:lumOff val="60000"/>
-                      </a:schemeClr>
+                      <a:schemeClr val="bg1"/>
                     </a:solidFill>
                   </a:tcPr>
                 </a:tc>
@@ -12172,10 +12171,7 @@
                       <a:tailEnd type="none" w="med" len="med"/>
                     </a:lnB>
                     <a:solidFill>
-                      <a:schemeClr val="accent4">
-                        <a:lumMod val="40000"/>
-                        <a:lumOff val="60000"/>
-                      </a:schemeClr>
+                      <a:schemeClr val="bg1"/>
                     </a:solidFill>
                   </a:tcPr>
                 </a:tc>
@@ -12302,10 +12298,7 @@
                       <a:tailEnd type="none" w="med" len="med"/>
                     </a:lnB>
                     <a:solidFill>
-                      <a:schemeClr val="accent4">
-                        <a:lumMod val="40000"/>
-                        <a:lumOff val="60000"/>
-                      </a:schemeClr>
+                      <a:schemeClr val="bg1"/>
                     </a:solidFill>
                   </a:tcPr>
                 </a:tc>
@@ -12416,10 +12409,7 @@
                       <a:tailEnd type="none" w="med" len="med"/>
                     </a:lnB>
                     <a:solidFill>
-                      <a:schemeClr val="accent4">
-                        <a:lumMod val="40000"/>
-                        <a:lumOff val="60000"/>
-                      </a:schemeClr>
+                      <a:schemeClr val="bg1"/>
                     </a:solidFill>
                   </a:tcPr>
                 </a:tc>
@@ -12526,10 +12516,7 @@
                       <a:tailEnd type="none" w="med" len="med"/>
                     </a:lnB>
                     <a:solidFill>
-                      <a:schemeClr val="accent1">
-                        <a:lumMod val="40000"/>
-                        <a:lumOff val="60000"/>
-                      </a:schemeClr>
+                      <a:schemeClr val="bg1"/>
                     </a:solidFill>
                   </a:tcPr>
                 </a:tc>
@@ -12606,10 +12593,7 @@
                       <a:tailEnd type="none" w="med" len="med"/>
                     </a:lnB>
                     <a:solidFill>
-                      <a:schemeClr val="accent1">
-                        <a:lumMod val="40000"/>
-                        <a:lumOff val="60000"/>
-                      </a:schemeClr>
+                      <a:schemeClr val="bg1"/>
                     </a:solidFill>
                   </a:tcPr>
                 </a:tc>
@@ -12684,10 +12668,7 @@
                       <a:prstDash val="solid"/>
                     </a:lnBlToTr>
                     <a:solidFill>
-                      <a:schemeClr val="accent1">
-                        <a:lumMod val="40000"/>
-                        <a:lumOff val="60000"/>
-                      </a:schemeClr>
+                      <a:schemeClr val="bg1"/>
                     </a:solidFill>
                   </a:tcPr>
                 </a:tc>
@@ -12776,10 +12757,7 @@
                       <a:prstDash val="solid"/>
                     </a:lnBlToTr>
                     <a:solidFill>
-                      <a:schemeClr val="accent1">
-                        <a:lumMod val="40000"/>
-                        <a:lumOff val="60000"/>
-                      </a:schemeClr>
+                      <a:schemeClr val="bg1"/>
                     </a:solidFill>
                   </a:tcPr>
                 </a:tc>
@@ -12838,7 +12816,7 @@
     </p:spTree>
     <p:extLst>
       <p:ext uri="{BB962C8B-B14F-4D97-AF65-F5344CB8AC3E}">
-        <p14:creationId xmlns:p14="http://schemas.microsoft.com/office/powerpoint/2010/main" val="4184808542"/>
+        <p14:creationId xmlns:p14="http://schemas.microsoft.com/office/powerpoint/2010/main" val="2852367266"/>
       </p:ext>
     </p:extLst>
   </p:cSld>
